--- a/软件工程/Report/软工答辩.pptx
+++ b/软件工程/Report/软工答辩.pptx
@@ -6,7 +6,7 @@
     <p:sldMasterId id="2147483751" r:id="rId2"/>
   </p:sldMasterIdLst>
   <p:notesMasterIdLst>
-    <p:notesMasterId r:id="rId21"/>
+    <p:notesMasterId r:id="rId25"/>
   </p:notesMasterIdLst>
   <p:sldIdLst>
     <p:sldId id="256" r:id="rId3"/>
@@ -23,15 +23,19 @@
     <p:sldId id="338" r:id="rId14"/>
     <p:sldId id="339" r:id="rId15"/>
     <p:sldId id="290" r:id="rId16"/>
-    <p:sldId id="292" r:id="rId17"/>
-    <p:sldId id="334" r:id="rId18"/>
-    <p:sldId id="335" r:id="rId19"/>
-    <p:sldId id="286" r:id="rId20"/>
+    <p:sldId id="340" r:id="rId17"/>
+    <p:sldId id="341" r:id="rId18"/>
+    <p:sldId id="343" r:id="rId19"/>
+    <p:sldId id="342" r:id="rId20"/>
+    <p:sldId id="292" r:id="rId21"/>
+    <p:sldId id="334" r:id="rId22"/>
+    <p:sldId id="335" r:id="rId23"/>
+    <p:sldId id="286" r:id="rId24"/>
   </p:sldIdLst>
   <p:sldSz cx="9144000" cy="5143500" type="screen16x9"/>
   <p:notesSz cx="6858000" cy="9144000"/>
   <p:custDataLst>
-    <p:tags r:id="rId22"/>
+    <p:tags r:id="rId26"/>
   </p:custDataLst>
   <p:defaultTextStyle>
     <a:defPPr>
@@ -234,7 +238,7 @@
             <a:fld id="{7AFACBB1-1174-4432-BE6F-41B3ACC0B83F}" type="datetimeFigureOut">
               <a:rPr lang="zh-CN" altLang="en-US" smtClean="0"/>
               <a:pPr/>
-              <a:t>2023/3/2</a:t>
+              <a:t>2023/3/3</a:t>
             </a:fld>
             <a:endParaRPr lang="zh-CN" altLang="en-US" dirty="0"/>
           </a:p>
@@ -1077,18 +1081,19 @@
           <a:bodyPr/>
           <a:lstStyle/>
           <a:p>
-            <a:fld id="{A5C8DB37-21FE-466F-861C-5865DBFB1088}" type="slidenum">
+            <a:fld id="{F10490FA-BF50-4B16-B630-490134ED6E9B}" type="slidenum">
               <a:rPr lang="zh-CN" altLang="en-US" smtClean="0"/>
+              <a:pPr/>
               <a:t>15</a:t>
             </a:fld>
-            <a:endParaRPr lang="zh-CN" altLang="en-US"/>
+            <a:endParaRPr lang="zh-CN" altLang="en-US" dirty="0"/>
           </a:p>
         </p:txBody>
       </p:sp>
     </p:spTree>
     <p:extLst>
       <p:ext uri="{BB962C8B-B14F-4D97-AF65-F5344CB8AC3E}">
-        <p14:creationId xmlns:p14="http://schemas.microsoft.com/office/powerpoint/2010/main" val="1246832542"/>
+        <p14:creationId xmlns:p14="http://schemas.microsoft.com/office/powerpoint/2010/main" val="2649216807"/>
       </p:ext>
     </p:extLst>
   </p:cSld>
@@ -1161,18 +1166,19 @@
           <a:bodyPr/>
           <a:lstStyle/>
           <a:p>
-            <a:fld id="{A5C8DB37-21FE-466F-861C-5865DBFB1088}" type="slidenum">
+            <a:fld id="{F10490FA-BF50-4B16-B630-490134ED6E9B}" type="slidenum">
               <a:rPr lang="zh-CN" altLang="en-US" smtClean="0"/>
+              <a:pPr/>
               <a:t>16</a:t>
             </a:fld>
-            <a:endParaRPr lang="zh-CN" altLang="en-US"/>
+            <a:endParaRPr lang="zh-CN" altLang="en-US" dirty="0"/>
           </a:p>
         </p:txBody>
       </p:sp>
     </p:spTree>
     <p:extLst>
       <p:ext uri="{BB962C8B-B14F-4D97-AF65-F5344CB8AC3E}">
-        <p14:creationId xmlns:p14="http://schemas.microsoft.com/office/powerpoint/2010/main" val="2252201427"/>
+        <p14:creationId xmlns:p14="http://schemas.microsoft.com/office/powerpoint/2010/main" val="1958814535"/>
       </p:ext>
     </p:extLst>
   </p:cSld>
@@ -1257,7 +1263,7 @@
     </p:spTree>
     <p:extLst>
       <p:ext uri="{BB962C8B-B14F-4D97-AF65-F5344CB8AC3E}">
-        <p14:creationId xmlns:p14="http://schemas.microsoft.com/office/powerpoint/2010/main" val="9588928"/>
+        <p14:creationId xmlns:p14="http://schemas.microsoft.com/office/powerpoint/2010/main" val="2397100763"/>
       </p:ext>
     </p:extLst>
   </p:cSld>
@@ -1330,9 +1336,94 @@
           <a:bodyPr/>
           <a:lstStyle/>
           <a:p>
+            <a:fld id="{F10490FA-BF50-4B16-B630-490134ED6E9B}" type="slidenum">
+              <a:rPr lang="zh-CN" altLang="en-US" smtClean="0"/>
+              <a:pPr/>
+              <a:t>18</a:t>
+            </a:fld>
+            <a:endParaRPr lang="zh-CN" altLang="en-US" dirty="0"/>
+          </a:p>
+        </p:txBody>
+      </p:sp>
+    </p:spTree>
+    <p:extLst>
+      <p:ext uri="{BB962C8B-B14F-4D97-AF65-F5344CB8AC3E}">
+        <p14:creationId xmlns:p14="http://schemas.microsoft.com/office/powerpoint/2010/main" val="1976842539"/>
+      </p:ext>
+    </p:extLst>
+  </p:cSld>
+  <p:clrMapOvr>
+    <a:masterClrMapping/>
+  </p:clrMapOvr>
+</p:notes>
+</file>
+
+<file path=ppt/notesSlides/notesSlide19.xml><?xml version="1.0" encoding="utf-8"?>
+<p:notes xmlns:a="http://schemas.openxmlformats.org/drawingml/2006/main" xmlns:r="http://schemas.openxmlformats.org/officeDocument/2006/relationships" xmlns:p="http://schemas.openxmlformats.org/presentationml/2006/main">
+  <p:cSld>
+    <p:spTree>
+      <p:nvGrpSpPr>
+        <p:cNvPr id="1" name=""/>
+        <p:cNvGrpSpPr/>
+        <p:nvPr/>
+      </p:nvGrpSpPr>
+      <p:grpSpPr>
+        <a:xfrm>
+          <a:off x="0" y="0"/>
+          <a:ext cx="0" cy="0"/>
+          <a:chOff x="0" y="0"/>
+          <a:chExt cx="0" cy="0"/>
+        </a:xfrm>
+      </p:grpSpPr>
+      <p:sp>
+        <p:nvSpPr>
+          <p:cNvPr id="2" name="幻灯片图像占位符 1"/>
+          <p:cNvSpPr>
+            <a:spLocks noGrp="1" noRot="1" noChangeAspect="1"/>
+          </p:cNvSpPr>
+          <p:nvPr>
+            <p:ph type="sldImg"/>
+          </p:nvPr>
+        </p:nvSpPr>
+        <p:spPr/>
+      </p:sp>
+      <p:sp>
+        <p:nvSpPr>
+          <p:cNvPr id="3" name="备注占位符 2"/>
+          <p:cNvSpPr>
+            <a:spLocks noGrp="1"/>
+          </p:cNvSpPr>
+          <p:nvPr>
+            <p:ph type="body" idx="1"/>
+          </p:nvPr>
+        </p:nvSpPr>
+        <p:spPr/>
+        <p:txBody>
+          <a:bodyPr/>
+          <a:lstStyle/>
+          <a:p>
+            <a:endParaRPr lang="zh-CN" altLang="en-US"/>
+          </a:p>
+        </p:txBody>
+      </p:sp>
+      <p:sp>
+        <p:nvSpPr>
+          <p:cNvPr id="4" name="灯片编号占位符 3"/>
+          <p:cNvSpPr>
+            <a:spLocks noGrp="1"/>
+          </p:cNvSpPr>
+          <p:nvPr>
+            <p:ph type="sldNum" sz="quarter" idx="10"/>
+          </p:nvPr>
+        </p:nvSpPr>
+        <p:spPr/>
+        <p:txBody>
+          <a:bodyPr/>
+          <a:lstStyle/>
+          <a:p>
             <a:fld id="{A5C8DB37-21FE-466F-861C-5865DBFB1088}" type="slidenum">
               <a:rPr lang="zh-CN" altLang="en-US" smtClean="0"/>
-              <a:t>18</a:t>
+              <a:t>19</a:t>
             </a:fld>
             <a:endParaRPr lang="zh-CN" altLang="en-US"/>
           </a:p>
@@ -1341,7 +1432,7 @@
     </p:spTree>
     <p:extLst>
       <p:ext uri="{BB962C8B-B14F-4D97-AF65-F5344CB8AC3E}">
-        <p14:creationId xmlns:p14="http://schemas.microsoft.com/office/powerpoint/2010/main" val="4211470335"/>
+        <p14:creationId xmlns:p14="http://schemas.microsoft.com/office/powerpoint/2010/main" val="1246832542"/>
       </p:ext>
     </p:extLst>
   </p:cSld>
@@ -1440,6 +1531,259 @@
     <p:extLst>
       <p:ext uri="{BB962C8B-B14F-4D97-AF65-F5344CB8AC3E}">
         <p14:creationId xmlns:p14="http://schemas.microsoft.com/office/powerpoint/2010/main" val="3256673092"/>
+      </p:ext>
+    </p:extLst>
+  </p:cSld>
+  <p:clrMapOvr>
+    <a:masterClrMapping/>
+  </p:clrMapOvr>
+</p:notes>
+</file>
+
+<file path=ppt/notesSlides/notesSlide20.xml><?xml version="1.0" encoding="utf-8"?>
+<p:notes xmlns:a="http://schemas.openxmlformats.org/drawingml/2006/main" xmlns:r="http://schemas.openxmlformats.org/officeDocument/2006/relationships" xmlns:p="http://schemas.openxmlformats.org/presentationml/2006/main">
+  <p:cSld>
+    <p:spTree>
+      <p:nvGrpSpPr>
+        <p:cNvPr id="1" name=""/>
+        <p:cNvGrpSpPr/>
+        <p:nvPr/>
+      </p:nvGrpSpPr>
+      <p:grpSpPr>
+        <a:xfrm>
+          <a:off x="0" y="0"/>
+          <a:ext cx="0" cy="0"/>
+          <a:chOff x="0" y="0"/>
+          <a:chExt cx="0" cy="0"/>
+        </a:xfrm>
+      </p:grpSpPr>
+      <p:sp>
+        <p:nvSpPr>
+          <p:cNvPr id="2" name="幻灯片图像占位符 1"/>
+          <p:cNvSpPr>
+            <a:spLocks noGrp="1" noRot="1" noChangeAspect="1"/>
+          </p:cNvSpPr>
+          <p:nvPr>
+            <p:ph type="sldImg"/>
+          </p:nvPr>
+        </p:nvSpPr>
+        <p:spPr/>
+      </p:sp>
+      <p:sp>
+        <p:nvSpPr>
+          <p:cNvPr id="3" name="备注占位符 2"/>
+          <p:cNvSpPr>
+            <a:spLocks noGrp="1"/>
+          </p:cNvSpPr>
+          <p:nvPr>
+            <p:ph type="body" idx="1"/>
+          </p:nvPr>
+        </p:nvSpPr>
+        <p:spPr/>
+        <p:txBody>
+          <a:bodyPr/>
+          <a:lstStyle/>
+          <a:p>
+            <a:endParaRPr lang="zh-CN" altLang="en-US"/>
+          </a:p>
+        </p:txBody>
+      </p:sp>
+      <p:sp>
+        <p:nvSpPr>
+          <p:cNvPr id="4" name="灯片编号占位符 3"/>
+          <p:cNvSpPr>
+            <a:spLocks noGrp="1"/>
+          </p:cNvSpPr>
+          <p:nvPr>
+            <p:ph type="sldNum" sz="quarter" idx="10"/>
+          </p:nvPr>
+        </p:nvSpPr>
+        <p:spPr/>
+        <p:txBody>
+          <a:bodyPr/>
+          <a:lstStyle/>
+          <a:p>
+            <a:fld id="{A5C8DB37-21FE-466F-861C-5865DBFB1088}" type="slidenum">
+              <a:rPr lang="zh-CN" altLang="en-US" smtClean="0"/>
+              <a:t>20</a:t>
+            </a:fld>
+            <a:endParaRPr lang="zh-CN" altLang="en-US"/>
+          </a:p>
+        </p:txBody>
+      </p:sp>
+    </p:spTree>
+    <p:extLst>
+      <p:ext uri="{BB962C8B-B14F-4D97-AF65-F5344CB8AC3E}">
+        <p14:creationId xmlns:p14="http://schemas.microsoft.com/office/powerpoint/2010/main" val="2252201427"/>
+      </p:ext>
+    </p:extLst>
+  </p:cSld>
+  <p:clrMapOvr>
+    <a:masterClrMapping/>
+  </p:clrMapOvr>
+</p:notes>
+</file>
+
+<file path=ppt/notesSlides/notesSlide21.xml><?xml version="1.0" encoding="utf-8"?>
+<p:notes xmlns:a="http://schemas.openxmlformats.org/drawingml/2006/main" xmlns:r="http://schemas.openxmlformats.org/officeDocument/2006/relationships" xmlns:p="http://schemas.openxmlformats.org/presentationml/2006/main">
+  <p:cSld>
+    <p:spTree>
+      <p:nvGrpSpPr>
+        <p:cNvPr id="1" name=""/>
+        <p:cNvGrpSpPr/>
+        <p:nvPr/>
+      </p:nvGrpSpPr>
+      <p:grpSpPr>
+        <a:xfrm>
+          <a:off x="0" y="0"/>
+          <a:ext cx="0" cy="0"/>
+          <a:chOff x="0" y="0"/>
+          <a:chExt cx="0" cy="0"/>
+        </a:xfrm>
+      </p:grpSpPr>
+      <p:sp>
+        <p:nvSpPr>
+          <p:cNvPr id="2" name="幻灯片图像占位符 1"/>
+          <p:cNvSpPr>
+            <a:spLocks noGrp="1" noRot="1" noChangeAspect="1"/>
+          </p:cNvSpPr>
+          <p:nvPr>
+            <p:ph type="sldImg"/>
+          </p:nvPr>
+        </p:nvSpPr>
+        <p:spPr/>
+      </p:sp>
+      <p:sp>
+        <p:nvSpPr>
+          <p:cNvPr id="3" name="备注占位符 2"/>
+          <p:cNvSpPr>
+            <a:spLocks noGrp="1"/>
+          </p:cNvSpPr>
+          <p:nvPr>
+            <p:ph type="body" idx="1"/>
+          </p:nvPr>
+        </p:nvSpPr>
+        <p:spPr/>
+        <p:txBody>
+          <a:bodyPr/>
+          <a:lstStyle/>
+          <a:p>
+            <a:endParaRPr lang="zh-CN" altLang="en-US"/>
+          </a:p>
+        </p:txBody>
+      </p:sp>
+      <p:sp>
+        <p:nvSpPr>
+          <p:cNvPr id="4" name="灯片编号占位符 3"/>
+          <p:cNvSpPr>
+            <a:spLocks noGrp="1"/>
+          </p:cNvSpPr>
+          <p:nvPr>
+            <p:ph type="sldNum" sz="quarter" idx="10"/>
+          </p:nvPr>
+        </p:nvSpPr>
+        <p:spPr/>
+        <p:txBody>
+          <a:bodyPr/>
+          <a:lstStyle/>
+          <a:p>
+            <a:fld id="{F10490FA-BF50-4B16-B630-490134ED6E9B}" type="slidenum">
+              <a:rPr lang="zh-CN" altLang="en-US" smtClean="0"/>
+              <a:pPr/>
+              <a:t>21</a:t>
+            </a:fld>
+            <a:endParaRPr lang="zh-CN" altLang="en-US" dirty="0"/>
+          </a:p>
+        </p:txBody>
+      </p:sp>
+    </p:spTree>
+    <p:extLst>
+      <p:ext uri="{BB962C8B-B14F-4D97-AF65-F5344CB8AC3E}">
+        <p14:creationId xmlns:p14="http://schemas.microsoft.com/office/powerpoint/2010/main" val="9588928"/>
+      </p:ext>
+    </p:extLst>
+  </p:cSld>
+  <p:clrMapOvr>
+    <a:masterClrMapping/>
+  </p:clrMapOvr>
+</p:notes>
+</file>
+
+<file path=ppt/notesSlides/notesSlide22.xml><?xml version="1.0" encoding="utf-8"?>
+<p:notes xmlns:a="http://schemas.openxmlformats.org/drawingml/2006/main" xmlns:r="http://schemas.openxmlformats.org/officeDocument/2006/relationships" xmlns:p="http://schemas.openxmlformats.org/presentationml/2006/main">
+  <p:cSld>
+    <p:spTree>
+      <p:nvGrpSpPr>
+        <p:cNvPr id="1" name=""/>
+        <p:cNvGrpSpPr/>
+        <p:nvPr/>
+      </p:nvGrpSpPr>
+      <p:grpSpPr>
+        <a:xfrm>
+          <a:off x="0" y="0"/>
+          <a:ext cx="0" cy="0"/>
+          <a:chOff x="0" y="0"/>
+          <a:chExt cx="0" cy="0"/>
+        </a:xfrm>
+      </p:grpSpPr>
+      <p:sp>
+        <p:nvSpPr>
+          <p:cNvPr id="2" name="幻灯片图像占位符 1"/>
+          <p:cNvSpPr>
+            <a:spLocks noGrp="1" noRot="1" noChangeAspect="1"/>
+          </p:cNvSpPr>
+          <p:nvPr>
+            <p:ph type="sldImg"/>
+          </p:nvPr>
+        </p:nvSpPr>
+        <p:spPr/>
+      </p:sp>
+      <p:sp>
+        <p:nvSpPr>
+          <p:cNvPr id="3" name="备注占位符 2"/>
+          <p:cNvSpPr>
+            <a:spLocks noGrp="1"/>
+          </p:cNvSpPr>
+          <p:nvPr>
+            <p:ph type="body" idx="1"/>
+          </p:nvPr>
+        </p:nvSpPr>
+        <p:spPr/>
+        <p:txBody>
+          <a:bodyPr/>
+          <a:lstStyle/>
+          <a:p>
+            <a:endParaRPr lang="zh-CN" altLang="en-US"/>
+          </a:p>
+        </p:txBody>
+      </p:sp>
+      <p:sp>
+        <p:nvSpPr>
+          <p:cNvPr id="4" name="灯片编号占位符 3"/>
+          <p:cNvSpPr>
+            <a:spLocks noGrp="1"/>
+          </p:cNvSpPr>
+          <p:nvPr>
+            <p:ph type="sldNum" sz="quarter" idx="10"/>
+          </p:nvPr>
+        </p:nvSpPr>
+        <p:spPr/>
+        <p:txBody>
+          <a:bodyPr/>
+          <a:lstStyle/>
+          <a:p>
+            <a:fld id="{A5C8DB37-21FE-466F-861C-5865DBFB1088}" type="slidenum">
+              <a:rPr lang="zh-CN" altLang="en-US" smtClean="0"/>
+              <a:t>22</a:t>
+            </a:fld>
+            <a:endParaRPr lang="zh-CN" altLang="en-US"/>
+          </a:p>
+        </p:txBody>
+      </p:sp>
+    </p:spTree>
+    <p:extLst>
+      <p:ext uri="{BB962C8B-B14F-4D97-AF65-F5344CB8AC3E}">
+        <p14:creationId xmlns:p14="http://schemas.microsoft.com/office/powerpoint/2010/main" val="4211470335"/>
       </p:ext>
     </p:extLst>
   </p:cSld>
@@ -2242,7 +2586,7 @@
             <a:fld id="{86A4963E-0D9B-45DC-9720-FEC0E036E7DC}" type="datetimeFigureOut">
               <a:rPr lang="zh-CN" altLang="en-US" smtClean="0"/>
               <a:pPr/>
-              <a:t>2023/3/2</a:t>
+              <a:t>2023/3/3</a:t>
             </a:fld>
             <a:endParaRPr lang="zh-CN" altLang="en-US" dirty="0"/>
           </a:p>
@@ -2474,7 +2818,7 @@
           <a:p>
             <a:fld id="{B0C4986D-6BE9-4264-908F-02DB36FD8D6C}" type="datetime1">
               <a:rPr lang="en-US" smtClean="0"/>
-              <a:t>3/2/2023</a:t>
+              <a:t>3/3/2023</a:t>
             </a:fld>
             <a:endParaRPr lang="en-US" dirty="0"/>
           </a:p>
@@ -2608,7 +2952,7 @@
           <a:p>
             <a:fld id="{B0C4986D-6BE9-4264-908F-02DB36FD8D6C}" type="datetime1">
               <a:rPr lang="en-US" smtClean="0"/>
-              <a:t>3/2/2023</a:t>
+              <a:t>3/3/2023</a:t>
             </a:fld>
             <a:endParaRPr lang="en-US" dirty="0"/>
           </a:p>
@@ -2742,7 +3086,7 @@
           <a:p>
             <a:fld id="{B0C4986D-6BE9-4264-908F-02DB36FD8D6C}" type="datetime1">
               <a:rPr lang="en-US" smtClean="0"/>
-              <a:t>3/2/2023</a:t>
+              <a:t>3/3/2023</a:t>
             </a:fld>
             <a:endParaRPr lang="en-US" dirty="0"/>
           </a:p>
@@ -2876,7 +3220,7 @@
           <a:p>
             <a:fld id="{B0C4986D-6BE9-4264-908F-02DB36FD8D6C}" type="datetime1">
               <a:rPr lang="en-US" smtClean="0"/>
-              <a:t>3/2/2023</a:t>
+              <a:t>3/3/2023</a:t>
             </a:fld>
             <a:endParaRPr lang="en-US" dirty="0"/>
           </a:p>
@@ -3010,7 +3354,7 @@
           <a:p>
             <a:fld id="{B0C4986D-6BE9-4264-908F-02DB36FD8D6C}" type="datetime1">
               <a:rPr lang="en-US" smtClean="0"/>
-              <a:t>3/2/2023</a:t>
+              <a:t>3/3/2023</a:t>
             </a:fld>
             <a:endParaRPr lang="en-US" dirty="0"/>
           </a:p>
@@ -3144,7 +3488,7 @@
           <a:p>
             <a:fld id="{B0C4986D-6BE9-4264-908F-02DB36FD8D6C}" type="datetime1">
               <a:rPr lang="en-US" smtClean="0"/>
-              <a:t>3/2/2023</a:t>
+              <a:t>3/3/2023</a:t>
             </a:fld>
             <a:endParaRPr lang="en-US" dirty="0"/>
           </a:p>
@@ -3278,7 +3622,7 @@
           <a:p>
             <a:fld id="{B0C4986D-6BE9-4264-908F-02DB36FD8D6C}" type="datetime1">
               <a:rPr lang="en-US" smtClean="0"/>
-              <a:t>3/2/2023</a:t>
+              <a:t>3/3/2023</a:t>
             </a:fld>
             <a:endParaRPr lang="en-US" dirty="0"/>
           </a:p>
@@ -3412,7 +3756,7 @@
           <a:p>
             <a:fld id="{B0C4986D-6BE9-4264-908F-02DB36FD8D6C}" type="datetime1">
               <a:rPr lang="en-US" smtClean="0"/>
-              <a:t>3/2/2023</a:t>
+              <a:t>3/3/2023</a:t>
             </a:fld>
             <a:endParaRPr lang="en-US" dirty="0"/>
           </a:p>
@@ -3546,7 +3890,7 @@
           <a:p>
             <a:fld id="{B0C4986D-6BE9-4264-908F-02DB36FD8D6C}" type="datetime1">
               <a:rPr lang="en-US" smtClean="0"/>
-              <a:t>3/2/2023</a:t>
+              <a:t>3/3/2023</a:t>
             </a:fld>
             <a:endParaRPr lang="en-US" dirty="0"/>
           </a:p>
@@ -3680,7 +4024,7 @@
           <a:p>
             <a:fld id="{B0C4986D-6BE9-4264-908F-02DB36FD8D6C}" type="datetime1">
               <a:rPr lang="en-US" smtClean="0"/>
-              <a:t>3/2/2023</a:t>
+              <a:t>3/3/2023</a:t>
             </a:fld>
             <a:endParaRPr lang="en-US" dirty="0"/>
           </a:p>
@@ -3799,7 +4143,7 @@
             <a:fld id="{86A4963E-0D9B-45DC-9720-FEC0E036E7DC}" type="datetimeFigureOut">
               <a:rPr lang="zh-CN" altLang="en-US" smtClean="0"/>
               <a:pPr/>
-              <a:t>2023/3/2</a:t>
+              <a:t>2023/3/3</a:t>
             </a:fld>
             <a:endParaRPr lang="zh-CN" altLang="en-US" dirty="0"/>
           </a:p>
@@ -3936,7 +4280,7 @@
           <a:p>
             <a:fld id="{B0C4986D-6BE9-4264-908F-02DB36FD8D6C}" type="datetime1">
               <a:rPr lang="en-US" smtClean="0"/>
-              <a:t>3/2/2023</a:t>
+              <a:t>3/3/2023</a:t>
             </a:fld>
             <a:endParaRPr lang="en-US" dirty="0"/>
           </a:p>
@@ -4070,7 +4414,7 @@
           <a:p>
             <a:fld id="{B0C4986D-6BE9-4264-908F-02DB36FD8D6C}" type="datetime1">
               <a:rPr lang="en-US" smtClean="0"/>
-              <a:t>3/2/2023</a:t>
+              <a:t>3/3/2023</a:t>
             </a:fld>
             <a:endParaRPr lang="en-US" dirty="0"/>
           </a:p>
@@ -4276,7 +4620,7 @@
           <a:p>
             <a:fld id="{B0C4986D-6BE9-4264-908F-02DB36FD8D6C}" type="datetime1">
               <a:rPr lang="en-US" smtClean="0"/>
-              <a:t>3/2/2023</a:t>
+              <a:t>3/3/2023</a:t>
             </a:fld>
             <a:endParaRPr lang="en-US" dirty="0"/>
           </a:p>
@@ -4410,7 +4754,7 @@
           <a:p>
             <a:fld id="{B0C4986D-6BE9-4264-908F-02DB36FD8D6C}" type="datetime1">
               <a:rPr lang="en-US" smtClean="0"/>
-              <a:t>3/2/2023</a:t>
+              <a:t>3/3/2023</a:t>
             </a:fld>
             <a:endParaRPr lang="en-US" dirty="0"/>
           </a:p>
@@ -4544,7 +4888,7 @@
           <a:p>
             <a:fld id="{B0C4986D-6BE9-4264-908F-02DB36FD8D6C}" type="datetime1">
               <a:rPr lang="en-US" smtClean="0"/>
-              <a:t>3/2/2023</a:t>
+              <a:t>3/3/2023</a:t>
             </a:fld>
             <a:endParaRPr lang="en-US" dirty="0"/>
           </a:p>
@@ -4759,7 +5103,7 @@
                 </a:solidFill>
               </a:rPr>
               <a:pPr defTabSz="914400"/>
-              <a:t>2023/3/2</a:t>
+              <a:t>2023/3/3</a:t>
             </a:fld>
             <a:endParaRPr lang="zh-CN" altLang="en-US" sz="1800">
               <a:solidFill>
@@ -4992,7 +5336,7 @@
                 </a:solidFill>
               </a:rPr>
               <a:pPr defTabSz="914400"/>
-              <a:t>2023/3/2</a:t>
+              <a:t>2023/3/3</a:t>
             </a:fld>
             <a:endParaRPr lang="zh-CN" altLang="en-US" sz="1800">
               <a:solidFill>
@@ -9976,7 +10320,7 @@
           <a:p>
             <a:fld id="{B0C4986D-6BE9-4264-908F-02DB36FD8D6C}" type="datetime1">
               <a:rPr lang="en-US" smtClean="0"/>
-              <a:t>3/2/2023</a:t>
+              <a:t>3/3/2023</a:t>
             </a:fld>
             <a:endParaRPr lang="en-US" dirty="0"/>
           </a:p>
@@ -16198,10 +16542,10 @@
       </p:sp>
       <p:pic>
         <p:nvPicPr>
-          <p:cNvPr id="12" name="图片 11">
+          <p:cNvPr id="16" name="图片 15">
             <a:extLst>
               <a:ext uri="{FF2B5EF4-FFF2-40B4-BE49-F238E27FC236}">
-                <a16:creationId xmlns:a16="http://schemas.microsoft.com/office/drawing/2014/main" id="{E067D787-3E7F-4122-81A7-F1262B77293B}"/>
+                <a16:creationId xmlns:a16="http://schemas.microsoft.com/office/drawing/2014/main" id="{3CA76F35-3E9D-47BF-AD12-31EA4A7F1B0D}"/>
               </a:ext>
             </a:extLst>
           </p:cNvPr>
@@ -16218,8 +16562,8 @@
         </p:blipFill>
         <p:spPr>
           <a:xfrm>
-            <a:off x="1859103" y="600261"/>
-            <a:ext cx="2841043" cy="3942977"/>
+            <a:off x="4955591" y="901369"/>
+            <a:ext cx="3754165" cy="3340760"/>
           </a:xfrm>
           <a:prstGeom prst="rect">
             <a:avLst/>
@@ -16228,10 +16572,10 @@
       </p:pic>
       <p:pic>
         <p:nvPicPr>
-          <p:cNvPr id="16" name="图片 15">
+          <p:cNvPr id="11" name="图片 10">
             <a:extLst>
               <a:ext uri="{FF2B5EF4-FFF2-40B4-BE49-F238E27FC236}">
-                <a16:creationId xmlns:a16="http://schemas.microsoft.com/office/drawing/2014/main" id="{3CA76F35-3E9D-47BF-AD12-31EA4A7F1B0D}"/>
+                <a16:creationId xmlns:a16="http://schemas.microsoft.com/office/drawing/2014/main" id="{98BDF4C0-2E87-4964-846F-1A380DB32440}"/>
               </a:ext>
             </a:extLst>
           </p:cNvPr>
@@ -16248,8 +16592,8 @@
         </p:blipFill>
         <p:spPr>
           <a:xfrm>
-            <a:off x="4955591" y="901369"/>
-            <a:ext cx="3754165" cy="3340760"/>
+            <a:off x="1501991" y="939800"/>
+            <a:ext cx="3211448" cy="3193166"/>
           </a:xfrm>
           <a:prstGeom prst="rect">
             <a:avLst/>
@@ -18398,6 +18742,3678 @@
       </p:grpSpPr>
       <p:sp>
         <p:nvSpPr>
+          <p:cNvPr id="13" name="Title 1"/>
+          <p:cNvSpPr txBox="1">
+            <a:spLocks/>
+          </p:cNvSpPr>
+          <p:nvPr/>
+        </p:nvSpPr>
+        <p:spPr>
+          <a:xfrm>
+            <a:off x="2400624" y="1769723"/>
+            <a:ext cx="5109935" cy="363558"/>
+          </a:xfrm>
+          <a:prstGeom prst="rect">
+            <a:avLst/>
+          </a:prstGeom>
+        </p:spPr>
+        <p:txBody>
+          <a:bodyPr vert="horz" lIns="91440" tIns="45720" rIns="91440" bIns="45720" rtlCol="0" anchor="ctr">
+            <a:normAutofit/>
+          </a:bodyPr>
+          <a:lstStyle>
+            <a:lvl1pPr algn="l" defTabSz="914400" rtl="0" eaLnBrk="1" latinLnBrk="0" hangingPunct="1">
+              <a:spcBef>
+                <a:spcPct val="0"/>
+              </a:spcBef>
+              <a:buNone/>
+              <a:defRPr sz="3200" b="0" kern="1200">
+                <a:solidFill>
+                  <a:schemeClr val="tx1">
+                    <a:lumMod val="65000"/>
+                    <a:lumOff val="35000"/>
+                  </a:schemeClr>
+                </a:solidFill>
+                <a:latin typeface="Source Sans Pro Light" pitchFamily="34" charset="0"/>
+                <a:ea typeface="+mj-ea"/>
+                <a:cs typeface="+mj-cs"/>
+              </a:defRPr>
+            </a:lvl1pPr>
+          </a:lstStyle>
+          <a:p>
+            <a:endParaRPr lang="en-US" sz="1400" dirty="0">
+              <a:solidFill>
+                <a:srgbClr val="314865"/>
+              </a:solidFill>
+              <a:latin typeface="+mn-lt"/>
+            </a:endParaRPr>
+          </a:p>
+        </p:txBody>
+      </p:sp>
+      <p:sp>
+        <p:nvSpPr>
+          <p:cNvPr id="14" name="Title 13"/>
+          <p:cNvSpPr>
+            <a:spLocks noGrp="1"/>
+          </p:cNvSpPr>
+          <p:nvPr>
+            <p:ph type="title" idx="4294967295"/>
+          </p:nvPr>
+        </p:nvSpPr>
+        <p:spPr>
+          <a:xfrm>
+            <a:off x="4377133" y="40351"/>
+            <a:ext cx="6266852" cy="535346"/>
+          </a:xfrm>
+        </p:spPr>
+        <p:txBody>
+          <a:bodyPr>
+            <a:normAutofit/>
+          </a:bodyPr>
+          <a:lstStyle/>
+          <a:p>
+            <a:r>
+              <a:rPr lang="zh-CN" altLang="en-US" sz="1400" b="1" dirty="0">
+                <a:solidFill>
+                  <a:srgbClr val="314865"/>
+                </a:solidFill>
+              </a:rPr>
+              <a:t>鉴权设计</a:t>
+            </a:r>
+            <a:endParaRPr lang="en-US" sz="1400" b="1" dirty="0">
+              <a:solidFill>
+                <a:srgbClr val="314865"/>
+              </a:solidFill>
+            </a:endParaRPr>
+          </a:p>
+        </p:txBody>
+      </p:sp>
+      <p:sp>
+        <p:nvSpPr>
+          <p:cNvPr id="27" name="TextBox 26"/>
+          <p:cNvSpPr txBox="1"/>
+          <p:nvPr/>
+        </p:nvSpPr>
+        <p:spPr>
+          <a:xfrm>
+            <a:off x="2400624" y="2232208"/>
+            <a:ext cx="4599044" cy="684286"/>
+          </a:xfrm>
+          <a:prstGeom prst="rect">
+            <a:avLst/>
+          </a:prstGeom>
+          <a:noFill/>
+        </p:spPr>
+        <p:txBody>
+          <a:bodyPr wrap="square" rIns="144000" bIns="36000" numCol="1" spcCol="360000" rtlCol="0">
+            <a:spAutoFit/>
+          </a:bodyPr>
+          <a:lstStyle/>
+          <a:p>
+            <a:pPr>
+              <a:lnSpc>
+                <a:spcPct val="150000"/>
+              </a:lnSpc>
+            </a:pPr>
+            <a:endParaRPr lang="zh-CN" altLang="en-US" sz="900" dirty="0">
+              <a:solidFill>
+                <a:srgbClr val="314865"/>
+              </a:solidFill>
+              <a:latin typeface="Calibri"/>
+              <a:ea typeface="微软雅黑" pitchFamily="34" charset="-122"/>
+            </a:endParaRPr>
+          </a:p>
+          <a:p>
+            <a:pPr>
+              <a:lnSpc>
+                <a:spcPct val="150000"/>
+              </a:lnSpc>
+            </a:pPr>
+            <a:endParaRPr lang="zh-CN" altLang="en-US" sz="900" dirty="0">
+              <a:solidFill>
+                <a:srgbClr val="314865"/>
+              </a:solidFill>
+              <a:latin typeface="Calibri"/>
+              <a:ea typeface="微软雅黑" pitchFamily="34" charset="-122"/>
+            </a:endParaRPr>
+          </a:p>
+          <a:p>
+            <a:pPr>
+              <a:lnSpc>
+                <a:spcPct val="150000"/>
+              </a:lnSpc>
+            </a:pPr>
+            <a:endParaRPr lang="zh-CN" altLang="en-US" sz="900" dirty="0">
+              <a:solidFill>
+                <a:srgbClr val="314865"/>
+              </a:solidFill>
+              <a:latin typeface="Calibri"/>
+              <a:ea typeface="微软雅黑" pitchFamily="34" charset="-122"/>
+            </a:endParaRPr>
+          </a:p>
+        </p:txBody>
+      </p:sp>
+      <p:sp>
+        <p:nvSpPr>
+          <p:cNvPr id="2" name="矩形 1">
+            <a:extLst>
+              <a:ext uri="{FF2B5EF4-FFF2-40B4-BE49-F238E27FC236}">
+                <a16:creationId xmlns:a16="http://schemas.microsoft.com/office/drawing/2014/main" id="{1728D070-7D29-FF09-4F56-758318AEC319}"/>
+              </a:ext>
+            </a:extLst>
+          </p:cNvPr>
+          <p:cNvSpPr/>
+          <p:nvPr/>
+        </p:nvSpPr>
+        <p:spPr>
+          <a:xfrm>
+            <a:off x="7045960" y="4878659"/>
+            <a:ext cx="1076960" cy="264841"/>
+          </a:xfrm>
+          <a:prstGeom prst="rect">
+            <a:avLst/>
+          </a:prstGeom>
+          <a:solidFill>
+            <a:srgbClr val="314865"/>
+          </a:solidFill>
+          <a:ln>
+            <a:solidFill>
+              <a:srgbClr val="314865"/>
+            </a:solidFill>
+          </a:ln>
+        </p:spPr>
+        <p:style>
+          <a:lnRef idx="2">
+            <a:schemeClr val="accent1">
+              <a:shade val="50000"/>
+            </a:schemeClr>
+          </a:lnRef>
+          <a:fillRef idx="1">
+            <a:schemeClr val="accent1"/>
+          </a:fillRef>
+          <a:effectRef idx="0">
+            <a:schemeClr val="accent1"/>
+          </a:effectRef>
+          <a:fontRef idx="minor">
+            <a:schemeClr val="lt1"/>
+          </a:fontRef>
+        </p:style>
+        <p:txBody>
+          <a:bodyPr rtlCol="0" anchor="ctr"/>
+          <a:lstStyle/>
+          <a:p>
+            <a:pPr algn="ctr"/>
+            <a:endParaRPr lang="zh-CN" altLang="en-US"/>
+          </a:p>
+        </p:txBody>
+      </p:sp>
+      <p:sp>
+        <p:nvSpPr>
+          <p:cNvPr id="3" name="矩形 2">
+            <a:extLst>
+              <a:ext uri="{FF2B5EF4-FFF2-40B4-BE49-F238E27FC236}">
+                <a16:creationId xmlns:a16="http://schemas.microsoft.com/office/drawing/2014/main" id="{6087D5C8-2721-67BA-B803-B3AB24459652}"/>
+              </a:ext>
+            </a:extLst>
+          </p:cNvPr>
+          <p:cNvSpPr/>
+          <p:nvPr/>
+        </p:nvSpPr>
+        <p:spPr>
+          <a:xfrm>
+            <a:off x="0" y="939800"/>
+            <a:ext cx="1259840" cy="3764280"/>
+          </a:xfrm>
+          <a:prstGeom prst="rect">
+            <a:avLst/>
+          </a:prstGeom>
+          <a:solidFill>
+            <a:srgbClr val="F2F2F2"/>
+          </a:solidFill>
+          <a:ln>
+            <a:solidFill>
+              <a:srgbClr val="F2F2F2"/>
+            </a:solidFill>
+          </a:ln>
+        </p:spPr>
+        <p:style>
+          <a:lnRef idx="2">
+            <a:schemeClr val="accent1">
+              <a:shade val="50000"/>
+            </a:schemeClr>
+          </a:lnRef>
+          <a:fillRef idx="1">
+            <a:schemeClr val="accent1"/>
+          </a:fillRef>
+          <a:effectRef idx="0">
+            <a:schemeClr val="accent1"/>
+          </a:effectRef>
+          <a:fontRef idx="minor">
+            <a:schemeClr val="lt1"/>
+          </a:fontRef>
+        </p:style>
+        <p:txBody>
+          <a:bodyPr rtlCol="0" anchor="ctr"/>
+          <a:lstStyle/>
+          <a:p>
+            <a:pPr algn="ctr"/>
+            <a:endParaRPr lang="zh-CN" altLang="en-US"/>
+          </a:p>
+        </p:txBody>
+      </p:sp>
+      <p:grpSp>
+        <p:nvGrpSpPr>
+          <p:cNvPr id="10" name="组合 9">
+            <a:extLst>
+              <a:ext uri="{FF2B5EF4-FFF2-40B4-BE49-F238E27FC236}">
+                <a16:creationId xmlns:a16="http://schemas.microsoft.com/office/drawing/2014/main" id="{E8D9E54F-E2AD-DC47-D14C-DB6A03624D4F}"/>
+              </a:ext>
+            </a:extLst>
+          </p:cNvPr>
+          <p:cNvGrpSpPr/>
+          <p:nvPr/>
+        </p:nvGrpSpPr>
+        <p:grpSpPr>
+          <a:xfrm>
+            <a:off x="0" y="1153075"/>
+            <a:ext cx="1259840" cy="2702560"/>
+            <a:chOff x="0" y="971734"/>
+            <a:chExt cx="1259840" cy="2702560"/>
+          </a:xfrm>
+        </p:grpSpPr>
+        <p:sp>
+          <p:nvSpPr>
+            <p:cNvPr id="4" name="矩形 3">
+              <a:extLst>
+                <a:ext uri="{FF2B5EF4-FFF2-40B4-BE49-F238E27FC236}">
+                  <a16:creationId xmlns:a16="http://schemas.microsoft.com/office/drawing/2014/main" id="{AC0880AC-C063-E818-1AEC-AAD1C024029C}"/>
+                </a:ext>
+              </a:extLst>
+            </p:cNvPr>
+            <p:cNvSpPr/>
+            <p:nvPr/>
+          </p:nvSpPr>
+          <p:spPr>
+            <a:xfrm>
+              <a:off x="0" y="971734"/>
+              <a:ext cx="1259840" cy="675640"/>
+            </a:xfrm>
+            <a:prstGeom prst="rect">
+              <a:avLst/>
+            </a:prstGeom>
+            <a:solidFill>
+              <a:srgbClr val="314865"/>
+            </a:solidFill>
+            <a:ln>
+              <a:solidFill>
+                <a:schemeClr val="bg1">
+                  <a:lumMod val="75000"/>
+                </a:schemeClr>
+              </a:solidFill>
+            </a:ln>
+          </p:spPr>
+          <p:style>
+            <a:lnRef idx="2">
+              <a:schemeClr val="accent1">
+                <a:shade val="50000"/>
+              </a:schemeClr>
+            </a:lnRef>
+            <a:fillRef idx="1">
+              <a:schemeClr val="accent1"/>
+            </a:fillRef>
+            <a:effectRef idx="0">
+              <a:schemeClr val="accent1"/>
+            </a:effectRef>
+            <a:fontRef idx="minor">
+              <a:schemeClr val="lt1"/>
+            </a:fontRef>
+          </p:style>
+          <p:txBody>
+            <a:bodyPr rtlCol="0" anchor="ctr"/>
+            <a:lstStyle/>
+            <a:p>
+              <a:pPr algn="ctr"/>
+              <a:endParaRPr lang="zh-CN" altLang="en-US"/>
+            </a:p>
+          </p:txBody>
+        </p:sp>
+        <p:sp>
+          <p:nvSpPr>
+            <p:cNvPr id="6" name="矩形 5">
+              <a:extLst>
+                <a:ext uri="{FF2B5EF4-FFF2-40B4-BE49-F238E27FC236}">
+                  <a16:creationId xmlns:a16="http://schemas.microsoft.com/office/drawing/2014/main" id="{ACE82DFB-D3F1-E8C0-402D-29C427FFDD42}"/>
+                </a:ext>
+              </a:extLst>
+            </p:cNvPr>
+            <p:cNvSpPr/>
+            <p:nvPr/>
+          </p:nvSpPr>
+          <p:spPr>
+            <a:xfrm>
+              <a:off x="0" y="1647374"/>
+              <a:ext cx="1259840" cy="675640"/>
+            </a:xfrm>
+            <a:prstGeom prst="rect">
+              <a:avLst/>
+            </a:prstGeom>
+            <a:solidFill>
+              <a:srgbClr val="F2F2F2"/>
+            </a:solidFill>
+            <a:ln>
+              <a:solidFill>
+                <a:schemeClr val="bg1">
+                  <a:lumMod val="75000"/>
+                </a:schemeClr>
+              </a:solidFill>
+            </a:ln>
+          </p:spPr>
+          <p:style>
+            <a:lnRef idx="2">
+              <a:schemeClr val="accent1">
+                <a:shade val="50000"/>
+              </a:schemeClr>
+            </a:lnRef>
+            <a:fillRef idx="1">
+              <a:schemeClr val="accent1"/>
+            </a:fillRef>
+            <a:effectRef idx="0">
+              <a:schemeClr val="accent1"/>
+            </a:effectRef>
+            <a:fontRef idx="minor">
+              <a:schemeClr val="lt1"/>
+            </a:fontRef>
+          </p:style>
+          <p:txBody>
+            <a:bodyPr rtlCol="0" anchor="ctr"/>
+            <a:lstStyle/>
+            <a:p>
+              <a:pPr algn="ctr"/>
+              <a:endParaRPr lang="zh-CN" altLang="en-US"/>
+            </a:p>
+          </p:txBody>
+        </p:sp>
+        <p:sp>
+          <p:nvSpPr>
+            <p:cNvPr id="7" name="矩形 6">
+              <a:extLst>
+                <a:ext uri="{FF2B5EF4-FFF2-40B4-BE49-F238E27FC236}">
+                  <a16:creationId xmlns:a16="http://schemas.microsoft.com/office/drawing/2014/main" id="{B1FBDDF5-2816-9882-80FF-3F44087A1AA3}"/>
+                </a:ext>
+              </a:extLst>
+            </p:cNvPr>
+            <p:cNvSpPr/>
+            <p:nvPr/>
+          </p:nvSpPr>
+          <p:spPr>
+            <a:xfrm>
+              <a:off x="0" y="2323014"/>
+              <a:ext cx="1259840" cy="675640"/>
+            </a:xfrm>
+            <a:prstGeom prst="rect">
+              <a:avLst/>
+            </a:prstGeom>
+            <a:solidFill>
+              <a:srgbClr val="F2F2F2"/>
+            </a:solidFill>
+            <a:ln>
+              <a:solidFill>
+                <a:srgbClr val="BFBFBF"/>
+              </a:solidFill>
+            </a:ln>
+          </p:spPr>
+          <p:style>
+            <a:lnRef idx="2">
+              <a:schemeClr val="accent1">
+                <a:shade val="50000"/>
+              </a:schemeClr>
+            </a:lnRef>
+            <a:fillRef idx="1">
+              <a:schemeClr val="accent1"/>
+            </a:fillRef>
+            <a:effectRef idx="0">
+              <a:schemeClr val="accent1"/>
+            </a:effectRef>
+            <a:fontRef idx="minor">
+              <a:schemeClr val="lt1"/>
+            </a:fontRef>
+          </p:style>
+          <p:txBody>
+            <a:bodyPr rtlCol="0" anchor="ctr"/>
+            <a:lstStyle/>
+            <a:p>
+              <a:pPr algn="ctr"/>
+              <a:endParaRPr lang="zh-CN" altLang="en-US"/>
+            </a:p>
+          </p:txBody>
+        </p:sp>
+        <p:sp>
+          <p:nvSpPr>
+            <p:cNvPr id="8" name="矩形 7">
+              <a:extLst>
+                <a:ext uri="{FF2B5EF4-FFF2-40B4-BE49-F238E27FC236}">
+                  <a16:creationId xmlns:a16="http://schemas.microsoft.com/office/drawing/2014/main" id="{43AFEEB5-1338-540D-6244-5B21290CC6AC}"/>
+                </a:ext>
+              </a:extLst>
+            </p:cNvPr>
+            <p:cNvSpPr/>
+            <p:nvPr/>
+          </p:nvSpPr>
+          <p:spPr>
+            <a:xfrm>
+              <a:off x="0" y="2998654"/>
+              <a:ext cx="1259840" cy="675640"/>
+            </a:xfrm>
+            <a:prstGeom prst="rect">
+              <a:avLst/>
+            </a:prstGeom>
+            <a:solidFill>
+              <a:srgbClr val="F2F2F2"/>
+            </a:solidFill>
+            <a:ln>
+              <a:solidFill>
+                <a:srgbClr val="BFBFBF"/>
+              </a:solidFill>
+            </a:ln>
+          </p:spPr>
+          <p:style>
+            <a:lnRef idx="2">
+              <a:schemeClr val="accent1">
+                <a:shade val="50000"/>
+              </a:schemeClr>
+            </a:lnRef>
+            <a:fillRef idx="1">
+              <a:schemeClr val="accent1"/>
+            </a:fillRef>
+            <a:effectRef idx="0">
+              <a:schemeClr val="accent1"/>
+            </a:effectRef>
+            <a:fontRef idx="minor">
+              <a:schemeClr val="lt1"/>
+            </a:fontRef>
+          </p:style>
+          <p:txBody>
+            <a:bodyPr rtlCol="0" anchor="ctr"/>
+            <a:lstStyle/>
+            <a:p>
+              <a:pPr algn="ctr"/>
+              <a:endParaRPr lang="zh-CN" altLang="en-US"/>
+            </a:p>
+          </p:txBody>
+        </p:sp>
+      </p:grpSp>
+      <p:sp>
+        <p:nvSpPr>
+          <p:cNvPr id="5" name="文本框 4">
+            <a:extLst>
+              <a:ext uri="{FF2B5EF4-FFF2-40B4-BE49-F238E27FC236}">
+                <a16:creationId xmlns:a16="http://schemas.microsoft.com/office/drawing/2014/main" id="{E915845C-398F-8380-1909-A7960D3B96F0}"/>
+              </a:ext>
+            </a:extLst>
+          </p:cNvPr>
+          <p:cNvSpPr txBox="1"/>
+          <p:nvPr/>
+        </p:nvSpPr>
+        <p:spPr>
+          <a:xfrm>
+            <a:off x="91440" y="1254760"/>
+            <a:ext cx="1132840" cy="338554"/>
+          </a:xfrm>
+          <a:prstGeom prst="rect">
+            <a:avLst/>
+          </a:prstGeom>
+          <a:noFill/>
+        </p:spPr>
+        <p:txBody>
+          <a:bodyPr wrap="square" rtlCol="0">
+            <a:spAutoFit/>
+          </a:bodyPr>
+          <a:lstStyle/>
+          <a:p>
+            <a:r>
+              <a:rPr lang="zh-CN" altLang="en-US" sz="1600" b="1" dirty="0">
+                <a:solidFill>
+                  <a:schemeClr val="bg1"/>
+                </a:solidFill>
+              </a:rPr>
+              <a:t>问题分析</a:t>
+            </a:r>
+          </a:p>
+        </p:txBody>
+      </p:sp>
+      <p:sp>
+        <p:nvSpPr>
+          <p:cNvPr id="31" name="矩形 30">
+            <a:extLst>
+              <a:ext uri="{FF2B5EF4-FFF2-40B4-BE49-F238E27FC236}">
+                <a16:creationId xmlns:a16="http://schemas.microsoft.com/office/drawing/2014/main" id="{C911A549-94A1-CD88-CFEA-DA7593C1939C}"/>
+              </a:ext>
+            </a:extLst>
+          </p:cNvPr>
+          <p:cNvSpPr/>
+          <p:nvPr/>
+        </p:nvSpPr>
+        <p:spPr>
+          <a:xfrm>
+            <a:off x="8823960" y="4878659"/>
+            <a:ext cx="279400" cy="201341"/>
+          </a:xfrm>
+          <a:prstGeom prst="rect">
+            <a:avLst/>
+          </a:prstGeom>
+          <a:solidFill>
+            <a:srgbClr val="152F47"/>
+          </a:solidFill>
+          <a:ln>
+            <a:solidFill>
+              <a:srgbClr val="152F47"/>
+            </a:solidFill>
+          </a:ln>
+        </p:spPr>
+        <p:style>
+          <a:lnRef idx="2">
+            <a:schemeClr val="accent1">
+              <a:shade val="50000"/>
+            </a:schemeClr>
+          </a:lnRef>
+          <a:fillRef idx="1">
+            <a:schemeClr val="accent1"/>
+          </a:fillRef>
+          <a:effectRef idx="0">
+            <a:schemeClr val="accent1"/>
+          </a:effectRef>
+          <a:fontRef idx="minor">
+            <a:schemeClr val="lt1"/>
+          </a:fontRef>
+        </p:style>
+        <p:txBody>
+          <a:bodyPr rtlCol="0" anchor="ctr"/>
+          <a:lstStyle/>
+          <a:p>
+            <a:pPr algn="ctr"/>
+            <a:endParaRPr lang="zh-CN" altLang="en-US"/>
+          </a:p>
+        </p:txBody>
+      </p:sp>
+      <p:pic>
+        <p:nvPicPr>
+          <p:cNvPr id="12" name="图片 11">
+            <a:extLst>
+              <a:ext uri="{FF2B5EF4-FFF2-40B4-BE49-F238E27FC236}">
+                <a16:creationId xmlns:a16="http://schemas.microsoft.com/office/drawing/2014/main" id="{63BF38DE-1AE6-49B5-8299-8CC5435BF7F4}"/>
+              </a:ext>
+            </a:extLst>
+          </p:cNvPr>
+          <p:cNvPicPr>
+            <a:picLocks noChangeAspect="1"/>
+          </p:cNvPicPr>
+          <p:nvPr/>
+        </p:nvPicPr>
+        <p:blipFill>
+          <a:blip r:embed="rId3"/>
+          <a:stretch>
+            <a:fillRect/>
+          </a:stretch>
+        </p:blipFill>
+        <p:spPr>
+          <a:xfrm>
+            <a:off x="2448044" y="664822"/>
+            <a:ext cx="4672523" cy="3679066"/>
+          </a:xfrm>
+          <a:prstGeom prst="rect">
+            <a:avLst/>
+          </a:prstGeom>
+        </p:spPr>
+      </p:pic>
+    </p:spTree>
+    <p:extLst>
+      <p:ext uri="{BB962C8B-B14F-4D97-AF65-F5344CB8AC3E}">
+        <p14:creationId xmlns:p14="http://schemas.microsoft.com/office/powerpoint/2010/main" val="1641493777"/>
+      </p:ext>
+    </p:extLst>
+  </p:cSld>
+  <p:clrMapOvr>
+    <a:masterClrMapping/>
+  </p:clrMapOvr>
+  <mc:AlternateContent xmlns:mc="http://schemas.openxmlformats.org/markup-compatibility/2006" xmlns:p14="http://schemas.microsoft.com/office/powerpoint/2010/main">
+    <mc:Choice Requires="p14">
+      <p:transition spd="slow" p14:dur="1500" advTm="7000">
+        <p:random/>
+      </p:transition>
+    </mc:Choice>
+    <mc:Fallback xmlns="">
+      <p:transition spd="slow" advTm="7000">
+        <p:random/>
+      </p:transition>
+    </mc:Fallback>
+  </mc:AlternateContent>
+  <p:timing>
+    <p:tnLst>
+      <p:par>
+        <p:cTn id="1" dur="indefinite" restart="never" nodeType="tmRoot">
+          <p:childTnLst>
+            <p:seq concurrent="1" nextAc="seek">
+              <p:cTn id="2" dur="indefinite" nodeType="mainSeq">
+                <p:childTnLst>
+                  <p:par>
+                    <p:cTn id="3" fill="hold">
+                      <p:stCondLst>
+                        <p:cond delay="indefinite"/>
+                        <p:cond evt="onBegin" delay="0">
+                          <p:tn val="2"/>
+                        </p:cond>
+                      </p:stCondLst>
+                      <p:childTnLst>
+                        <p:par>
+                          <p:cTn id="4" fill="hold">
+                            <p:stCondLst>
+                              <p:cond delay="0"/>
+                            </p:stCondLst>
+                            <p:childTnLst>
+                              <p:par>
+                                <p:cTn id="5" presetID="16" presetClass="entr" presetSubtype="21" fill="hold" grpId="0" nodeType="afterEffect">
+                                  <p:stCondLst>
+                                    <p:cond delay="0"/>
+                                  </p:stCondLst>
+                                  <p:childTnLst>
+                                    <p:set>
+                                      <p:cBhvr>
+                                        <p:cTn id="6" dur="1" fill="hold">
+                                          <p:stCondLst>
+                                            <p:cond delay="0"/>
+                                          </p:stCondLst>
+                                        </p:cTn>
+                                        <p:tgtEl>
+                                          <p:spTgt spid="14"/>
+                                        </p:tgtEl>
+                                        <p:attrNameLst>
+                                          <p:attrName>style.visibility</p:attrName>
+                                        </p:attrNameLst>
+                                      </p:cBhvr>
+                                      <p:to>
+                                        <p:strVal val="visible"/>
+                                      </p:to>
+                                    </p:set>
+                                    <p:animEffect transition="in" filter="barn(inVertical)">
+                                      <p:cBhvr>
+                                        <p:cTn id="7" dur="500"/>
+                                        <p:tgtEl>
+                                          <p:spTgt spid="14"/>
+                                        </p:tgtEl>
+                                      </p:cBhvr>
+                                    </p:animEffect>
+                                  </p:childTnLst>
+                                </p:cTn>
+                              </p:par>
+                              <p:par>
+                                <p:cTn id="8" presetID="16" presetClass="entr" presetSubtype="21" fill="hold" grpId="0" nodeType="withEffect" nodePh="1">
+                                  <p:stCondLst>
+                                    <p:cond delay="0"/>
+                                  </p:stCondLst>
+                                  <p:endCondLst>
+                                    <p:cond evt="begin" delay="0">
+                                      <p:tn val="8"/>
+                                    </p:cond>
+                                  </p:endCondLst>
+                                  <p:childTnLst>
+                                    <p:set>
+                                      <p:cBhvr>
+                                        <p:cTn id="9" dur="1" fill="hold">
+                                          <p:stCondLst>
+                                            <p:cond delay="0"/>
+                                          </p:stCondLst>
+                                        </p:cTn>
+                                        <p:tgtEl>
+                                          <p:spTgt spid="13"/>
+                                        </p:tgtEl>
+                                        <p:attrNameLst>
+                                          <p:attrName>style.visibility</p:attrName>
+                                        </p:attrNameLst>
+                                      </p:cBhvr>
+                                      <p:to>
+                                        <p:strVal val="visible"/>
+                                      </p:to>
+                                    </p:set>
+                                    <p:animEffect transition="in" filter="barn(inVertical)">
+                                      <p:cBhvr>
+                                        <p:cTn id="10" dur="500"/>
+                                        <p:tgtEl>
+                                          <p:spTgt spid="13"/>
+                                        </p:tgtEl>
+                                      </p:cBhvr>
+                                    </p:animEffect>
+                                  </p:childTnLst>
+                                </p:cTn>
+                              </p:par>
+                            </p:childTnLst>
+                          </p:cTn>
+                        </p:par>
+                        <p:par>
+                          <p:cTn id="11" fill="hold">
+                            <p:stCondLst>
+                              <p:cond delay="500"/>
+                            </p:stCondLst>
+                            <p:childTnLst>
+                              <p:par>
+                                <p:cTn id="12" presetID="42" presetClass="entr" presetSubtype="0" fill="hold" grpId="0" nodeType="afterEffect" nodePh="1">
+                                  <p:stCondLst>
+                                    <p:cond delay="0"/>
+                                  </p:stCondLst>
+                                  <p:endCondLst>
+                                    <p:cond evt="begin" delay="0">
+                                      <p:tn val="12"/>
+                                    </p:cond>
+                                  </p:endCondLst>
+                                  <p:childTnLst>
+                                    <p:set>
+                                      <p:cBhvr>
+                                        <p:cTn id="13" dur="1" fill="hold">
+                                          <p:stCondLst>
+                                            <p:cond delay="0"/>
+                                          </p:stCondLst>
+                                        </p:cTn>
+                                        <p:tgtEl>
+                                          <p:spTgt spid="27"/>
+                                        </p:tgtEl>
+                                        <p:attrNameLst>
+                                          <p:attrName>style.visibility</p:attrName>
+                                        </p:attrNameLst>
+                                      </p:cBhvr>
+                                      <p:to>
+                                        <p:strVal val="visible"/>
+                                      </p:to>
+                                    </p:set>
+                                    <p:animEffect transition="in" filter="fade">
+                                      <p:cBhvr>
+                                        <p:cTn id="14" dur="1000"/>
+                                        <p:tgtEl>
+                                          <p:spTgt spid="27"/>
+                                        </p:tgtEl>
+                                      </p:cBhvr>
+                                    </p:animEffect>
+                                    <p:anim calcmode="lin" valueType="num">
+                                      <p:cBhvr>
+                                        <p:cTn id="15" dur="1000" fill="hold"/>
+                                        <p:tgtEl>
+                                          <p:spTgt spid="27"/>
+                                        </p:tgtEl>
+                                        <p:attrNameLst>
+                                          <p:attrName>ppt_x</p:attrName>
+                                        </p:attrNameLst>
+                                      </p:cBhvr>
+                                      <p:tavLst>
+                                        <p:tav tm="0">
+                                          <p:val>
+                                            <p:strVal val="#ppt_x"/>
+                                          </p:val>
+                                        </p:tav>
+                                        <p:tav tm="100000">
+                                          <p:val>
+                                            <p:strVal val="#ppt_x"/>
+                                          </p:val>
+                                        </p:tav>
+                                      </p:tavLst>
+                                    </p:anim>
+                                    <p:anim calcmode="lin" valueType="num">
+                                      <p:cBhvr>
+                                        <p:cTn id="16" dur="1000" fill="hold"/>
+                                        <p:tgtEl>
+                                          <p:spTgt spid="27"/>
+                                        </p:tgtEl>
+                                        <p:attrNameLst>
+                                          <p:attrName>ppt_y</p:attrName>
+                                        </p:attrNameLst>
+                                      </p:cBhvr>
+                                      <p:tavLst>
+                                        <p:tav tm="0">
+                                          <p:val>
+                                            <p:strVal val="#ppt_y+.1"/>
+                                          </p:val>
+                                        </p:tav>
+                                        <p:tav tm="100000">
+                                          <p:val>
+                                            <p:strVal val="#ppt_y"/>
+                                          </p:val>
+                                        </p:tav>
+                                      </p:tavLst>
+                                    </p:anim>
+                                  </p:childTnLst>
+                                </p:cTn>
+                              </p:par>
+                            </p:childTnLst>
+                          </p:cTn>
+                        </p:par>
+                      </p:childTnLst>
+                    </p:cTn>
+                  </p:par>
+                </p:childTnLst>
+              </p:cTn>
+              <p:prevCondLst>
+                <p:cond evt="onPrev" delay="0">
+                  <p:tgtEl>
+                    <p:sldTgt/>
+                  </p:tgtEl>
+                </p:cond>
+              </p:prevCondLst>
+              <p:nextCondLst>
+                <p:cond evt="onNext" delay="0">
+                  <p:tgtEl>
+                    <p:sldTgt/>
+                  </p:tgtEl>
+                </p:cond>
+              </p:nextCondLst>
+            </p:seq>
+          </p:childTnLst>
+        </p:cTn>
+      </p:par>
+    </p:tnLst>
+    <p:bldLst>
+      <p:bldP spid="13" grpId="0"/>
+      <p:bldP spid="14" grpId="0"/>
+      <p:bldP spid="27" grpId="0"/>
+    </p:bldLst>
+  </p:timing>
+</p:sld>
+</file>
+
+<file path=ppt/slides/slide16.xml><?xml version="1.0" encoding="utf-8"?>
+<p:sld xmlns:a="http://schemas.openxmlformats.org/drawingml/2006/main" xmlns:r="http://schemas.openxmlformats.org/officeDocument/2006/relationships" xmlns:p="http://schemas.openxmlformats.org/presentationml/2006/main">
+  <p:cSld>
+    <p:spTree>
+      <p:nvGrpSpPr>
+        <p:cNvPr id="1" name=""/>
+        <p:cNvGrpSpPr/>
+        <p:nvPr/>
+      </p:nvGrpSpPr>
+      <p:grpSpPr>
+        <a:xfrm>
+          <a:off x="0" y="0"/>
+          <a:ext cx="0" cy="0"/>
+          <a:chOff x="0" y="0"/>
+          <a:chExt cx="0" cy="0"/>
+        </a:xfrm>
+      </p:grpSpPr>
+      <p:sp>
+        <p:nvSpPr>
+          <p:cNvPr id="13" name="Title 1"/>
+          <p:cNvSpPr txBox="1">
+            <a:spLocks/>
+          </p:cNvSpPr>
+          <p:nvPr/>
+        </p:nvSpPr>
+        <p:spPr>
+          <a:xfrm>
+            <a:off x="2400624" y="1769723"/>
+            <a:ext cx="5109935" cy="363558"/>
+          </a:xfrm>
+          <a:prstGeom prst="rect">
+            <a:avLst/>
+          </a:prstGeom>
+        </p:spPr>
+        <p:txBody>
+          <a:bodyPr vert="horz" lIns="91440" tIns="45720" rIns="91440" bIns="45720" rtlCol="0" anchor="ctr">
+            <a:normAutofit/>
+          </a:bodyPr>
+          <a:lstStyle>
+            <a:lvl1pPr algn="l" defTabSz="914400" rtl="0" eaLnBrk="1" latinLnBrk="0" hangingPunct="1">
+              <a:spcBef>
+                <a:spcPct val="0"/>
+              </a:spcBef>
+              <a:buNone/>
+              <a:defRPr sz="3200" b="0" kern="1200">
+                <a:solidFill>
+                  <a:schemeClr val="tx1">
+                    <a:lumMod val="65000"/>
+                    <a:lumOff val="35000"/>
+                  </a:schemeClr>
+                </a:solidFill>
+                <a:latin typeface="Source Sans Pro Light" pitchFamily="34" charset="0"/>
+                <a:ea typeface="+mj-ea"/>
+                <a:cs typeface="+mj-cs"/>
+              </a:defRPr>
+            </a:lvl1pPr>
+          </a:lstStyle>
+          <a:p>
+            <a:endParaRPr lang="en-US" sz="1400" dirty="0">
+              <a:solidFill>
+                <a:srgbClr val="314865"/>
+              </a:solidFill>
+              <a:latin typeface="+mn-lt"/>
+            </a:endParaRPr>
+          </a:p>
+        </p:txBody>
+      </p:sp>
+      <p:sp>
+        <p:nvSpPr>
+          <p:cNvPr id="14" name="Title 13"/>
+          <p:cNvSpPr>
+            <a:spLocks noGrp="1"/>
+          </p:cNvSpPr>
+          <p:nvPr>
+            <p:ph type="title" idx="4294967295"/>
+          </p:nvPr>
+        </p:nvSpPr>
+        <p:spPr>
+          <a:xfrm>
+            <a:off x="4377133" y="40351"/>
+            <a:ext cx="6266852" cy="535346"/>
+          </a:xfrm>
+        </p:spPr>
+        <p:txBody>
+          <a:bodyPr>
+            <a:normAutofit/>
+          </a:bodyPr>
+          <a:lstStyle/>
+          <a:p>
+            <a:r>
+              <a:rPr lang="zh-CN" altLang="en-US" sz="1400" b="1" dirty="0">
+                <a:solidFill>
+                  <a:srgbClr val="314865"/>
+                </a:solidFill>
+              </a:rPr>
+              <a:t>鉴权设计</a:t>
+            </a:r>
+            <a:endParaRPr lang="en-US" sz="1400" b="1" dirty="0">
+              <a:solidFill>
+                <a:srgbClr val="314865"/>
+              </a:solidFill>
+            </a:endParaRPr>
+          </a:p>
+        </p:txBody>
+      </p:sp>
+      <p:sp>
+        <p:nvSpPr>
+          <p:cNvPr id="27" name="TextBox 26"/>
+          <p:cNvSpPr txBox="1"/>
+          <p:nvPr/>
+        </p:nvSpPr>
+        <p:spPr>
+          <a:xfrm>
+            <a:off x="2400624" y="2232208"/>
+            <a:ext cx="4599044" cy="684286"/>
+          </a:xfrm>
+          <a:prstGeom prst="rect">
+            <a:avLst/>
+          </a:prstGeom>
+          <a:noFill/>
+        </p:spPr>
+        <p:txBody>
+          <a:bodyPr wrap="square" rIns="144000" bIns="36000" numCol="1" spcCol="360000" rtlCol="0">
+            <a:spAutoFit/>
+          </a:bodyPr>
+          <a:lstStyle/>
+          <a:p>
+            <a:pPr>
+              <a:lnSpc>
+                <a:spcPct val="150000"/>
+              </a:lnSpc>
+            </a:pPr>
+            <a:endParaRPr lang="zh-CN" altLang="en-US" sz="900" dirty="0">
+              <a:solidFill>
+                <a:srgbClr val="314865"/>
+              </a:solidFill>
+              <a:latin typeface="Calibri"/>
+              <a:ea typeface="微软雅黑" pitchFamily="34" charset="-122"/>
+            </a:endParaRPr>
+          </a:p>
+          <a:p>
+            <a:pPr>
+              <a:lnSpc>
+                <a:spcPct val="150000"/>
+              </a:lnSpc>
+            </a:pPr>
+            <a:endParaRPr lang="zh-CN" altLang="en-US" sz="900" dirty="0">
+              <a:solidFill>
+                <a:srgbClr val="314865"/>
+              </a:solidFill>
+              <a:latin typeface="Calibri"/>
+              <a:ea typeface="微软雅黑" pitchFamily="34" charset="-122"/>
+            </a:endParaRPr>
+          </a:p>
+          <a:p>
+            <a:pPr>
+              <a:lnSpc>
+                <a:spcPct val="150000"/>
+              </a:lnSpc>
+            </a:pPr>
+            <a:endParaRPr lang="zh-CN" altLang="en-US" sz="900" dirty="0">
+              <a:solidFill>
+                <a:srgbClr val="314865"/>
+              </a:solidFill>
+              <a:latin typeface="Calibri"/>
+              <a:ea typeface="微软雅黑" pitchFamily="34" charset="-122"/>
+            </a:endParaRPr>
+          </a:p>
+        </p:txBody>
+      </p:sp>
+      <p:sp>
+        <p:nvSpPr>
+          <p:cNvPr id="2" name="矩形 1">
+            <a:extLst>
+              <a:ext uri="{FF2B5EF4-FFF2-40B4-BE49-F238E27FC236}">
+                <a16:creationId xmlns:a16="http://schemas.microsoft.com/office/drawing/2014/main" id="{1728D070-7D29-FF09-4F56-758318AEC319}"/>
+              </a:ext>
+            </a:extLst>
+          </p:cNvPr>
+          <p:cNvSpPr/>
+          <p:nvPr/>
+        </p:nvSpPr>
+        <p:spPr>
+          <a:xfrm>
+            <a:off x="7045960" y="4878659"/>
+            <a:ext cx="1076960" cy="264841"/>
+          </a:xfrm>
+          <a:prstGeom prst="rect">
+            <a:avLst/>
+          </a:prstGeom>
+          <a:solidFill>
+            <a:srgbClr val="314865"/>
+          </a:solidFill>
+          <a:ln>
+            <a:solidFill>
+              <a:srgbClr val="314865"/>
+            </a:solidFill>
+          </a:ln>
+        </p:spPr>
+        <p:style>
+          <a:lnRef idx="2">
+            <a:schemeClr val="accent1">
+              <a:shade val="50000"/>
+            </a:schemeClr>
+          </a:lnRef>
+          <a:fillRef idx="1">
+            <a:schemeClr val="accent1"/>
+          </a:fillRef>
+          <a:effectRef idx="0">
+            <a:schemeClr val="accent1"/>
+          </a:effectRef>
+          <a:fontRef idx="minor">
+            <a:schemeClr val="lt1"/>
+          </a:fontRef>
+        </p:style>
+        <p:txBody>
+          <a:bodyPr rtlCol="0" anchor="ctr"/>
+          <a:lstStyle/>
+          <a:p>
+            <a:pPr algn="ctr"/>
+            <a:endParaRPr lang="zh-CN" altLang="en-US"/>
+          </a:p>
+        </p:txBody>
+      </p:sp>
+      <p:sp>
+        <p:nvSpPr>
+          <p:cNvPr id="3" name="矩形 2">
+            <a:extLst>
+              <a:ext uri="{FF2B5EF4-FFF2-40B4-BE49-F238E27FC236}">
+                <a16:creationId xmlns:a16="http://schemas.microsoft.com/office/drawing/2014/main" id="{6087D5C8-2721-67BA-B803-B3AB24459652}"/>
+              </a:ext>
+            </a:extLst>
+          </p:cNvPr>
+          <p:cNvSpPr/>
+          <p:nvPr/>
+        </p:nvSpPr>
+        <p:spPr>
+          <a:xfrm>
+            <a:off x="0" y="939800"/>
+            <a:ext cx="1259840" cy="3764280"/>
+          </a:xfrm>
+          <a:prstGeom prst="rect">
+            <a:avLst/>
+          </a:prstGeom>
+          <a:solidFill>
+            <a:srgbClr val="F2F2F2"/>
+          </a:solidFill>
+          <a:ln>
+            <a:solidFill>
+              <a:srgbClr val="F2F2F2"/>
+            </a:solidFill>
+          </a:ln>
+        </p:spPr>
+        <p:style>
+          <a:lnRef idx="2">
+            <a:schemeClr val="accent1">
+              <a:shade val="50000"/>
+            </a:schemeClr>
+          </a:lnRef>
+          <a:fillRef idx="1">
+            <a:schemeClr val="accent1"/>
+          </a:fillRef>
+          <a:effectRef idx="0">
+            <a:schemeClr val="accent1"/>
+          </a:effectRef>
+          <a:fontRef idx="minor">
+            <a:schemeClr val="lt1"/>
+          </a:fontRef>
+        </p:style>
+        <p:txBody>
+          <a:bodyPr rtlCol="0" anchor="ctr"/>
+          <a:lstStyle/>
+          <a:p>
+            <a:pPr algn="ctr"/>
+            <a:endParaRPr lang="zh-CN" altLang="en-US"/>
+          </a:p>
+        </p:txBody>
+      </p:sp>
+      <p:grpSp>
+        <p:nvGrpSpPr>
+          <p:cNvPr id="10" name="组合 9">
+            <a:extLst>
+              <a:ext uri="{FF2B5EF4-FFF2-40B4-BE49-F238E27FC236}">
+                <a16:creationId xmlns:a16="http://schemas.microsoft.com/office/drawing/2014/main" id="{E8D9E54F-E2AD-DC47-D14C-DB6A03624D4F}"/>
+              </a:ext>
+            </a:extLst>
+          </p:cNvPr>
+          <p:cNvGrpSpPr/>
+          <p:nvPr/>
+        </p:nvGrpSpPr>
+        <p:grpSpPr>
+          <a:xfrm>
+            <a:off x="0" y="1153075"/>
+            <a:ext cx="1259840" cy="2702560"/>
+            <a:chOff x="0" y="971734"/>
+            <a:chExt cx="1259840" cy="2702560"/>
+          </a:xfrm>
+        </p:grpSpPr>
+        <p:sp>
+          <p:nvSpPr>
+            <p:cNvPr id="4" name="矩形 3">
+              <a:extLst>
+                <a:ext uri="{FF2B5EF4-FFF2-40B4-BE49-F238E27FC236}">
+                  <a16:creationId xmlns:a16="http://schemas.microsoft.com/office/drawing/2014/main" id="{AC0880AC-C063-E818-1AEC-AAD1C024029C}"/>
+                </a:ext>
+              </a:extLst>
+            </p:cNvPr>
+            <p:cNvSpPr/>
+            <p:nvPr/>
+          </p:nvSpPr>
+          <p:spPr>
+            <a:xfrm>
+              <a:off x="0" y="971734"/>
+              <a:ext cx="1259840" cy="675640"/>
+            </a:xfrm>
+            <a:prstGeom prst="rect">
+              <a:avLst/>
+            </a:prstGeom>
+            <a:solidFill>
+              <a:srgbClr val="314865"/>
+            </a:solidFill>
+            <a:ln>
+              <a:solidFill>
+                <a:schemeClr val="bg1">
+                  <a:lumMod val="75000"/>
+                </a:schemeClr>
+              </a:solidFill>
+            </a:ln>
+          </p:spPr>
+          <p:style>
+            <a:lnRef idx="2">
+              <a:schemeClr val="accent1">
+                <a:shade val="50000"/>
+              </a:schemeClr>
+            </a:lnRef>
+            <a:fillRef idx="1">
+              <a:schemeClr val="accent1"/>
+            </a:fillRef>
+            <a:effectRef idx="0">
+              <a:schemeClr val="accent1"/>
+            </a:effectRef>
+            <a:fontRef idx="minor">
+              <a:schemeClr val="lt1"/>
+            </a:fontRef>
+          </p:style>
+          <p:txBody>
+            <a:bodyPr rtlCol="0" anchor="ctr"/>
+            <a:lstStyle/>
+            <a:p>
+              <a:pPr algn="ctr"/>
+              <a:endParaRPr lang="zh-CN" altLang="en-US"/>
+            </a:p>
+          </p:txBody>
+        </p:sp>
+        <p:sp>
+          <p:nvSpPr>
+            <p:cNvPr id="6" name="矩形 5">
+              <a:extLst>
+                <a:ext uri="{FF2B5EF4-FFF2-40B4-BE49-F238E27FC236}">
+                  <a16:creationId xmlns:a16="http://schemas.microsoft.com/office/drawing/2014/main" id="{ACE82DFB-D3F1-E8C0-402D-29C427FFDD42}"/>
+                </a:ext>
+              </a:extLst>
+            </p:cNvPr>
+            <p:cNvSpPr/>
+            <p:nvPr/>
+          </p:nvSpPr>
+          <p:spPr>
+            <a:xfrm>
+              <a:off x="0" y="1647374"/>
+              <a:ext cx="1259840" cy="675640"/>
+            </a:xfrm>
+            <a:prstGeom prst="rect">
+              <a:avLst/>
+            </a:prstGeom>
+            <a:solidFill>
+              <a:srgbClr val="F2F2F2"/>
+            </a:solidFill>
+            <a:ln>
+              <a:solidFill>
+                <a:schemeClr val="bg1">
+                  <a:lumMod val="75000"/>
+                </a:schemeClr>
+              </a:solidFill>
+            </a:ln>
+          </p:spPr>
+          <p:style>
+            <a:lnRef idx="2">
+              <a:schemeClr val="accent1">
+                <a:shade val="50000"/>
+              </a:schemeClr>
+            </a:lnRef>
+            <a:fillRef idx="1">
+              <a:schemeClr val="accent1"/>
+            </a:fillRef>
+            <a:effectRef idx="0">
+              <a:schemeClr val="accent1"/>
+            </a:effectRef>
+            <a:fontRef idx="minor">
+              <a:schemeClr val="lt1"/>
+            </a:fontRef>
+          </p:style>
+          <p:txBody>
+            <a:bodyPr rtlCol="0" anchor="ctr"/>
+            <a:lstStyle/>
+            <a:p>
+              <a:pPr algn="ctr"/>
+              <a:endParaRPr lang="zh-CN" altLang="en-US"/>
+            </a:p>
+          </p:txBody>
+        </p:sp>
+        <p:sp>
+          <p:nvSpPr>
+            <p:cNvPr id="7" name="矩形 6">
+              <a:extLst>
+                <a:ext uri="{FF2B5EF4-FFF2-40B4-BE49-F238E27FC236}">
+                  <a16:creationId xmlns:a16="http://schemas.microsoft.com/office/drawing/2014/main" id="{B1FBDDF5-2816-9882-80FF-3F44087A1AA3}"/>
+                </a:ext>
+              </a:extLst>
+            </p:cNvPr>
+            <p:cNvSpPr/>
+            <p:nvPr/>
+          </p:nvSpPr>
+          <p:spPr>
+            <a:xfrm>
+              <a:off x="0" y="2323014"/>
+              <a:ext cx="1259840" cy="675640"/>
+            </a:xfrm>
+            <a:prstGeom prst="rect">
+              <a:avLst/>
+            </a:prstGeom>
+            <a:solidFill>
+              <a:srgbClr val="F2F2F2"/>
+            </a:solidFill>
+            <a:ln>
+              <a:solidFill>
+                <a:srgbClr val="BFBFBF"/>
+              </a:solidFill>
+            </a:ln>
+          </p:spPr>
+          <p:style>
+            <a:lnRef idx="2">
+              <a:schemeClr val="accent1">
+                <a:shade val="50000"/>
+              </a:schemeClr>
+            </a:lnRef>
+            <a:fillRef idx="1">
+              <a:schemeClr val="accent1"/>
+            </a:fillRef>
+            <a:effectRef idx="0">
+              <a:schemeClr val="accent1"/>
+            </a:effectRef>
+            <a:fontRef idx="minor">
+              <a:schemeClr val="lt1"/>
+            </a:fontRef>
+          </p:style>
+          <p:txBody>
+            <a:bodyPr rtlCol="0" anchor="ctr"/>
+            <a:lstStyle/>
+            <a:p>
+              <a:pPr algn="ctr"/>
+              <a:endParaRPr lang="zh-CN" altLang="en-US"/>
+            </a:p>
+          </p:txBody>
+        </p:sp>
+        <p:sp>
+          <p:nvSpPr>
+            <p:cNvPr id="8" name="矩形 7">
+              <a:extLst>
+                <a:ext uri="{FF2B5EF4-FFF2-40B4-BE49-F238E27FC236}">
+                  <a16:creationId xmlns:a16="http://schemas.microsoft.com/office/drawing/2014/main" id="{43AFEEB5-1338-540D-6244-5B21290CC6AC}"/>
+                </a:ext>
+              </a:extLst>
+            </p:cNvPr>
+            <p:cNvSpPr/>
+            <p:nvPr/>
+          </p:nvSpPr>
+          <p:spPr>
+            <a:xfrm>
+              <a:off x="0" y="2998654"/>
+              <a:ext cx="1259840" cy="675640"/>
+            </a:xfrm>
+            <a:prstGeom prst="rect">
+              <a:avLst/>
+            </a:prstGeom>
+            <a:solidFill>
+              <a:srgbClr val="F2F2F2"/>
+            </a:solidFill>
+            <a:ln>
+              <a:solidFill>
+                <a:srgbClr val="BFBFBF"/>
+              </a:solidFill>
+            </a:ln>
+          </p:spPr>
+          <p:style>
+            <a:lnRef idx="2">
+              <a:schemeClr val="accent1">
+                <a:shade val="50000"/>
+              </a:schemeClr>
+            </a:lnRef>
+            <a:fillRef idx="1">
+              <a:schemeClr val="accent1"/>
+            </a:fillRef>
+            <a:effectRef idx="0">
+              <a:schemeClr val="accent1"/>
+            </a:effectRef>
+            <a:fontRef idx="minor">
+              <a:schemeClr val="lt1"/>
+            </a:fontRef>
+          </p:style>
+          <p:txBody>
+            <a:bodyPr rtlCol="0" anchor="ctr"/>
+            <a:lstStyle/>
+            <a:p>
+              <a:pPr algn="ctr"/>
+              <a:endParaRPr lang="zh-CN" altLang="en-US"/>
+            </a:p>
+          </p:txBody>
+        </p:sp>
+      </p:grpSp>
+      <p:sp>
+        <p:nvSpPr>
+          <p:cNvPr id="5" name="文本框 4">
+            <a:extLst>
+              <a:ext uri="{FF2B5EF4-FFF2-40B4-BE49-F238E27FC236}">
+                <a16:creationId xmlns:a16="http://schemas.microsoft.com/office/drawing/2014/main" id="{E915845C-398F-8380-1909-A7960D3B96F0}"/>
+              </a:ext>
+            </a:extLst>
+          </p:cNvPr>
+          <p:cNvSpPr txBox="1"/>
+          <p:nvPr/>
+        </p:nvSpPr>
+        <p:spPr>
+          <a:xfrm>
+            <a:off x="91440" y="1254760"/>
+            <a:ext cx="1132840" cy="338554"/>
+          </a:xfrm>
+          <a:prstGeom prst="rect">
+            <a:avLst/>
+          </a:prstGeom>
+          <a:noFill/>
+        </p:spPr>
+        <p:txBody>
+          <a:bodyPr wrap="square" rtlCol="0">
+            <a:spAutoFit/>
+          </a:bodyPr>
+          <a:lstStyle/>
+          <a:p>
+            <a:r>
+              <a:rPr lang="zh-CN" altLang="en-US" sz="1600" b="1" dirty="0">
+                <a:solidFill>
+                  <a:schemeClr val="bg1"/>
+                </a:solidFill>
+              </a:rPr>
+              <a:t>问题分析</a:t>
+            </a:r>
+          </a:p>
+        </p:txBody>
+      </p:sp>
+      <p:sp>
+        <p:nvSpPr>
+          <p:cNvPr id="31" name="矩形 30">
+            <a:extLst>
+              <a:ext uri="{FF2B5EF4-FFF2-40B4-BE49-F238E27FC236}">
+                <a16:creationId xmlns:a16="http://schemas.microsoft.com/office/drawing/2014/main" id="{C911A549-94A1-CD88-CFEA-DA7593C1939C}"/>
+              </a:ext>
+            </a:extLst>
+          </p:cNvPr>
+          <p:cNvSpPr/>
+          <p:nvPr/>
+        </p:nvSpPr>
+        <p:spPr>
+          <a:xfrm>
+            <a:off x="8823960" y="4878659"/>
+            <a:ext cx="279400" cy="201341"/>
+          </a:xfrm>
+          <a:prstGeom prst="rect">
+            <a:avLst/>
+          </a:prstGeom>
+          <a:solidFill>
+            <a:srgbClr val="152F47"/>
+          </a:solidFill>
+          <a:ln>
+            <a:solidFill>
+              <a:srgbClr val="152F47"/>
+            </a:solidFill>
+          </a:ln>
+        </p:spPr>
+        <p:style>
+          <a:lnRef idx="2">
+            <a:schemeClr val="accent1">
+              <a:shade val="50000"/>
+            </a:schemeClr>
+          </a:lnRef>
+          <a:fillRef idx="1">
+            <a:schemeClr val="accent1"/>
+          </a:fillRef>
+          <a:effectRef idx="0">
+            <a:schemeClr val="accent1"/>
+          </a:effectRef>
+          <a:fontRef idx="minor">
+            <a:schemeClr val="lt1"/>
+          </a:fontRef>
+        </p:style>
+        <p:txBody>
+          <a:bodyPr rtlCol="0" anchor="ctr"/>
+          <a:lstStyle/>
+          <a:p>
+            <a:pPr algn="ctr"/>
+            <a:endParaRPr lang="zh-CN" altLang="en-US"/>
+          </a:p>
+        </p:txBody>
+      </p:sp>
+      <p:pic>
+        <p:nvPicPr>
+          <p:cNvPr id="11" name="图片 10">
+            <a:extLst>
+              <a:ext uri="{FF2B5EF4-FFF2-40B4-BE49-F238E27FC236}">
+                <a16:creationId xmlns:a16="http://schemas.microsoft.com/office/drawing/2014/main" id="{34456186-2E25-48B9-B763-54688B078CE2}"/>
+              </a:ext>
+            </a:extLst>
+          </p:cNvPr>
+          <p:cNvPicPr>
+            <a:picLocks noChangeAspect="1"/>
+          </p:cNvPicPr>
+          <p:nvPr/>
+        </p:nvPicPr>
+        <p:blipFill>
+          <a:blip r:embed="rId3"/>
+          <a:stretch>
+            <a:fillRect/>
+          </a:stretch>
+        </p:blipFill>
+        <p:spPr>
+          <a:xfrm>
+            <a:off x="2482769" y="697176"/>
+            <a:ext cx="4823022" cy="3988338"/>
+          </a:xfrm>
+          <a:prstGeom prst="rect">
+            <a:avLst/>
+          </a:prstGeom>
+        </p:spPr>
+      </p:pic>
+    </p:spTree>
+    <p:extLst>
+      <p:ext uri="{BB962C8B-B14F-4D97-AF65-F5344CB8AC3E}">
+        <p14:creationId xmlns:p14="http://schemas.microsoft.com/office/powerpoint/2010/main" val="1524786711"/>
+      </p:ext>
+    </p:extLst>
+  </p:cSld>
+  <p:clrMapOvr>
+    <a:masterClrMapping/>
+  </p:clrMapOvr>
+  <mc:AlternateContent xmlns:mc="http://schemas.openxmlformats.org/markup-compatibility/2006" xmlns:p14="http://schemas.microsoft.com/office/powerpoint/2010/main">
+    <mc:Choice Requires="p14">
+      <p:transition spd="slow" p14:dur="1500" advTm="7000">
+        <p:random/>
+      </p:transition>
+    </mc:Choice>
+    <mc:Fallback xmlns="">
+      <p:transition spd="slow" advTm="7000">
+        <p:random/>
+      </p:transition>
+    </mc:Fallback>
+  </mc:AlternateContent>
+  <p:timing>
+    <p:tnLst>
+      <p:par>
+        <p:cTn id="1" dur="indefinite" restart="never" nodeType="tmRoot">
+          <p:childTnLst>
+            <p:seq concurrent="1" nextAc="seek">
+              <p:cTn id="2" dur="indefinite" nodeType="mainSeq">
+                <p:childTnLst>
+                  <p:par>
+                    <p:cTn id="3" fill="hold">
+                      <p:stCondLst>
+                        <p:cond delay="indefinite"/>
+                        <p:cond evt="onBegin" delay="0">
+                          <p:tn val="2"/>
+                        </p:cond>
+                      </p:stCondLst>
+                      <p:childTnLst>
+                        <p:par>
+                          <p:cTn id="4" fill="hold">
+                            <p:stCondLst>
+                              <p:cond delay="0"/>
+                            </p:stCondLst>
+                            <p:childTnLst>
+                              <p:par>
+                                <p:cTn id="5" presetID="16" presetClass="entr" presetSubtype="21" fill="hold" grpId="0" nodeType="afterEffect">
+                                  <p:stCondLst>
+                                    <p:cond delay="0"/>
+                                  </p:stCondLst>
+                                  <p:childTnLst>
+                                    <p:set>
+                                      <p:cBhvr>
+                                        <p:cTn id="6" dur="1" fill="hold">
+                                          <p:stCondLst>
+                                            <p:cond delay="0"/>
+                                          </p:stCondLst>
+                                        </p:cTn>
+                                        <p:tgtEl>
+                                          <p:spTgt spid="14"/>
+                                        </p:tgtEl>
+                                        <p:attrNameLst>
+                                          <p:attrName>style.visibility</p:attrName>
+                                        </p:attrNameLst>
+                                      </p:cBhvr>
+                                      <p:to>
+                                        <p:strVal val="visible"/>
+                                      </p:to>
+                                    </p:set>
+                                    <p:animEffect transition="in" filter="barn(inVertical)">
+                                      <p:cBhvr>
+                                        <p:cTn id="7" dur="500"/>
+                                        <p:tgtEl>
+                                          <p:spTgt spid="14"/>
+                                        </p:tgtEl>
+                                      </p:cBhvr>
+                                    </p:animEffect>
+                                  </p:childTnLst>
+                                </p:cTn>
+                              </p:par>
+                              <p:par>
+                                <p:cTn id="8" presetID="16" presetClass="entr" presetSubtype="21" fill="hold" grpId="0" nodeType="withEffect" nodePh="1">
+                                  <p:stCondLst>
+                                    <p:cond delay="0"/>
+                                  </p:stCondLst>
+                                  <p:endCondLst>
+                                    <p:cond evt="begin" delay="0">
+                                      <p:tn val="8"/>
+                                    </p:cond>
+                                  </p:endCondLst>
+                                  <p:childTnLst>
+                                    <p:set>
+                                      <p:cBhvr>
+                                        <p:cTn id="9" dur="1" fill="hold">
+                                          <p:stCondLst>
+                                            <p:cond delay="0"/>
+                                          </p:stCondLst>
+                                        </p:cTn>
+                                        <p:tgtEl>
+                                          <p:spTgt spid="13"/>
+                                        </p:tgtEl>
+                                        <p:attrNameLst>
+                                          <p:attrName>style.visibility</p:attrName>
+                                        </p:attrNameLst>
+                                      </p:cBhvr>
+                                      <p:to>
+                                        <p:strVal val="visible"/>
+                                      </p:to>
+                                    </p:set>
+                                    <p:animEffect transition="in" filter="barn(inVertical)">
+                                      <p:cBhvr>
+                                        <p:cTn id="10" dur="500"/>
+                                        <p:tgtEl>
+                                          <p:spTgt spid="13"/>
+                                        </p:tgtEl>
+                                      </p:cBhvr>
+                                    </p:animEffect>
+                                  </p:childTnLst>
+                                </p:cTn>
+                              </p:par>
+                            </p:childTnLst>
+                          </p:cTn>
+                        </p:par>
+                        <p:par>
+                          <p:cTn id="11" fill="hold">
+                            <p:stCondLst>
+                              <p:cond delay="500"/>
+                            </p:stCondLst>
+                            <p:childTnLst>
+                              <p:par>
+                                <p:cTn id="12" presetID="42" presetClass="entr" presetSubtype="0" fill="hold" grpId="0" nodeType="afterEffect" nodePh="1">
+                                  <p:stCondLst>
+                                    <p:cond delay="0"/>
+                                  </p:stCondLst>
+                                  <p:endCondLst>
+                                    <p:cond evt="begin" delay="0">
+                                      <p:tn val="12"/>
+                                    </p:cond>
+                                  </p:endCondLst>
+                                  <p:childTnLst>
+                                    <p:set>
+                                      <p:cBhvr>
+                                        <p:cTn id="13" dur="1" fill="hold">
+                                          <p:stCondLst>
+                                            <p:cond delay="0"/>
+                                          </p:stCondLst>
+                                        </p:cTn>
+                                        <p:tgtEl>
+                                          <p:spTgt spid="27"/>
+                                        </p:tgtEl>
+                                        <p:attrNameLst>
+                                          <p:attrName>style.visibility</p:attrName>
+                                        </p:attrNameLst>
+                                      </p:cBhvr>
+                                      <p:to>
+                                        <p:strVal val="visible"/>
+                                      </p:to>
+                                    </p:set>
+                                    <p:animEffect transition="in" filter="fade">
+                                      <p:cBhvr>
+                                        <p:cTn id="14" dur="1000"/>
+                                        <p:tgtEl>
+                                          <p:spTgt spid="27"/>
+                                        </p:tgtEl>
+                                      </p:cBhvr>
+                                    </p:animEffect>
+                                    <p:anim calcmode="lin" valueType="num">
+                                      <p:cBhvr>
+                                        <p:cTn id="15" dur="1000" fill="hold"/>
+                                        <p:tgtEl>
+                                          <p:spTgt spid="27"/>
+                                        </p:tgtEl>
+                                        <p:attrNameLst>
+                                          <p:attrName>ppt_x</p:attrName>
+                                        </p:attrNameLst>
+                                      </p:cBhvr>
+                                      <p:tavLst>
+                                        <p:tav tm="0">
+                                          <p:val>
+                                            <p:strVal val="#ppt_x"/>
+                                          </p:val>
+                                        </p:tav>
+                                        <p:tav tm="100000">
+                                          <p:val>
+                                            <p:strVal val="#ppt_x"/>
+                                          </p:val>
+                                        </p:tav>
+                                      </p:tavLst>
+                                    </p:anim>
+                                    <p:anim calcmode="lin" valueType="num">
+                                      <p:cBhvr>
+                                        <p:cTn id="16" dur="1000" fill="hold"/>
+                                        <p:tgtEl>
+                                          <p:spTgt spid="27"/>
+                                        </p:tgtEl>
+                                        <p:attrNameLst>
+                                          <p:attrName>ppt_y</p:attrName>
+                                        </p:attrNameLst>
+                                      </p:cBhvr>
+                                      <p:tavLst>
+                                        <p:tav tm="0">
+                                          <p:val>
+                                            <p:strVal val="#ppt_y+.1"/>
+                                          </p:val>
+                                        </p:tav>
+                                        <p:tav tm="100000">
+                                          <p:val>
+                                            <p:strVal val="#ppt_y"/>
+                                          </p:val>
+                                        </p:tav>
+                                      </p:tavLst>
+                                    </p:anim>
+                                  </p:childTnLst>
+                                </p:cTn>
+                              </p:par>
+                            </p:childTnLst>
+                          </p:cTn>
+                        </p:par>
+                      </p:childTnLst>
+                    </p:cTn>
+                  </p:par>
+                </p:childTnLst>
+              </p:cTn>
+              <p:prevCondLst>
+                <p:cond evt="onPrev" delay="0">
+                  <p:tgtEl>
+                    <p:sldTgt/>
+                  </p:tgtEl>
+                </p:cond>
+              </p:prevCondLst>
+              <p:nextCondLst>
+                <p:cond evt="onNext" delay="0">
+                  <p:tgtEl>
+                    <p:sldTgt/>
+                  </p:tgtEl>
+                </p:cond>
+              </p:nextCondLst>
+            </p:seq>
+          </p:childTnLst>
+        </p:cTn>
+      </p:par>
+    </p:tnLst>
+    <p:bldLst>
+      <p:bldP spid="13" grpId="0"/>
+      <p:bldP spid="14" grpId="0"/>
+      <p:bldP spid="27" grpId="0"/>
+    </p:bldLst>
+  </p:timing>
+</p:sld>
+</file>
+
+<file path=ppt/slides/slide17.xml><?xml version="1.0" encoding="utf-8"?>
+<p:sld xmlns:a="http://schemas.openxmlformats.org/drawingml/2006/main" xmlns:r="http://schemas.openxmlformats.org/officeDocument/2006/relationships" xmlns:p="http://schemas.openxmlformats.org/presentationml/2006/main">
+  <p:cSld>
+    <p:spTree>
+      <p:nvGrpSpPr>
+        <p:cNvPr id="1" name=""/>
+        <p:cNvGrpSpPr/>
+        <p:nvPr/>
+      </p:nvGrpSpPr>
+      <p:grpSpPr>
+        <a:xfrm>
+          <a:off x="0" y="0"/>
+          <a:ext cx="0" cy="0"/>
+          <a:chOff x="0" y="0"/>
+          <a:chExt cx="0" cy="0"/>
+        </a:xfrm>
+      </p:grpSpPr>
+      <p:sp>
+        <p:nvSpPr>
+          <p:cNvPr id="13" name="Title 1"/>
+          <p:cNvSpPr txBox="1">
+            <a:spLocks/>
+          </p:cNvSpPr>
+          <p:nvPr/>
+        </p:nvSpPr>
+        <p:spPr>
+          <a:xfrm>
+            <a:off x="2400624" y="1769723"/>
+            <a:ext cx="5109935" cy="363558"/>
+          </a:xfrm>
+          <a:prstGeom prst="rect">
+            <a:avLst/>
+          </a:prstGeom>
+        </p:spPr>
+        <p:txBody>
+          <a:bodyPr vert="horz" lIns="91440" tIns="45720" rIns="91440" bIns="45720" rtlCol="0" anchor="ctr">
+            <a:normAutofit/>
+          </a:bodyPr>
+          <a:lstStyle>
+            <a:lvl1pPr algn="l" defTabSz="914400" rtl="0" eaLnBrk="1" latinLnBrk="0" hangingPunct="1">
+              <a:spcBef>
+                <a:spcPct val="0"/>
+              </a:spcBef>
+              <a:buNone/>
+              <a:defRPr sz="3200" b="0" kern="1200">
+                <a:solidFill>
+                  <a:schemeClr val="tx1">
+                    <a:lumMod val="65000"/>
+                    <a:lumOff val="35000"/>
+                  </a:schemeClr>
+                </a:solidFill>
+                <a:latin typeface="Source Sans Pro Light" pitchFamily="34" charset="0"/>
+                <a:ea typeface="+mj-ea"/>
+                <a:cs typeface="+mj-cs"/>
+              </a:defRPr>
+            </a:lvl1pPr>
+          </a:lstStyle>
+          <a:p>
+            <a:endParaRPr lang="en-US" sz="1400" dirty="0">
+              <a:solidFill>
+                <a:srgbClr val="314865"/>
+              </a:solidFill>
+              <a:latin typeface="+mn-lt"/>
+            </a:endParaRPr>
+          </a:p>
+        </p:txBody>
+      </p:sp>
+      <p:sp>
+        <p:nvSpPr>
+          <p:cNvPr id="14" name="Title 13"/>
+          <p:cNvSpPr>
+            <a:spLocks noGrp="1"/>
+          </p:cNvSpPr>
+          <p:nvPr>
+            <p:ph type="title" idx="4294967295"/>
+          </p:nvPr>
+        </p:nvSpPr>
+        <p:spPr>
+          <a:xfrm>
+            <a:off x="4955591" y="56500"/>
+            <a:ext cx="6266852" cy="535346"/>
+          </a:xfrm>
+        </p:spPr>
+        <p:txBody>
+          <a:bodyPr>
+            <a:normAutofit/>
+          </a:bodyPr>
+          <a:lstStyle/>
+          <a:p>
+            <a:r>
+              <a:rPr lang="zh-CN" altLang="en-US" sz="1400" b="1" dirty="0">
+                <a:solidFill>
+                  <a:srgbClr val="314865"/>
+                </a:solidFill>
+              </a:rPr>
+              <a:t>登录</a:t>
+            </a:r>
+            <a:r>
+              <a:rPr lang="en-US" altLang="zh-CN" sz="1400" b="1" dirty="0">
+                <a:solidFill>
+                  <a:srgbClr val="314865"/>
+                </a:solidFill>
+              </a:rPr>
+              <a:t>UI</a:t>
+            </a:r>
+            <a:endParaRPr lang="en-US" sz="1400" b="1" dirty="0">
+              <a:solidFill>
+                <a:srgbClr val="314865"/>
+              </a:solidFill>
+            </a:endParaRPr>
+          </a:p>
+        </p:txBody>
+      </p:sp>
+      <p:sp>
+        <p:nvSpPr>
+          <p:cNvPr id="27" name="TextBox 26"/>
+          <p:cNvSpPr txBox="1"/>
+          <p:nvPr/>
+        </p:nvSpPr>
+        <p:spPr>
+          <a:xfrm>
+            <a:off x="2400624" y="2237995"/>
+            <a:ext cx="4599044" cy="684286"/>
+          </a:xfrm>
+          <a:prstGeom prst="rect">
+            <a:avLst/>
+          </a:prstGeom>
+          <a:noFill/>
+        </p:spPr>
+        <p:txBody>
+          <a:bodyPr wrap="square" rIns="144000" bIns="36000" numCol="1" spcCol="360000" rtlCol="0">
+            <a:spAutoFit/>
+          </a:bodyPr>
+          <a:lstStyle/>
+          <a:p>
+            <a:pPr>
+              <a:lnSpc>
+                <a:spcPct val="150000"/>
+              </a:lnSpc>
+            </a:pPr>
+            <a:endParaRPr lang="zh-CN" altLang="en-US" sz="900" dirty="0">
+              <a:solidFill>
+                <a:srgbClr val="314865"/>
+              </a:solidFill>
+              <a:latin typeface="Calibri"/>
+              <a:ea typeface="微软雅黑" pitchFamily="34" charset="-122"/>
+            </a:endParaRPr>
+          </a:p>
+          <a:p>
+            <a:pPr>
+              <a:lnSpc>
+                <a:spcPct val="150000"/>
+              </a:lnSpc>
+            </a:pPr>
+            <a:endParaRPr lang="zh-CN" altLang="en-US" sz="900" dirty="0">
+              <a:solidFill>
+                <a:srgbClr val="314865"/>
+              </a:solidFill>
+              <a:latin typeface="Calibri"/>
+              <a:ea typeface="微软雅黑" pitchFamily="34" charset="-122"/>
+            </a:endParaRPr>
+          </a:p>
+          <a:p>
+            <a:pPr>
+              <a:lnSpc>
+                <a:spcPct val="150000"/>
+              </a:lnSpc>
+            </a:pPr>
+            <a:endParaRPr lang="zh-CN" altLang="en-US" sz="900" dirty="0">
+              <a:solidFill>
+                <a:srgbClr val="314865"/>
+              </a:solidFill>
+              <a:latin typeface="Calibri"/>
+              <a:ea typeface="微软雅黑" pitchFamily="34" charset="-122"/>
+            </a:endParaRPr>
+          </a:p>
+        </p:txBody>
+      </p:sp>
+      <p:sp>
+        <p:nvSpPr>
+          <p:cNvPr id="2" name="矩形 1">
+            <a:extLst>
+              <a:ext uri="{FF2B5EF4-FFF2-40B4-BE49-F238E27FC236}">
+                <a16:creationId xmlns:a16="http://schemas.microsoft.com/office/drawing/2014/main" id="{1728D070-7D29-FF09-4F56-758318AEC319}"/>
+              </a:ext>
+            </a:extLst>
+          </p:cNvPr>
+          <p:cNvSpPr/>
+          <p:nvPr/>
+        </p:nvSpPr>
+        <p:spPr>
+          <a:xfrm>
+            <a:off x="7045960" y="4878659"/>
+            <a:ext cx="1076960" cy="264841"/>
+          </a:xfrm>
+          <a:prstGeom prst="rect">
+            <a:avLst/>
+          </a:prstGeom>
+          <a:solidFill>
+            <a:srgbClr val="314865"/>
+          </a:solidFill>
+          <a:ln>
+            <a:solidFill>
+              <a:srgbClr val="314865"/>
+            </a:solidFill>
+          </a:ln>
+        </p:spPr>
+        <p:style>
+          <a:lnRef idx="2">
+            <a:schemeClr val="accent1">
+              <a:shade val="50000"/>
+            </a:schemeClr>
+          </a:lnRef>
+          <a:fillRef idx="1">
+            <a:schemeClr val="accent1"/>
+          </a:fillRef>
+          <a:effectRef idx="0">
+            <a:schemeClr val="accent1"/>
+          </a:effectRef>
+          <a:fontRef idx="minor">
+            <a:schemeClr val="lt1"/>
+          </a:fontRef>
+        </p:style>
+        <p:txBody>
+          <a:bodyPr rtlCol="0" anchor="ctr"/>
+          <a:lstStyle/>
+          <a:p>
+            <a:pPr algn="ctr"/>
+            <a:endParaRPr lang="zh-CN" altLang="en-US"/>
+          </a:p>
+        </p:txBody>
+      </p:sp>
+      <p:sp>
+        <p:nvSpPr>
+          <p:cNvPr id="3" name="矩形 2">
+            <a:extLst>
+              <a:ext uri="{FF2B5EF4-FFF2-40B4-BE49-F238E27FC236}">
+                <a16:creationId xmlns:a16="http://schemas.microsoft.com/office/drawing/2014/main" id="{6087D5C8-2721-67BA-B803-B3AB24459652}"/>
+              </a:ext>
+            </a:extLst>
+          </p:cNvPr>
+          <p:cNvSpPr/>
+          <p:nvPr/>
+        </p:nvSpPr>
+        <p:spPr>
+          <a:xfrm>
+            <a:off x="0" y="939800"/>
+            <a:ext cx="1259840" cy="3764280"/>
+          </a:xfrm>
+          <a:prstGeom prst="rect">
+            <a:avLst/>
+          </a:prstGeom>
+          <a:solidFill>
+            <a:srgbClr val="F2F2F2"/>
+          </a:solidFill>
+          <a:ln>
+            <a:solidFill>
+              <a:srgbClr val="F2F2F2"/>
+            </a:solidFill>
+          </a:ln>
+        </p:spPr>
+        <p:style>
+          <a:lnRef idx="2">
+            <a:schemeClr val="accent1">
+              <a:shade val="50000"/>
+            </a:schemeClr>
+          </a:lnRef>
+          <a:fillRef idx="1">
+            <a:schemeClr val="accent1"/>
+          </a:fillRef>
+          <a:effectRef idx="0">
+            <a:schemeClr val="accent1"/>
+          </a:effectRef>
+          <a:fontRef idx="minor">
+            <a:schemeClr val="lt1"/>
+          </a:fontRef>
+        </p:style>
+        <p:txBody>
+          <a:bodyPr rtlCol="0" anchor="ctr"/>
+          <a:lstStyle/>
+          <a:p>
+            <a:pPr algn="ctr"/>
+            <a:endParaRPr lang="zh-CN" altLang="en-US"/>
+          </a:p>
+        </p:txBody>
+      </p:sp>
+      <p:grpSp>
+        <p:nvGrpSpPr>
+          <p:cNvPr id="10" name="组合 9">
+            <a:extLst>
+              <a:ext uri="{FF2B5EF4-FFF2-40B4-BE49-F238E27FC236}">
+                <a16:creationId xmlns:a16="http://schemas.microsoft.com/office/drawing/2014/main" id="{E8D9E54F-E2AD-DC47-D14C-DB6A03624D4F}"/>
+              </a:ext>
+            </a:extLst>
+          </p:cNvPr>
+          <p:cNvGrpSpPr/>
+          <p:nvPr/>
+        </p:nvGrpSpPr>
+        <p:grpSpPr>
+          <a:xfrm>
+            <a:off x="0" y="1153075"/>
+            <a:ext cx="1259840" cy="2702560"/>
+            <a:chOff x="0" y="971734"/>
+            <a:chExt cx="1259840" cy="2702560"/>
+          </a:xfrm>
+        </p:grpSpPr>
+        <p:sp>
+          <p:nvSpPr>
+            <p:cNvPr id="4" name="矩形 3">
+              <a:extLst>
+                <a:ext uri="{FF2B5EF4-FFF2-40B4-BE49-F238E27FC236}">
+                  <a16:creationId xmlns:a16="http://schemas.microsoft.com/office/drawing/2014/main" id="{AC0880AC-C063-E818-1AEC-AAD1C024029C}"/>
+                </a:ext>
+              </a:extLst>
+            </p:cNvPr>
+            <p:cNvSpPr/>
+            <p:nvPr/>
+          </p:nvSpPr>
+          <p:spPr>
+            <a:xfrm>
+              <a:off x="0" y="971734"/>
+              <a:ext cx="1259840" cy="675640"/>
+            </a:xfrm>
+            <a:prstGeom prst="rect">
+              <a:avLst/>
+            </a:prstGeom>
+            <a:solidFill>
+              <a:srgbClr val="314865"/>
+            </a:solidFill>
+            <a:ln>
+              <a:solidFill>
+                <a:schemeClr val="bg1">
+                  <a:lumMod val="75000"/>
+                </a:schemeClr>
+              </a:solidFill>
+            </a:ln>
+          </p:spPr>
+          <p:style>
+            <a:lnRef idx="2">
+              <a:schemeClr val="accent1">
+                <a:shade val="50000"/>
+              </a:schemeClr>
+            </a:lnRef>
+            <a:fillRef idx="1">
+              <a:schemeClr val="accent1"/>
+            </a:fillRef>
+            <a:effectRef idx="0">
+              <a:schemeClr val="accent1"/>
+            </a:effectRef>
+            <a:fontRef idx="minor">
+              <a:schemeClr val="lt1"/>
+            </a:fontRef>
+          </p:style>
+          <p:txBody>
+            <a:bodyPr rtlCol="0" anchor="ctr"/>
+            <a:lstStyle/>
+            <a:p>
+              <a:pPr algn="ctr"/>
+              <a:endParaRPr lang="zh-CN" altLang="en-US"/>
+            </a:p>
+          </p:txBody>
+        </p:sp>
+        <p:sp>
+          <p:nvSpPr>
+            <p:cNvPr id="6" name="矩形 5">
+              <a:extLst>
+                <a:ext uri="{FF2B5EF4-FFF2-40B4-BE49-F238E27FC236}">
+                  <a16:creationId xmlns:a16="http://schemas.microsoft.com/office/drawing/2014/main" id="{ACE82DFB-D3F1-E8C0-402D-29C427FFDD42}"/>
+                </a:ext>
+              </a:extLst>
+            </p:cNvPr>
+            <p:cNvSpPr/>
+            <p:nvPr/>
+          </p:nvSpPr>
+          <p:spPr>
+            <a:xfrm>
+              <a:off x="0" y="1647374"/>
+              <a:ext cx="1259840" cy="675640"/>
+            </a:xfrm>
+            <a:prstGeom prst="rect">
+              <a:avLst/>
+            </a:prstGeom>
+            <a:solidFill>
+              <a:srgbClr val="F2F2F2"/>
+            </a:solidFill>
+            <a:ln>
+              <a:solidFill>
+                <a:schemeClr val="bg1">
+                  <a:lumMod val="75000"/>
+                </a:schemeClr>
+              </a:solidFill>
+            </a:ln>
+          </p:spPr>
+          <p:style>
+            <a:lnRef idx="2">
+              <a:schemeClr val="accent1">
+                <a:shade val="50000"/>
+              </a:schemeClr>
+            </a:lnRef>
+            <a:fillRef idx="1">
+              <a:schemeClr val="accent1"/>
+            </a:fillRef>
+            <a:effectRef idx="0">
+              <a:schemeClr val="accent1"/>
+            </a:effectRef>
+            <a:fontRef idx="minor">
+              <a:schemeClr val="lt1"/>
+            </a:fontRef>
+          </p:style>
+          <p:txBody>
+            <a:bodyPr rtlCol="0" anchor="ctr"/>
+            <a:lstStyle/>
+            <a:p>
+              <a:pPr algn="ctr"/>
+              <a:endParaRPr lang="zh-CN" altLang="en-US"/>
+            </a:p>
+          </p:txBody>
+        </p:sp>
+        <p:sp>
+          <p:nvSpPr>
+            <p:cNvPr id="7" name="矩形 6">
+              <a:extLst>
+                <a:ext uri="{FF2B5EF4-FFF2-40B4-BE49-F238E27FC236}">
+                  <a16:creationId xmlns:a16="http://schemas.microsoft.com/office/drawing/2014/main" id="{B1FBDDF5-2816-9882-80FF-3F44087A1AA3}"/>
+                </a:ext>
+              </a:extLst>
+            </p:cNvPr>
+            <p:cNvSpPr/>
+            <p:nvPr/>
+          </p:nvSpPr>
+          <p:spPr>
+            <a:xfrm>
+              <a:off x="0" y="2323014"/>
+              <a:ext cx="1259840" cy="675640"/>
+            </a:xfrm>
+            <a:prstGeom prst="rect">
+              <a:avLst/>
+            </a:prstGeom>
+            <a:solidFill>
+              <a:srgbClr val="F2F2F2"/>
+            </a:solidFill>
+            <a:ln>
+              <a:solidFill>
+                <a:srgbClr val="BFBFBF"/>
+              </a:solidFill>
+            </a:ln>
+          </p:spPr>
+          <p:style>
+            <a:lnRef idx="2">
+              <a:schemeClr val="accent1">
+                <a:shade val="50000"/>
+              </a:schemeClr>
+            </a:lnRef>
+            <a:fillRef idx="1">
+              <a:schemeClr val="accent1"/>
+            </a:fillRef>
+            <a:effectRef idx="0">
+              <a:schemeClr val="accent1"/>
+            </a:effectRef>
+            <a:fontRef idx="minor">
+              <a:schemeClr val="lt1"/>
+            </a:fontRef>
+          </p:style>
+          <p:txBody>
+            <a:bodyPr rtlCol="0" anchor="ctr"/>
+            <a:lstStyle/>
+            <a:p>
+              <a:pPr algn="ctr"/>
+              <a:endParaRPr lang="zh-CN" altLang="en-US"/>
+            </a:p>
+          </p:txBody>
+        </p:sp>
+        <p:sp>
+          <p:nvSpPr>
+            <p:cNvPr id="8" name="矩形 7">
+              <a:extLst>
+                <a:ext uri="{FF2B5EF4-FFF2-40B4-BE49-F238E27FC236}">
+                  <a16:creationId xmlns:a16="http://schemas.microsoft.com/office/drawing/2014/main" id="{43AFEEB5-1338-540D-6244-5B21290CC6AC}"/>
+                </a:ext>
+              </a:extLst>
+            </p:cNvPr>
+            <p:cNvSpPr/>
+            <p:nvPr/>
+          </p:nvSpPr>
+          <p:spPr>
+            <a:xfrm>
+              <a:off x="0" y="2998654"/>
+              <a:ext cx="1259840" cy="675640"/>
+            </a:xfrm>
+            <a:prstGeom prst="rect">
+              <a:avLst/>
+            </a:prstGeom>
+            <a:solidFill>
+              <a:srgbClr val="F2F2F2"/>
+            </a:solidFill>
+            <a:ln>
+              <a:solidFill>
+                <a:srgbClr val="BFBFBF"/>
+              </a:solidFill>
+            </a:ln>
+          </p:spPr>
+          <p:style>
+            <a:lnRef idx="2">
+              <a:schemeClr val="accent1">
+                <a:shade val="50000"/>
+              </a:schemeClr>
+            </a:lnRef>
+            <a:fillRef idx="1">
+              <a:schemeClr val="accent1"/>
+            </a:fillRef>
+            <a:effectRef idx="0">
+              <a:schemeClr val="accent1"/>
+            </a:effectRef>
+            <a:fontRef idx="minor">
+              <a:schemeClr val="lt1"/>
+            </a:fontRef>
+          </p:style>
+          <p:txBody>
+            <a:bodyPr rtlCol="0" anchor="ctr"/>
+            <a:lstStyle/>
+            <a:p>
+              <a:pPr algn="ctr"/>
+              <a:endParaRPr lang="zh-CN" altLang="en-US"/>
+            </a:p>
+          </p:txBody>
+        </p:sp>
+      </p:grpSp>
+      <p:sp>
+        <p:nvSpPr>
+          <p:cNvPr id="5" name="文本框 4">
+            <a:extLst>
+              <a:ext uri="{FF2B5EF4-FFF2-40B4-BE49-F238E27FC236}">
+                <a16:creationId xmlns:a16="http://schemas.microsoft.com/office/drawing/2014/main" id="{E915845C-398F-8380-1909-A7960D3B96F0}"/>
+              </a:ext>
+            </a:extLst>
+          </p:cNvPr>
+          <p:cNvSpPr txBox="1"/>
+          <p:nvPr/>
+        </p:nvSpPr>
+        <p:spPr>
+          <a:xfrm>
+            <a:off x="91440" y="1254760"/>
+            <a:ext cx="1132840" cy="338554"/>
+          </a:xfrm>
+          <a:prstGeom prst="rect">
+            <a:avLst/>
+          </a:prstGeom>
+          <a:noFill/>
+        </p:spPr>
+        <p:txBody>
+          <a:bodyPr wrap="square" rtlCol="0">
+            <a:spAutoFit/>
+          </a:bodyPr>
+          <a:lstStyle/>
+          <a:p>
+            <a:r>
+              <a:rPr lang="zh-CN" altLang="en-US" sz="1600" b="1" dirty="0">
+                <a:solidFill>
+                  <a:schemeClr val="bg1"/>
+                </a:solidFill>
+              </a:rPr>
+              <a:t>问题分析</a:t>
+            </a:r>
+          </a:p>
+        </p:txBody>
+      </p:sp>
+      <p:sp>
+        <p:nvSpPr>
+          <p:cNvPr id="31" name="矩形 30">
+            <a:extLst>
+              <a:ext uri="{FF2B5EF4-FFF2-40B4-BE49-F238E27FC236}">
+                <a16:creationId xmlns:a16="http://schemas.microsoft.com/office/drawing/2014/main" id="{C911A549-94A1-CD88-CFEA-DA7593C1939C}"/>
+              </a:ext>
+            </a:extLst>
+          </p:cNvPr>
+          <p:cNvSpPr/>
+          <p:nvPr/>
+        </p:nvSpPr>
+        <p:spPr>
+          <a:xfrm>
+            <a:off x="8823960" y="4878659"/>
+            <a:ext cx="279400" cy="201341"/>
+          </a:xfrm>
+          <a:prstGeom prst="rect">
+            <a:avLst/>
+          </a:prstGeom>
+          <a:solidFill>
+            <a:srgbClr val="152F47"/>
+          </a:solidFill>
+          <a:ln>
+            <a:solidFill>
+              <a:srgbClr val="152F47"/>
+            </a:solidFill>
+          </a:ln>
+        </p:spPr>
+        <p:style>
+          <a:lnRef idx="2">
+            <a:schemeClr val="accent1">
+              <a:shade val="50000"/>
+            </a:schemeClr>
+          </a:lnRef>
+          <a:fillRef idx="1">
+            <a:schemeClr val="accent1"/>
+          </a:fillRef>
+          <a:effectRef idx="0">
+            <a:schemeClr val="accent1"/>
+          </a:effectRef>
+          <a:fontRef idx="minor">
+            <a:schemeClr val="lt1"/>
+          </a:fontRef>
+        </p:style>
+        <p:txBody>
+          <a:bodyPr rtlCol="0" anchor="ctr"/>
+          <a:lstStyle/>
+          <a:p>
+            <a:pPr algn="ctr"/>
+            <a:endParaRPr lang="zh-CN" altLang="en-US"/>
+          </a:p>
+        </p:txBody>
+      </p:sp>
+      <p:pic>
+        <p:nvPicPr>
+          <p:cNvPr id="15" name="图片 14">
+            <a:extLst>
+              <a:ext uri="{FF2B5EF4-FFF2-40B4-BE49-F238E27FC236}">
+                <a16:creationId xmlns:a16="http://schemas.microsoft.com/office/drawing/2014/main" id="{D378DE8B-8EFF-41EE-8806-B52D87C31EF0}"/>
+              </a:ext>
+            </a:extLst>
+          </p:cNvPr>
+          <p:cNvPicPr>
+            <a:picLocks noChangeAspect="1"/>
+          </p:cNvPicPr>
+          <p:nvPr/>
+        </p:nvPicPr>
+        <p:blipFill>
+          <a:blip r:embed="rId3">
+            <a:extLst>
+              <a:ext uri="{28A0092B-C50C-407E-A947-70E740481C1C}">
+                <a14:useLocalDpi xmlns:a14="http://schemas.microsoft.com/office/drawing/2010/main" val="0"/>
+              </a:ext>
+            </a:extLst>
+          </a:blip>
+          <a:stretch>
+            <a:fillRect/>
+          </a:stretch>
+        </p:blipFill>
+        <p:spPr>
+          <a:xfrm>
+            <a:off x="1591518" y="703221"/>
+            <a:ext cx="3926938" cy="3890481"/>
+          </a:xfrm>
+          <a:prstGeom prst="rect">
+            <a:avLst/>
+          </a:prstGeom>
+        </p:spPr>
+      </p:pic>
+      <p:pic>
+        <p:nvPicPr>
+          <p:cNvPr id="19" name="图片 18">
+            <a:extLst>
+              <a:ext uri="{FF2B5EF4-FFF2-40B4-BE49-F238E27FC236}">
+                <a16:creationId xmlns:a16="http://schemas.microsoft.com/office/drawing/2014/main" id="{E225E7E9-F9B6-4D61-83B0-95F4787A7450}"/>
+              </a:ext>
+            </a:extLst>
+          </p:cNvPr>
+          <p:cNvPicPr>
+            <a:picLocks noChangeAspect="1"/>
+          </p:cNvPicPr>
+          <p:nvPr/>
+        </p:nvPicPr>
+        <p:blipFill>
+          <a:blip r:embed="rId4">
+            <a:extLst>
+              <a:ext uri="{28A0092B-C50C-407E-A947-70E740481C1C}">
+                <a14:useLocalDpi xmlns:a14="http://schemas.microsoft.com/office/drawing/2010/main" val="0"/>
+              </a:ext>
+            </a:extLst>
+          </a:blip>
+          <a:stretch>
+            <a:fillRect/>
+          </a:stretch>
+        </p:blipFill>
+        <p:spPr>
+          <a:xfrm>
+            <a:off x="6502055" y="645892"/>
+            <a:ext cx="1586962" cy="3526581"/>
+          </a:xfrm>
+          <a:prstGeom prst="rect">
+            <a:avLst/>
+          </a:prstGeom>
+        </p:spPr>
+      </p:pic>
+    </p:spTree>
+    <p:extLst>
+      <p:ext uri="{BB962C8B-B14F-4D97-AF65-F5344CB8AC3E}">
+        <p14:creationId xmlns:p14="http://schemas.microsoft.com/office/powerpoint/2010/main" val="792272502"/>
+      </p:ext>
+    </p:extLst>
+  </p:cSld>
+  <p:clrMapOvr>
+    <a:masterClrMapping/>
+  </p:clrMapOvr>
+  <mc:AlternateContent xmlns:mc="http://schemas.openxmlformats.org/markup-compatibility/2006" xmlns:p14="http://schemas.microsoft.com/office/powerpoint/2010/main">
+    <mc:Choice Requires="p14">
+      <p:transition spd="slow" p14:dur="1500" advTm="7000">
+        <p:random/>
+      </p:transition>
+    </mc:Choice>
+    <mc:Fallback xmlns="">
+      <p:transition spd="slow" advTm="7000">
+        <p:random/>
+      </p:transition>
+    </mc:Fallback>
+  </mc:AlternateContent>
+  <p:timing>
+    <p:tnLst>
+      <p:par>
+        <p:cTn id="1" dur="indefinite" restart="never" nodeType="tmRoot">
+          <p:childTnLst>
+            <p:seq concurrent="1" nextAc="seek">
+              <p:cTn id="2" dur="indefinite" nodeType="mainSeq">
+                <p:childTnLst>
+                  <p:par>
+                    <p:cTn id="3" fill="hold">
+                      <p:stCondLst>
+                        <p:cond delay="indefinite"/>
+                        <p:cond evt="onBegin" delay="0">
+                          <p:tn val="2"/>
+                        </p:cond>
+                      </p:stCondLst>
+                      <p:childTnLst>
+                        <p:par>
+                          <p:cTn id="4" fill="hold">
+                            <p:stCondLst>
+                              <p:cond delay="0"/>
+                            </p:stCondLst>
+                            <p:childTnLst>
+                              <p:par>
+                                <p:cTn id="5" presetID="16" presetClass="entr" presetSubtype="21" fill="hold" grpId="0" nodeType="afterEffect">
+                                  <p:stCondLst>
+                                    <p:cond delay="0"/>
+                                  </p:stCondLst>
+                                  <p:childTnLst>
+                                    <p:set>
+                                      <p:cBhvr>
+                                        <p:cTn id="6" dur="1" fill="hold">
+                                          <p:stCondLst>
+                                            <p:cond delay="0"/>
+                                          </p:stCondLst>
+                                        </p:cTn>
+                                        <p:tgtEl>
+                                          <p:spTgt spid="14"/>
+                                        </p:tgtEl>
+                                        <p:attrNameLst>
+                                          <p:attrName>style.visibility</p:attrName>
+                                        </p:attrNameLst>
+                                      </p:cBhvr>
+                                      <p:to>
+                                        <p:strVal val="visible"/>
+                                      </p:to>
+                                    </p:set>
+                                    <p:animEffect transition="in" filter="barn(inVertical)">
+                                      <p:cBhvr>
+                                        <p:cTn id="7" dur="500"/>
+                                        <p:tgtEl>
+                                          <p:spTgt spid="14"/>
+                                        </p:tgtEl>
+                                      </p:cBhvr>
+                                    </p:animEffect>
+                                  </p:childTnLst>
+                                </p:cTn>
+                              </p:par>
+                              <p:par>
+                                <p:cTn id="8" presetID="16" presetClass="entr" presetSubtype="21" fill="hold" grpId="0" nodeType="withEffect" nodePh="1">
+                                  <p:stCondLst>
+                                    <p:cond delay="0"/>
+                                  </p:stCondLst>
+                                  <p:endCondLst>
+                                    <p:cond evt="begin" delay="0">
+                                      <p:tn val="8"/>
+                                    </p:cond>
+                                  </p:endCondLst>
+                                  <p:childTnLst>
+                                    <p:set>
+                                      <p:cBhvr>
+                                        <p:cTn id="9" dur="1" fill="hold">
+                                          <p:stCondLst>
+                                            <p:cond delay="0"/>
+                                          </p:stCondLst>
+                                        </p:cTn>
+                                        <p:tgtEl>
+                                          <p:spTgt spid="13"/>
+                                        </p:tgtEl>
+                                        <p:attrNameLst>
+                                          <p:attrName>style.visibility</p:attrName>
+                                        </p:attrNameLst>
+                                      </p:cBhvr>
+                                      <p:to>
+                                        <p:strVal val="visible"/>
+                                      </p:to>
+                                    </p:set>
+                                    <p:animEffect transition="in" filter="barn(inVertical)">
+                                      <p:cBhvr>
+                                        <p:cTn id="10" dur="500"/>
+                                        <p:tgtEl>
+                                          <p:spTgt spid="13"/>
+                                        </p:tgtEl>
+                                      </p:cBhvr>
+                                    </p:animEffect>
+                                  </p:childTnLst>
+                                </p:cTn>
+                              </p:par>
+                            </p:childTnLst>
+                          </p:cTn>
+                        </p:par>
+                        <p:par>
+                          <p:cTn id="11" fill="hold">
+                            <p:stCondLst>
+                              <p:cond delay="500"/>
+                            </p:stCondLst>
+                            <p:childTnLst>
+                              <p:par>
+                                <p:cTn id="12" presetID="42" presetClass="entr" presetSubtype="0" fill="hold" grpId="0" nodeType="afterEffect" nodePh="1">
+                                  <p:stCondLst>
+                                    <p:cond delay="0"/>
+                                  </p:stCondLst>
+                                  <p:endCondLst>
+                                    <p:cond evt="begin" delay="0">
+                                      <p:tn val="12"/>
+                                    </p:cond>
+                                  </p:endCondLst>
+                                  <p:childTnLst>
+                                    <p:set>
+                                      <p:cBhvr>
+                                        <p:cTn id="13" dur="1" fill="hold">
+                                          <p:stCondLst>
+                                            <p:cond delay="0"/>
+                                          </p:stCondLst>
+                                        </p:cTn>
+                                        <p:tgtEl>
+                                          <p:spTgt spid="27"/>
+                                        </p:tgtEl>
+                                        <p:attrNameLst>
+                                          <p:attrName>style.visibility</p:attrName>
+                                        </p:attrNameLst>
+                                      </p:cBhvr>
+                                      <p:to>
+                                        <p:strVal val="visible"/>
+                                      </p:to>
+                                    </p:set>
+                                    <p:animEffect transition="in" filter="fade">
+                                      <p:cBhvr>
+                                        <p:cTn id="14" dur="1000"/>
+                                        <p:tgtEl>
+                                          <p:spTgt spid="27"/>
+                                        </p:tgtEl>
+                                      </p:cBhvr>
+                                    </p:animEffect>
+                                    <p:anim calcmode="lin" valueType="num">
+                                      <p:cBhvr>
+                                        <p:cTn id="15" dur="1000" fill="hold"/>
+                                        <p:tgtEl>
+                                          <p:spTgt spid="27"/>
+                                        </p:tgtEl>
+                                        <p:attrNameLst>
+                                          <p:attrName>ppt_x</p:attrName>
+                                        </p:attrNameLst>
+                                      </p:cBhvr>
+                                      <p:tavLst>
+                                        <p:tav tm="0">
+                                          <p:val>
+                                            <p:strVal val="#ppt_x"/>
+                                          </p:val>
+                                        </p:tav>
+                                        <p:tav tm="100000">
+                                          <p:val>
+                                            <p:strVal val="#ppt_x"/>
+                                          </p:val>
+                                        </p:tav>
+                                      </p:tavLst>
+                                    </p:anim>
+                                    <p:anim calcmode="lin" valueType="num">
+                                      <p:cBhvr>
+                                        <p:cTn id="16" dur="1000" fill="hold"/>
+                                        <p:tgtEl>
+                                          <p:spTgt spid="27"/>
+                                        </p:tgtEl>
+                                        <p:attrNameLst>
+                                          <p:attrName>ppt_y</p:attrName>
+                                        </p:attrNameLst>
+                                      </p:cBhvr>
+                                      <p:tavLst>
+                                        <p:tav tm="0">
+                                          <p:val>
+                                            <p:strVal val="#ppt_y+.1"/>
+                                          </p:val>
+                                        </p:tav>
+                                        <p:tav tm="100000">
+                                          <p:val>
+                                            <p:strVal val="#ppt_y"/>
+                                          </p:val>
+                                        </p:tav>
+                                      </p:tavLst>
+                                    </p:anim>
+                                  </p:childTnLst>
+                                </p:cTn>
+                              </p:par>
+                            </p:childTnLst>
+                          </p:cTn>
+                        </p:par>
+                      </p:childTnLst>
+                    </p:cTn>
+                  </p:par>
+                </p:childTnLst>
+              </p:cTn>
+              <p:prevCondLst>
+                <p:cond evt="onPrev" delay="0">
+                  <p:tgtEl>
+                    <p:sldTgt/>
+                  </p:tgtEl>
+                </p:cond>
+              </p:prevCondLst>
+              <p:nextCondLst>
+                <p:cond evt="onNext" delay="0">
+                  <p:tgtEl>
+                    <p:sldTgt/>
+                  </p:tgtEl>
+                </p:cond>
+              </p:nextCondLst>
+            </p:seq>
+          </p:childTnLst>
+        </p:cTn>
+      </p:par>
+    </p:tnLst>
+    <p:bldLst>
+      <p:bldP spid="13" grpId="0"/>
+      <p:bldP spid="14" grpId="0"/>
+      <p:bldP spid="27" grpId="0"/>
+    </p:bldLst>
+  </p:timing>
+</p:sld>
+</file>
+
+<file path=ppt/slides/slide18.xml><?xml version="1.0" encoding="utf-8"?>
+<p:sld xmlns:a="http://schemas.openxmlformats.org/drawingml/2006/main" xmlns:r="http://schemas.openxmlformats.org/officeDocument/2006/relationships" xmlns:p="http://schemas.openxmlformats.org/presentationml/2006/main">
+  <p:cSld>
+    <p:spTree>
+      <p:nvGrpSpPr>
+        <p:cNvPr id="1" name=""/>
+        <p:cNvGrpSpPr/>
+        <p:nvPr/>
+      </p:nvGrpSpPr>
+      <p:grpSpPr>
+        <a:xfrm>
+          <a:off x="0" y="0"/>
+          <a:ext cx="0" cy="0"/>
+          <a:chOff x="0" y="0"/>
+          <a:chExt cx="0" cy="0"/>
+        </a:xfrm>
+      </p:grpSpPr>
+      <p:sp>
+        <p:nvSpPr>
+          <p:cNvPr id="13" name="Title 1"/>
+          <p:cNvSpPr txBox="1">
+            <a:spLocks/>
+          </p:cNvSpPr>
+          <p:nvPr/>
+        </p:nvSpPr>
+        <p:spPr>
+          <a:xfrm>
+            <a:off x="2400624" y="1769723"/>
+            <a:ext cx="5109935" cy="363558"/>
+          </a:xfrm>
+          <a:prstGeom prst="rect">
+            <a:avLst/>
+          </a:prstGeom>
+        </p:spPr>
+        <p:txBody>
+          <a:bodyPr vert="horz" lIns="91440" tIns="45720" rIns="91440" bIns="45720" rtlCol="0" anchor="ctr">
+            <a:normAutofit/>
+          </a:bodyPr>
+          <a:lstStyle>
+            <a:lvl1pPr algn="l" defTabSz="914400" rtl="0" eaLnBrk="1" latinLnBrk="0" hangingPunct="1">
+              <a:spcBef>
+                <a:spcPct val="0"/>
+              </a:spcBef>
+              <a:buNone/>
+              <a:defRPr sz="3200" b="0" kern="1200">
+                <a:solidFill>
+                  <a:schemeClr val="tx1">
+                    <a:lumMod val="65000"/>
+                    <a:lumOff val="35000"/>
+                  </a:schemeClr>
+                </a:solidFill>
+                <a:latin typeface="Source Sans Pro Light" pitchFamily="34" charset="0"/>
+                <a:ea typeface="+mj-ea"/>
+                <a:cs typeface="+mj-cs"/>
+              </a:defRPr>
+            </a:lvl1pPr>
+          </a:lstStyle>
+          <a:p>
+            <a:endParaRPr lang="en-US" sz="1400" dirty="0">
+              <a:solidFill>
+                <a:srgbClr val="314865"/>
+              </a:solidFill>
+              <a:latin typeface="+mn-lt"/>
+            </a:endParaRPr>
+          </a:p>
+        </p:txBody>
+      </p:sp>
+      <p:sp>
+        <p:nvSpPr>
+          <p:cNvPr id="14" name="Title 13"/>
+          <p:cNvSpPr>
+            <a:spLocks noGrp="1"/>
+          </p:cNvSpPr>
+          <p:nvPr>
+            <p:ph type="title" idx="4294967295"/>
+          </p:nvPr>
+        </p:nvSpPr>
+        <p:spPr>
+          <a:xfrm>
+            <a:off x="4955591" y="56500"/>
+            <a:ext cx="6266852" cy="535346"/>
+          </a:xfrm>
+        </p:spPr>
+        <p:txBody>
+          <a:bodyPr>
+            <a:normAutofit/>
+          </a:bodyPr>
+          <a:lstStyle/>
+          <a:p>
+            <a:r>
+              <a:rPr lang="zh-CN" altLang="en-US" sz="1400" b="1" dirty="0">
+                <a:solidFill>
+                  <a:srgbClr val="314865"/>
+                </a:solidFill>
+              </a:rPr>
+              <a:t>账单</a:t>
+            </a:r>
+            <a:r>
+              <a:rPr lang="en-US" altLang="zh-CN" sz="1400" b="1" dirty="0">
+                <a:solidFill>
+                  <a:srgbClr val="314865"/>
+                </a:solidFill>
+              </a:rPr>
+              <a:t>UI</a:t>
+            </a:r>
+            <a:endParaRPr lang="en-US" sz="1400" b="1" dirty="0">
+              <a:solidFill>
+                <a:srgbClr val="314865"/>
+              </a:solidFill>
+            </a:endParaRPr>
+          </a:p>
+        </p:txBody>
+      </p:sp>
+      <p:sp>
+        <p:nvSpPr>
+          <p:cNvPr id="27" name="TextBox 26"/>
+          <p:cNvSpPr txBox="1"/>
+          <p:nvPr/>
+        </p:nvSpPr>
+        <p:spPr>
+          <a:xfrm>
+            <a:off x="2400624" y="2232208"/>
+            <a:ext cx="4599044" cy="684286"/>
+          </a:xfrm>
+          <a:prstGeom prst="rect">
+            <a:avLst/>
+          </a:prstGeom>
+          <a:noFill/>
+        </p:spPr>
+        <p:txBody>
+          <a:bodyPr wrap="square" rIns="144000" bIns="36000" numCol="1" spcCol="360000" rtlCol="0">
+            <a:spAutoFit/>
+          </a:bodyPr>
+          <a:lstStyle/>
+          <a:p>
+            <a:pPr>
+              <a:lnSpc>
+                <a:spcPct val="150000"/>
+              </a:lnSpc>
+            </a:pPr>
+            <a:endParaRPr lang="zh-CN" altLang="en-US" sz="900" dirty="0">
+              <a:solidFill>
+                <a:srgbClr val="314865"/>
+              </a:solidFill>
+              <a:latin typeface="Calibri"/>
+              <a:ea typeface="微软雅黑" pitchFamily="34" charset="-122"/>
+            </a:endParaRPr>
+          </a:p>
+          <a:p>
+            <a:pPr>
+              <a:lnSpc>
+                <a:spcPct val="150000"/>
+              </a:lnSpc>
+            </a:pPr>
+            <a:endParaRPr lang="zh-CN" altLang="en-US" sz="900" dirty="0">
+              <a:solidFill>
+                <a:srgbClr val="314865"/>
+              </a:solidFill>
+              <a:latin typeface="Calibri"/>
+              <a:ea typeface="微软雅黑" pitchFamily="34" charset="-122"/>
+            </a:endParaRPr>
+          </a:p>
+          <a:p>
+            <a:pPr>
+              <a:lnSpc>
+                <a:spcPct val="150000"/>
+              </a:lnSpc>
+            </a:pPr>
+            <a:endParaRPr lang="zh-CN" altLang="en-US" sz="900" dirty="0">
+              <a:solidFill>
+                <a:srgbClr val="314865"/>
+              </a:solidFill>
+              <a:latin typeface="Calibri"/>
+              <a:ea typeface="微软雅黑" pitchFamily="34" charset="-122"/>
+            </a:endParaRPr>
+          </a:p>
+        </p:txBody>
+      </p:sp>
+      <p:sp>
+        <p:nvSpPr>
+          <p:cNvPr id="2" name="矩形 1">
+            <a:extLst>
+              <a:ext uri="{FF2B5EF4-FFF2-40B4-BE49-F238E27FC236}">
+                <a16:creationId xmlns:a16="http://schemas.microsoft.com/office/drawing/2014/main" id="{1728D070-7D29-FF09-4F56-758318AEC319}"/>
+              </a:ext>
+            </a:extLst>
+          </p:cNvPr>
+          <p:cNvSpPr/>
+          <p:nvPr/>
+        </p:nvSpPr>
+        <p:spPr>
+          <a:xfrm>
+            <a:off x="7045960" y="4878659"/>
+            <a:ext cx="1076960" cy="264841"/>
+          </a:xfrm>
+          <a:prstGeom prst="rect">
+            <a:avLst/>
+          </a:prstGeom>
+          <a:solidFill>
+            <a:srgbClr val="314865"/>
+          </a:solidFill>
+          <a:ln>
+            <a:solidFill>
+              <a:srgbClr val="314865"/>
+            </a:solidFill>
+          </a:ln>
+        </p:spPr>
+        <p:style>
+          <a:lnRef idx="2">
+            <a:schemeClr val="accent1">
+              <a:shade val="50000"/>
+            </a:schemeClr>
+          </a:lnRef>
+          <a:fillRef idx="1">
+            <a:schemeClr val="accent1"/>
+          </a:fillRef>
+          <a:effectRef idx="0">
+            <a:schemeClr val="accent1"/>
+          </a:effectRef>
+          <a:fontRef idx="minor">
+            <a:schemeClr val="lt1"/>
+          </a:fontRef>
+        </p:style>
+        <p:txBody>
+          <a:bodyPr rtlCol="0" anchor="ctr"/>
+          <a:lstStyle/>
+          <a:p>
+            <a:pPr algn="ctr"/>
+            <a:endParaRPr lang="zh-CN" altLang="en-US"/>
+          </a:p>
+        </p:txBody>
+      </p:sp>
+      <p:sp>
+        <p:nvSpPr>
+          <p:cNvPr id="3" name="矩形 2">
+            <a:extLst>
+              <a:ext uri="{FF2B5EF4-FFF2-40B4-BE49-F238E27FC236}">
+                <a16:creationId xmlns:a16="http://schemas.microsoft.com/office/drawing/2014/main" id="{6087D5C8-2721-67BA-B803-B3AB24459652}"/>
+              </a:ext>
+            </a:extLst>
+          </p:cNvPr>
+          <p:cNvSpPr/>
+          <p:nvPr/>
+        </p:nvSpPr>
+        <p:spPr>
+          <a:xfrm>
+            <a:off x="0" y="939800"/>
+            <a:ext cx="1259840" cy="3764280"/>
+          </a:xfrm>
+          <a:prstGeom prst="rect">
+            <a:avLst/>
+          </a:prstGeom>
+          <a:solidFill>
+            <a:srgbClr val="F2F2F2"/>
+          </a:solidFill>
+          <a:ln>
+            <a:solidFill>
+              <a:srgbClr val="F2F2F2"/>
+            </a:solidFill>
+          </a:ln>
+        </p:spPr>
+        <p:style>
+          <a:lnRef idx="2">
+            <a:schemeClr val="accent1">
+              <a:shade val="50000"/>
+            </a:schemeClr>
+          </a:lnRef>
+          <a:fillRef idx="1">
+            <a:schemeClr val="accent1"/>
+          </a:fillRef>
+          <a:effectRef idx="0">
+            <a:schemeClr val="accent1"/>
+          </a:effectRef>
+          <a:fontRef idx="minor">
+            <a:schemeClr val="lt1"/>
+          </a:fontRef>
+        </p:style>
+        <p:txBody>
+          <a:bodyPr rtlCol="0" anchor="ctr"/>
+          <a:lstStyle/>
+          <a:p>
+            <a:pPr algn="ctr"/>
+            <a:endParaRPr lang="zh-CN" altLang="en-US"/>
+          </a:p>
+        </p:txBody>
+      </p:sp>
+      <p:grpSp>
+        <p:nvGrpSpPr>
+          <p:cNvPr id="10" name="组合 9">
+            <a:extLst>
+              <a:ext uri="{FF2B5EF4-FFF2-40B4-BE49-F238E27FC236}">
+                <a16:creationId xmlns:a16="http://schemas.microsoft.com/office/drawing/2014/main" id="{E8D9E54F-E2AD-DC47-D14C-DB6A03624D4F}"/>
+              </a:ext>
+            </a:extLst>
+          </p:cNvPr>
+          <p:cNvGrpSpPr/>
+          <p:nvPr/>
+        </p:nvGrpSpPr>
+        <p:grpSpPr>
+          <a:xfrm>
+            <a:off x="0" y="1153075"/>
+            <a:ext cx="1259840" cy="2702560"/>
+            <a:chOff x="0" y="971734"/>
+            <a:chExt cx="1259840" cy="2702560"/>
+          </a:xfrm>
+        </p:grpSpPr>
+        <p:sp>
+          <p:nvSpPr>
+            <p:cNvPr id="4" name="矩形 3">
+              <a:extLst>
+                <a:ext uri="{FF2B5EF4-FFF2-40B4-BE49-F238E27FC236}">
+                  <a16:creationId xmlns:a16="http://schemas.microsoft.com/office/drawing/2014/main" id="{AC0880AC-C063-E818-1AEC-AAD1C024029C}"/>
+                </a:ext>
+              </a:extLst>
+            </p:cNvPr>
+            <p:cNvSpPr/>
+            <p:nvPr/>
+          </p:nvSpPr>
+          <p:spPr>
+            <a:xfrm>
+              <a:off x="0" y="971734"/>
+              <a:ext cx="1259840" cy="675640"/>
+            </a:xfrm>
+            <a:prstGeom prst="rect">
+              <a:avLst/>
+            </a:prstGeom>
+            <a:solidFill>
+              <a:srgbClr val="314865"/>
+            </a:solidFill>
+            <a:ln>
+              <a:solidFill>
+                <a:schemeClr val="bg1">
+                  <a:lumMod val="75000"/>
+                </a:schemeClr>
+              </a:solidFill>
+            </a:ln>
+          </p:spPr>
+          <p:style>
+            <a:lnRef idx="2">
+              <a:schemeClr val="accent1">
+                <a:shade val="50000"/>
+              </a:schemeClr>
+            </a:lnRef>
+            <a:fillRef idx="1">
+              <a:schemeClr val="accent1"/>
+            </a:fillRef>
+            <a:effectRef idx="0">
+              <a:schemeClr val="accent1"/>
+            </a:effectRef>
+            <a:fontRef idx="minor">
+              <a:schemeClr val="lt1"/>
+            </a:fontRef>
+          </p:style>
+          <p:txBody>
+            <a:bodyPr rtlCol="0" anchor="ctr"/>
+            <a:lstStyle/>
+            <a:p>
+              <a:pPr algn="ctr"/>
+              <a:endParaRPr lang="zh-CN" altLang="en-US"/>
+            </a:p>
+          </p:txBody>
+        </p:sp>
+        <p:sp>
+          <p:nvSpPr>
+            <p:cNvPr id="6" name="矩形 5">
+              <a:extLst>
+                <a:ext uri="{FF2B5EF4-FFF2-40B4-BE49-F238E27FC236}">
+                  <a16:creationId xmlns:a16="http://schemas.microsoft.com/office/drawing/2014/main" id="{ACE82DFB-D3F1-E8C0-402D-29C427FFDD42}"/>
+                </a:ext>
+              </a:extLst>
+            </p:cNvPr>
+            <p:cNvSpPr/>
+            <p:nvPr/>
+          </p:nvSpPr>
+          <p:spPr>
+            <a:xfrm>
+              <a:off x="0" y="1647374"/>
+              <a:ext cx="1259840" cy="675640"/>
+            </a:xfrm>
+            <a:prstGeom prst="rect">
+              <a:avLst/>
+            </a:prstGeom>
+            <a:solidFill>
+              <a:srgbClr val="F2F2F2"/>
+            </a:solidFill>
+            <a:ln>
+              <a:solidFill>
+                <a:schemeClr val="bg1">
+                  <a:lumMod val="75000"/>
+                </a:schemeClr>
+              </a:solidFill>
+            </a:ln>
+          </p:spPr>
+          <p:style>
+            <a:lnRef idx="2">
+              <a:schemeClr val="accent1">
+                <a:shade val="50000"/>
+              </a:schemeClr>
+            </a:lnRef>
+            <a:fillRef idx="1">
+              <a:schemeClr val="accent1"/>
+            </a:fillRef>
+            <a:effectRef idx="0">
+              <a:schemeClr val="accent1"/>
+            </a:effectRef>
+            <a:fontRef idx="minor">
+              <a:schemeClr val="lt1"/>
+            </a:fontRef>
+          </p:style>
+          <p:txBody>
+            <a:bodyPr rtlCol="0" anchor="ctr"/>
+            <a:lstStyle/>
+            <a:p>
+              <a:pPr algn="ctr"/>
+              <a:endParaRPr lang="zh-CN" altLang="en-US"/>
+            </a:p>
+          </p:txBody>
+        </p:sp>
+        <p:sp>
+          <p:nvSpPr>
+            <p:cNvPr id="7" name="矩形 6">
+              <a:extLst>
+                <a:ext uri="{FF2B5EF4-FFF2-40B4-BE49-F238E27FC236}">
+                  <a16:creationId xmlns:a16="http://schemas.microsoft.com/office/drawing/2014/main" id="{B1FBDDF5-2816-9882-80FF-3F44087A1AA3}"/>
+                </a:ext>
+              </a:extLst>
+            </p:cNvPr>
+            <p:cNvSpPr/>
+            <p:nvPr/>
+          </p:nvSpPr>
+          <p:spPr>
+            <a:xfrm>
+              <a:off x="0" y="2323014"/>
+              <a:ext cx="1259840" cy="675640"/>
+            </a:xfrm>
+            <a:prstGeom prst="rect">
+              <a:avLst/>
+            </a:prstGeom>
+            <a:solidFill>
+              <a:srgbClr val="F2F2F2"/>
+            </a:solidFill>
+            <a:ln>
+              <a:solidFill>
+                <a:srgbClr val="BFBFBF"/>
+              </a:solidFill>
+            </a:ln>
+          </p:spPr>
+          <p:style>
+            <a:lnRef idx="2">
+              <a:schemeClr val="accent1">
+                <a:shade val="50000"/>
+              </a:schemeClr>
+            </a:lnRef>
+            <a:fillRef idx="1">
+              <a:schemeClr val="accent1"/>
+            </a:fillRef>
+            <a:effectRef idx="0">
+              <a:schemeClr val="accent1"/>
+            </a:effectRef>
+            <a:fontRef idx="minor">
+              <a:schemeClr val="lt1"/>
+            </a:fontRef>
+          </p:style>
+          <p:txBody>
+            <a:bodyPr rtlCol="0" anchor="ctr"/>
+            <a:lstStyle/>
+            <a:p>
+              <a:pPr algn="ctr"/>
+              <a:endParaRPr lang="zh-CN" altLang="en-US"/>
+            </a:p>
+          </p:txBody>
+        </p:sp>
+        <p:sp>
+          <p:nvSpPr>
+            <p:cNvPr id="8" name="矩形 7">
+              <a:extLst>
+                <a:ext uri="{FF2B5EF4-FFF2-40B4-BE49-F238E27FC236}">
+                  <a16:creationId xmlns:a16="http://schemas.microsoft.com/office/drawing/2014/main" id="{43AFEEB5-1338-540D-6244-5B21290CC6AC}"/>
+                </a:ext>
+              </a:extLst>
+            </p:cNvPr>
+            <p:cNvSpPr/>
+            <p:nvPr/>
+          </p:nvSpPr>
+          <p:spPr>
+            <a:xfrm>
+              <a:off x="0" y="2998654"/>
+              <a:ext cx="1259840" cy="675640"/>
+            </a:xfrm>
+            <a:prstGeom prst="rect">
+              <a:avLst/>
+            </a:prstGeom>
+            <a:solidFill>
+              <a:srgbClr val="F2F2F2"/>
+            </a:solidFill>
+            <a:ln>
+              <a:solidFill>
+                <a:srgbClr val="BFBFBF"/>
+              </a:solidFill>
+            </a:ln>
+          </p:spPr>
+          <p:style>
+            <a:lnRef idx="2">
+              <a:schemeClr val="accent1">
+                <a:shade val="50000"/>
+              </a:schemeClr>
+            </a:lnRef>
+            <a:fillRef idx="1">
+              <a:schemeClr val="accent1"/>
+            </a:fillRef>
+            <a:effectRef idx="0">
+              <a:schemeClr val="accent1"/>
+            </a:effectRef>
+            <a:fontRef idx="minor">
+              <a:schemeClr val="lt1"/>
+            </a:fontRef>
+          </p:style>
+          <p:txBody>
+            <a:bodyPr rtlCol="0" anchor="ctr"/>
+            <a:lstStyle/>
+            <a:p>
+              <a:pPr algn="ctr"/>
+              <a:endParaRPr lang="zh-CN" altLang="en-US"/>
+            </a:p>
+          </p:txBody>
+        </p:sp>
+      </p:grpSp>
+      <p:sp>
+        <p:nvSpPr>
+          <p:cNvPr id="5" name="文本框 4">
+            <a:extLst>
+              <a:ext uri="{FF2B5EF4-FFF2-40B4-BE49-F238E27FC236}">
+                <a16:creationId xmlns:a16="http://schemas.microsoft.com/office/drawing/2014/main" id="{E915845C-398F-8380-1909-A7960D3B96F0}"/>
+              </a:ext>
+            </a:extLst>
+          </p:cNvPr>
+          <p:cNvSpPr txBox="1"/>
+          <p:nvPr/>
+        </p:nvSpPr>
+        <p:spPr>
+          <a:xfrm>
+            <a:off x="91440" y="1254760"/>
+            <a:ext cx="1132840" cy="338554"/>
+          </a:xfrm>
+          <a:prstGeom prst="rect">
+            <a:avLst/>
+          </a:prstGeom>
+          <a:noFill/>
+        </p:spPr>
+        <p:txBody>
+          <a:bodyPr wrap="square" rtlCol="0">
+            <a:spAutoFit/>
+          </a:bodyPr>
+          <a:lstStyle/>
+          <a:p>
+            <a:r>
+              <a:rPr lang="zh-CN" altLang="en-US" sz="1600" b="1" dirty="0">
+                <a:solidFill>
+                  <a:schemeClr val="bg1"/>
+                </a:solidFill>
+              </a:rPr>
+              <a:t>问题分析</a:t>
+            </a:r>
+          </a:p>
+        </p:txBody>
+      </p:sp>
+      <p:sp>
+        <p:nvSpPr>
+          <p:cNvPr id="31" name="矩形 30">
+            <a:extLst>
+              <a:ext uri="{FF2B5EF4-FFF2-40B4-BE49-F238E27FC236}">
+                <a16:creationId xmlns:a16="http://schemas.microsoft.com/office/drawing/2014/main" id="{C911A549-94A1-CD88-CFEA-DA7593C1939C}"/>
+              </a:ext>
+            </a:extLst>
+          </p:cNvPr>
+          <p:cNvSpPr/>
+          <p:nvPr/>
+        </p:nvSpPr>
+        <p:spPr>
+          <a:xfrm>
+            <a:off x="8823960" y="4878659"/>
+            <a:ext cx="279400" cy="201341"/>
+          </a:xfrm>
+          <a:prstGeom prst="rect">
+            <a:avLst/>
+          </a:prstGeom>
+          <a:solidFill>
+            <a:srgbClr val="152F47"/>
+          </a:solidFill>
+          <a:ln>
+            <a:solidFill>
+              <a:srgbClr val="152F47"/>
+            </a:solidFill>
+          </a:ln>
+        </p:spPr>
+        <p:style>
+          <a:lnRef idx="2">
+            <a:schemeClr val="accent1">
+              <a:shade val="50000"/>
+            </a:schemeClr>
+          </a:lnRef>
+          <a:fillRef idx="1">
+            <a:schemeClr val="accent1"/>
+          </a:fillRef>
+          <a:effectRef idx="0">
+            <a:schemeClr val="accent1"/>
+          </a:effectRef>
+          <a:fontRef idx="minor">
+            <a:schemeClr val="lt1"/>
+          </a:fontRef>
+        </p:style>
+        <p:txBody>
+          <a:bodyPr rtlCol="0" anchor="ctr"/>
+          <a:lstStyle/>
+          <a:p>
+            <a:pPr algn="ctr"/>
+            <a:endParaRPr lang="zh-CN" altLang="en-US"/>
+          </a:p>
+        </p:txBody>
+      </p:sp>
+      <p:pic>
+        <p:nvPicPr>
+          <p:cNvPr id="16" name="图片 15">
+            <a:extLst>
+              <a:ext uri="{FF2B5EF4-FFF2-40B4-BE49-F238E27FC236}">
+                <a16:creationId xmlns:a16="http://schemas.microsoft.com/office/drawing/2014/main" id="{11B56519-CE40-400B-9DAF-7161AA7D2843}"/>
+              </a:ext>
+            </a:extLst>
+          </p:cNvPr>
+          <p:cNvPicPr>
+            <a:picLocks noChangeAspect="1"/>
+          </p:cNvPicPr>
+          <p:nvPr/>
+        </p:nvPicPr>
+        <p:blipFill>
+          <a:blip r:embed="rId3">
+            <a:extLst>
+              <a:ext uri="{28A0092B-C50C-407E-A947-70E740481C1C}">
+                <a14:useLocalDpi xmlns:a14="http://schemas.microsoft.com/office/drawing/2010/main" val="0"/>
+              </a:ext>
+            </a:extLst>
+          </a:blip>
+          <a:stretch>
+            <a:fillRect/>
+          </a:stretch>
+        </p:blipFill>
+        <p:spPr>
+          <a:xfrm>
+            <a:off x="1788289" y="828509"/>
+            <a:ext cx="3403924" cy="3779967"/>
+          </a:xfrm>
+          <a:prstGeom prst="rect">
+            <a:avLst/>
+          </a:prstGeom>
+        </p:spPr>
+      </p:pic>
+      <p:pic>
+        <p:nvPicPr>
+          <p:cNvPr id="18" name="图片 17">
+            <a:extLst>
+              <a:ext uri="{FF2B5EF4-FFF2-40B4-BE49-F238E27FC236}">
+                <a16:creationId xmlns:a16="http://schemas.microsoft.com/office/drawing/2014/main" id="{BCEC50C4-F7D9-4F1E-8524-5A0D79E72FDE}"/>
+              </a:ext>
+            </a:extLst>
+          </p:cNvPr>
+          <p:cNvPicPr>
+            <a:picLocks noChangeAspect="1"/>
+          </p:cNvPicPr>
+          <p:nvPr/>
+        </p:nvPicPr>
+        <p:blipFill>
+          <a:blip r:embed="rId4">
+            <a:extLst>
+              <a:ext uri="{28A0092B-C50C-407E-A947-70E740481C1C}">
+                <a14:useLocalDpi xmlns:a14="http://schemas.microsoft.com/office/drawing/2010/main" val="0"/>
+              </a:ext>
+            </a:extLst>
+          </a:blip>
+          <a:stretch>
+            <a:fillRect/>
+          </a:stretch>
+        </p:blipFill>
+        <p:spPr>
+          <a:xfrm>
+            <a:off x="6021027" y="914357"/>
+            <a:ext cx="1780310" cy="3314785"/>
+          </a:xfrm>
+          <a:prstGeom prst="rect">
+            <a:avLst/>
+          </a:prstGeom>
+        </p:spPr>
+      </p:pic>
+    </p:spTree>
+    <p:extLst>
+      <p:ext uri="{BB962C8B-B14F-4D97-AF65-F5344CB8AC3E}">
+        <p14:creationId xmlns:p14="http://schemas.microsoft.com/office/powerpoint/2010/main" val="1262372733"/>
+      </p:ext>
+    </p:extLst>
+  </p:cSld>
+  <p:clrMapOvr>
+    <a:masterClrMapping/>
+  </p:clrMapOvr>
+  <mc:AlternateContent xmlns:mc="http://schemas.openxmlformats.org/markup-compatibility/2006" xmlns:p14="http://schemas.microsoft.com/office/powerpoint/2010/main">
+    <mc:Choice Requires="p14">
+      <p:transition spd="slow" p14:dur="1500" advTm="7000">
+        <p:random/>
+      </p:transition>
+    </mc:Choice>
+    <mc:Fallback xmlns="">
+      <p:transition spd="slow" advTm="7000">
+        <p:random/>
+      </p:transition>
+    </mc:Fallback>
+  </mc:AlternateContent>
+  <p:timing>
+    <p:tnLst>
+      <p:par>
+        <p:cTn id="1" dur="indefinite" restart="never" nodeType="tmRoot">
+          <p:childTnLst>
+            <p:seq concurrent="1" nextAc="seek">
+              <p:cTn id="2" dur="indefinite" nodeType="mainSeq">
+                <p:childTnLst>
+                  <p:par>
+                    <p:cTn id="3" fill="hold">
+                      <p:stCondLst>
+                        <p:cond delay="indefinite"/>
+                        <p:cond evt="onBegin" delay="0">
+                          <p:tn val="2"/>
+                        </p:cond>
+                      </p:stCondLst>
+                      <p:childTnLst>
+                        <p:par>
+                          <p:cTn id="4" fill="hold">
+                            <p:stCondLst>
+                              <p:cond delay="0"/>
+                            </p:stCondLst>
+                            <p:childTnLst>
+                              <p:par>
+                                <p:cTn id="5" presetID="16" presetClass="entr" presetSubtype="21" fill="hold" grpId="0" nodeType="afterEffect">
+                                  <p:stCondLst>
+                                    <p:cond delay="0"/>
+                                  </p:stCondLst>
+                                  <p:childTnLst>
+                                    <p:set>
+                                      <p:cBhvr>
+                                        <p:cTn id="6" dur="1" fill="hold">
+                                          <p:stCondLst>
+                                            <p:cond delay="0"/>
+                                          </p:stCondLst>
+                                        </p:cTn>
+                                        <p:tgtEl>
+                                          <p:spTgt spid="14"/>
+                                        </p:tgtEl>
+                                        <p:attrNameLst>
+                                          <p:attrName>style.visibility</p:attrName>
+                                        </p:attrNameLst>
+                                      </p:cBhvr>
+                                      <p:to>
+                                        <p:strVal val="visible"/>
+                                      </p:to>
+                                    </p:set>
+                                    <p:animEffect transition="in" filter="barn(inVertical)">
+                                      <p:cBhvr>
+                                        <p:cTn id="7" dur="500"/>
+                                        <p:tgtEl>
+                                          <p:spTgt spid="14"/>
+                                        </p:tgtEl>
+                                      </p:cBhvr>
+                                    </p:animEffect>
+                                  </p:childTnLst>
+                                </p:cTn>
+                              </p:par>
+                              <p:par>
+                                <p:cTn id="8" presetID="16" presetClass="entr" presetSubtype="21" fill="hold" grpId="0" nodeType="withEffect" nodePh="1">
+                                  <p:stCondLst>
+                                    <p:cond delay="0"/>
+                                  </p:stCondLst>
+                                  <p:endCondLst>
+                                    <p:cond evt="begin" delay="0">
+                                      <p:tn val="8"/>
+                                    </p:cond>
+                                  </p:endCondLst>
+                                  <p:childTnLst>
+                                    <p:set>
+                                      <p:cBhvr>
+                                        <p:cTn id="9" dur="1" fill="hold">
+                                          <p:stCondLst>
+                                            <p:cond delay="0"/>
+                                          </p:stCondLst>
+                                        </p:cTn>
+                                        <p:tgtEl>
+                                          <p:spTgt spid="13"/>
+                                        </p:tgtEl>
+                                        <p:attrNameLst>
+                                          <p:attrName>style.visibility</p:attrName>
+                                        </p:attrNameLst>
+                                      </p:cBhvr>
+                                      <p:to>
+                                        <p:strVal val="visible"/>
+                                      </p:to>
+                                    </p:set>
+                                    <p:animEffect transition="in" filter="barn(inVertical)">
+                                      <p:cBhvr>
+                                        <p:cTn id="10" dur="500"/>
+                                        <p:tgtEl>
+                                          <p:spTgt spid="13"/>
+                                        </p:tgtEl>
+                                      </p:cBhvr>
+                                    </p:animEffect>
+                                  </p:childTnLst>
+                                </p:cTn>
+                              </p:par>
+                            </p:childTnLst>
+                          </p:cTn>
+                        </p:par>
+                        <p:par>
+                          <p:cTn id="11" fill="hold">
+                            <p:stCondLst>
+                              <p:cond delay="500"/>
+                            </p:stCondLst>
+                            <p:childTnLst>
+                              <p:par>
+                                <p:cTn id="12" presetID="42" presetClass="entr" presetSubtype="0" fill="hold" grpId="0" nodeType="afterEffect" nodePh="1">
+                                  <p:stCondLst>
+                                    <p:cond delay="0"/>
+                                  </p:stCondLst>
+                                  <p:endCondLst>
+                                    <p:cond evt="begin" delay="0">
+                                      <p:tn val="12"/>
+                                    </p:cond>
+                                  </p:endCondLst>
+                                  <p:childTnLst>
+                                    <p:set>
+                                      <p:cBhvr>
+                                        <p:cTn id="13" dur="1" fill="hold">
+                                          <p:stCondLst>
+                                            <p:cond delay="0"/>
+                                          </p:stCondLst>
+                                        </p:cTn>
+                                        <p:tgtEl>
+                                          <p:spTgt spid="27"/>
+                                        </p:tgtEl>
+                                        <p:attrNameLst>
+                                          <p:attrName>style.visibility</p:attrName>
+                                        </p:attrNameLst>
+                                      </p:cBhvr>
+                                      <p:to>
+                                        <p:strVal val="visible"/>
+                                      </p:to>
+                                    </p:set>
+                                    <p:animEffect transition="in" filter="fade">
+                                      <p:cBhvr>
+                                        <p:cTn id="14" dur="1000"/>
+                                        <p:tgtEl>
+                                          <p:spTgt spid="27"/>
+                                        </p:tgtEl>
+                                      </p:cBhvr>
+                                    </p:animEffect>
+                                    <p:anim calcmode="lin" valueType="num">
+                                      <p:cBhvr>
+                                        <p:cTn id="15" dur="1000" fill="hold"/>
+                                        <p:tgtEl>
+                                          <p:spTgt spid="27"/>
+                                        </p:tgtEl>
+                                        <p:attrNameLst>
+                                          <p:attrName>ppt_x</p:attrName>
+                                        </p:attrNameLst>
+                                      </p:cBhvr>
+                                      <p:tavLst>
+                                        <p:tav tm="0">
+                                          <p:val>
+                                            <p:strVal val="#ppt_x"/>
+                                          </p:val>
+                                        </p:tav>
+                                        <p:tav tm="100000">
+                                          <p:val>
+                                            <p:strVal val="#ppt_x"/>
+                                          </p:val>
+                                        </p:tav>
+                                      </p:tavLst>
+                                    </p:anim>
+                                    <p:anim calcmode="lin" valueType="num">
+                                      <p:cBhvr>
+                                        <p:cTn id="16" dur="1000" fill="hold"/>
+                                        <p:tgtEl>
+                                          <p:spTgt spid="27"/>
+                                        </p:tgtEl>
+                                        <p:attrNameLst>
+                                          <p:attrName>ppt_y</p:attrName>
+                                        </p:attrNameLst>
+                                      </p:cBhvr>
+                                      <p:tavLst>
+                                        <p:tav tm="0">
+                                          <p:val>
+                                            <p:strVal val="#ppt_y+.1"/>
+                                          </p:val>
+                                        </p:tav>
+                                        <p:tav tm="100000">
+                                          <p:val>
+                                            <p:strVal val="#ppt_y"/>
+                                          </p:val>
+                                        </p:tav>
+                                      </p:tavLst>
+                                    </p:anim>
+                                  </p:childTnLst>
+                                </p:cTn>
+                              </p:par>
+                            </p:childTnLst>
+                          </p:cTn>
+                        </p:par>
+                      </p:childTnLst>
+                    </p:cTn>
+                  </p:par>
+                </p:childTnLst>
+              </p:cTn>
+              <p:prevCondLst>
+                <p:cond evt="onPrev" delay="0">
+                  <p:tgtEl>
+                    <p:sldTgt/>
+                  </p:tgtEl>
+                </p:cond>
+              </p:prevCondLst>
+              <p:nextCondLst>
+                <p:cond evt="onNext" delay="0">
+                  <p:tgtEl>
+                    <p:sldTgt/>
+                  </p:tgtEl>
+                </p:cond>
+              </p:nextCondLst>
+            </p:seq>
+          </p:childTnLst>
+        </p:cTn>
+      </p:par>
+    </p:tnLst>
+    <p:bldLst>
+      <p:bldP spid="13" grpId="0"/>
+      <p:bldP spid="14" grpId="0"/>
+      <p:bldP spid="27" grpId="0"/>
+    </p:bldLst>
+  </p:timing>
+</p:sld>
+</file>
+
+<file path=ppt/slides/slide19.xml><?xml version="1.0" encoding="utf-8"?>
+<p:sld xmlns:a="http://schemas.openxmlformats.org/drawingml/2006/main" xmlns:r="http://schemas.openxmlformats.org/officeDocument/2006/relationships" xmlns:p="http://schemas.openxmlformats.org/presentationml/2006/main">
+  <p:cSld>
+    <p:spTree>
+      <p:nvGrpSpPr>
+        <p:cNvPr id="1" name=""/>
+        <p:cNvGrpSpPr/>
+        <p:nvPr/>
+      </p:nvGrpSpPr>
+      <p:grpSpPr>
+        <a:xfrm>
+          <a:off x="0" y="0"/>
+          <a:ext cx="0" cy="0"/>
+          <a:chOff x="0" y="0"/>
+          <a:chExt cx="0" cy="0"/>
+        </a:xfrm>
+      </p:grpSpPr>
+      <p:sp>
+        <p:nvSpPr>
           <p:cNvPr id="3" name="圆角矩形 258"/>
           <p:cNvSpPr>
             <a:spLocks noChangeArrowheads="1"/>
@@ -19268,7 +23284,2631 @@
 </p:sld>
 </file>
 
-<file path=ppt/slides/slide16.xml><?xml version="1.0" encoding="utf-8"?>
+<file path=ppt/slides/slide2.xml><?xml version="1.0" encoding="utf-8"?>
+<p:sld xmlns:a="http://schemas.openxmlformats.org/drawingml/2006/main" xmlns:r="http://schemas.openxmlformats.org/officeDocument/2006/relationships" xmlns:p="http://schemas.openxmlformats.org/presentationml/2006/main">
+  <p:cSld>
+    <p:spTree>
+      <p:nvGrpSpPr>
+        <p:cNvPr id="1" name=""/>
+        <p:cNvGrpSpPr/>
+        <p:nvPr/>
+      </p:nvGrpSpPr>
+      <p:grpSpPr>
+        <a:xfrm>
+          <a:off x="0" y="0"/>
+          <a:ext cx="0" cy="0"/>
+          <a:chOff x="0" y="0"/>
+          <a:chExt cx="0" cy="0"/>
+        </a:xfrm>
+      </p:grpSpPr>
+      <p:sp>
+        <p:nvSpPr>
+          <p:cNvPr id="20" name="Rectangle 12"/>
+          <p:cNvSpPr>
+            <a:spLocks noChangeArrowheads="1"/>
+          </p:cNvSpPr>
+          <p:nvPr/>
+        </p:nvSpPr>
+        <p:spPr bwMode="auto">
+          <a:xfrm>
+            <a:off x="8247686" y="1357880"/>
+            <a:ext cx="900230" cy="2094131"/>
+          </a:xfrm>
+          <a:prstGeom prst="rect">
+            <a:avLst/>
+          </a:prstGeom>
+          <a:solidFill>
+            <a:srgbClr val="314865"/>
+          </a:solidFill>
+          <a:ln>
+            <a:noFill/>
+          </a:ln>
+        </p:spPr>
+        <p:txBody>
+          <a:bodyPr vert="horz" wrap="square" lIns="81614" tIns="40807" rIns="81614" bIns="40807" numCol="1" anchor="t" anchorCtr="0" compatLnSpc="1">
+            <a:prstTxWarp prst="textNoShape">
+              <a:avLst/>
+            </a:prstTxWarp>
+          </a:bodyPr>
+          <a:lstStyle/>
+          <a:p>
+            <a:endParaRPr lang="zh-CN" altLang="en-US"/>
+          </a:p>
+        </p:txBody>
+      </p:sp>
+      <p:sp>
+        <p:nvSpPr>
+          <p:cNvPr id="21" name="Freeform 13"/>
+          <p:cNvSpPr>
+            <a:spLocks/>
+          </p:cNvSpPr>
+          <p:nvPr/>
+        </p:nvSpPr>
+        <p:spPr bwMode="auto">
+          <a:xfrm>
+            <a:off x="0" y="1357881"/>
+            <a:ext cx="1461752" cy="2094131"/>
+          </a:xfrm>
+          <a:custGeom>
+            <a:avLst/>
+            <a:gdLst>
+              <a:gd name="T0" fmla="*/ 2055 w 2055"/>
+              <a:gd name="T1" fmla="*/ 3548 h 3548"/>
+              <a:gd name="T2" fmla="*/ 0 w 2055"/>
+              <a:gd name="T3" fmla="*/ 3548 h 3548"/>
+              <a:gd name="T4" fmla="*/ 0 w 2055"/>
+              <a:gd name="T5" fmla="*/ 0 h 3548"/>
+              <a:gd name="T6" fmla="*/ 2055 w 2055"/>
+              <a:gd name="T7" fmla="*/ 0 h 3548"/>
+              <a:gd name="T8" fmla="*/ 959 w 2055"/>
+              <a:gd name="T9" fmla="*/ 1774 h 3548"/>
+              <a:gd name="T10" fmla="*/ 2055 w 2055"/>
+              <a:gd name="T11" fmla="*/ 3548 h 3548"/>
+            </a:gdLst>
+            <a:ahLst/>
+            <a:cxnLst>
+              <a:cxn ang="0">
+                <a:pos x="T0" y="T1"/>
+              </a:cxn>
+              <a:cxn ang="0">
+                <a:pos x="T2" y="T3"/>
+              </a:cxn>
+              <a:cxn ang="0">
+                <a:pos x="T4" y="T5"/>
+              </a:cxn>
+              <a:cxn ang="0">
+                <a:pos x="T6" y="T7"/>
+              </a:cxn>
+              <a:cxn ang="0">
+                <a:pos x="T8" y="T9"/>
+              </a:cxn>
+              <a:cxn ang="0">
+                <a:pos x="T10" y="T11"/>
+              </a:cxn>
+            </a:cxnLst>
+            <a:rect l="0" t="0" r="r" b="b"/>
+            <a:pathLst>
+              <a:path w="2055" h="3548">
+                <a:moveTo>
+                  <a:pt x="2055" y="3548"/>
+                </a:moveTo>
+                <a:lnTo>
+                  <a:pt x="0" y="3548"/>
+                </a:lnTo>
+                <a:lnTo>
+                  <a:pt x="0" y="0"/>
+                </a:lnTo>
+                <a:lnTo>
+                  <a:pt x="2055" y="0"/>
+                </a:lnTo>
+                <a:cubicBezTo>
+                  <a:pt x="1407" y="317"/>
+                  <a:pt x="959" y="992"/>
+                  <a:pt x="959" y="1774"/>
+                </a:cubicBezTo>
+                <a:cubicBezTo>
+                  <a:pt x="959" y="2555"/>
+                  <a:pt x="1407" y="3231"/>
+                  <a:pt x="2055" y="3548"/>
+                </a:cubicBezTo>
+                <a:close/>
+              </a:path>
+            </a:pathLst>
+          </a:custGeom>
+          <a:solidFill>
+            <a:srgbClr val="314865"/>
+          </a:solidFill>
+          <a:ln>
+            <a:noFill/>
+          </a:ln>
+        </p:spPr>
+        <p:txBody>
+          <a:bodyPr vert="horz" wrap="square" lIns="81614" tIns="40807" rIns="81614" bIns="40807" numCol="1" anchor="t" anchorCtr="0" compatLnSpc="1">
+            <a:prstTxWarp prst="textNoShape">
+              <a:avLst/>
+            </a:prstTxWarp>
+          </a:bodyPr>
+          <a:lstStyle/>
+          <a:p>
+            <a:endParaRPr lang="zh-CN" altLang="en-US"/>
+          </a:p>
+        </p:txBody>
+      </p:sp>
+      <p:sp>
+        <p:nvSpPr>
+          <p:cNvPr id="28" name="Freeform 19"/>
+          <p:cNvSpPr>
+            <a:spLocks/>
+          </p:cNvSpPr>
+          <p:nvPr/>
+        </p:nvSpPr>
+        <p:spPr bwMode="auto">
+          <a:xfrm>
+            <a:off x="2538945" y="-318655"/>
+            <a:ext cx="1029373" cy="5188527"/>
+          </a:xfrm>
+          <a:custGeom>
+            <a:avLst/>
+            <a:gdLst>
+              <a:gd name="T0" fmla="*/ 0 w 1703"/>
+              <a:gd name="T1" fmla="*/ 0 h 9079"/>
+              <a:gd name="T2" fmla="*/ 1703 w 1703"/>
+              <a:gd name="T3" fmla="*/ 4539 h 9079"/>
+              <a:gd name="T4" fmla="*/ 0 w 1703"/>
+              <a:gd name="T5" fmla="*/ 9079 h 9079"/>
+            </a:gdLst>
+            <a:ahLst/>
+            <a:cxnLst>
+              <a:cxn ang="0">
+                <a:pos x="T0" y="T1"/>
+              </a:cxn>
+              <a:cxn ang="0">
+                <a:pos x="T2" y="T3"/>
+              </a:cxn>
+              <a:cxn ang="0">
+                <a:pos x="T4" y="T5"/>
+              </a:cxn>
+            </a:cxnLst>
+            <a:rect l="0" t="0" r="r" b="b"/>
+            <a:pathLst>
+              <a:path w="1703" h="9079">
+                <a:moveTo>
+                  <a:pt x="0" y="0"/>
+                </a:moveTo>
+                <a:cubicBezTo>
+                  <a:pt x="1060" y="1213"/>
+                  <a:pt x="1703" y="2801"/>
+                  <a:pt x="1703" y="4539"/>
+                </a:cubicBezTo>
+                <a:cubicBezTo>
+                  <a:pt x="1703" y="6277"/>
+                  <a:pt x="1060" y="7865"/>
+                  <a:pt x="0" y="9079"/>
+                </a:cubicBezTo>
+              </a:path>
+            </a:pathLst>
+          </a:custGeom>
+          <a:noFill/>
+          <a:ln w="8" cap="flat">
+            <a:solidFill>
+              <a:srgbClr val="2E2C2C"/>
+            </a:solidFill>
+            <a:prstDash val="dash"/>
+            <a:miter lim="800000"/>
+            <a:headEnd/>
+            <a:tailEnd/>
+          </a:ln>
+          <a:extLst>
+            <a:ext uri="{909E8E84-426E-40DD-AFC4-6F175D3DCCD1}">
+              <a14:hiddenFill xmlns:a14="http://schemas.microsoft.com/office/drawing/2010/main">
+                <a:solidFill>
+                  <a:srgbClr val="FFFFFF"/>
+                </a:solidFill>
+              </a14:hiddenFill>
+            </a:ext>
+          </a:extLst>
+        </p:spPr>
+        <p:txBody>
+          <a:bodyPr vert="horz" wrap="square" lIns="81614" tIns="40807" rIns="81614" bIns="40807" numCol="1" anchor="t" anchorCtr="0" compatLnSpc="1">
+            <a:prstTxWarp prst="textNoShape">
+              <a:avLst/>
+            </a:prstTxWarp>
+          </a:bodyPr>
+          <a:lstStyle/>
+          <a:p>
+            <a:endParaRPr lang="zh-CN" altLang="en-US"/>
+          </a:p>
+        </p:txBody>
+      </p:sp>
+      <p:sp>
+        <p:nvSpPr>
+          <p:cNvPr id="30" name="圆角矩形 29"/>
+          <p:cNvSpPr/>
+          <p:nvPr/>
+        </p:nvSpPr>
+        <p:spPr bwMode="auto">
+          <a:xfrm>
+            <a:off x="3664409" y="643679"/>
+            <a:ext cx="3442946" cy="456370"/>
+          </a:xfrm>
+          <a:prstGeom prst="roundRect">
+            <a:avLst>
+              <a:gd name="adj" fmla="val 50000"/>
+            </a:avLst>
+          </a:prstGeom>
+          <a:noFill/>
+          <a:ln w="9525" cap="flat" cmpd="sng" algn="ctr">
+            <a:solidFill>
+              <a:srgbClr val="314865"/>
+            </a:solidFill>
+            <a:prstDash val="solid"/>
+            <a:round/>
+            <a:headEnd type="none" w="med" len="med"/>
+            <a:tailEnd type="none" w="med" len="med"/>
+          </a:ln>
+          <a:effectLst/>
+        </p:spPr>
+        <p:txBody>
+          <a:bodyPr vert="horz" wrap="square" lIns="81614" tIns="40807" rIns="81614" bIns="40807" numCol="1" rtlCol="0" anchor="t" anchorCtr="0" compatLnSpc="1">
+            <a:prstTxWarp prst="textNoShape">
+              <a:avLst/>
+            </a:prstTxWarp>
+          </a:bodyPr>
+          <a:lstStyle/>
+          <a:p>
+            <a:pPr defTabSz="816143"/>
+            <a:endParaRPr lang="zh-CN" altLang="en-US">
+              <a:solidFill>
+                <a:schemeClr val="bg2">
+                  <a:lumMod val="25000"/>
+                </a:schemeClr>
+              </a:solidFill>
+            </a:endParaRPr>
+          </a:p>
+        </p:txBody>
+      </p:sp>
+      <p:sp>
+        <p:nvSpPr>
+          <p:cNvPr id="73" name="圆角矩形 72"/>
+          <p:cNvSpPr/>
+          <p:nvPr/>
+        </p:nvSpPr>
+        <p:spPr bwMode="auto">
+          <a:xfrm>
+            <a:off x="3861390" y="1435295"/>
+            <a:ext cx="3226119" cy="456370"/>
+          </a:xfrm>
+          <a:prstGeom prst="roundRect">
+            <a:avLst>
+              <a:gd name="adj" fmla="val 50000"/>
+            </a:avLst>
+          </a:prstGeom>
+          <a:noFill/>
+          <a:ln w="9525" cap="flat" cmpd="sng" algn="ctr">
+            <a:solidFill>
+              <a:srgbClr val="314865"/>
+            </a:solidFill>
+            <a:prstDash val="solid"/>
+            <a:round/>
+            <a:headEnd type="none" w="med" len="med"/>
+            <a:tailEnd type="none" w="med" len="med"/>
+          </a:ln>
+          <a:effectLst/>
+        </p:spPr>
+        <p:txBody>
+          <a:bodyPr vert="horz" wrap="square" lIns="81614" tIns="40807" rIns="81614" bIns="40807" numCol="1" rtlCol="0" anchor="t" anchorCtr="0" compatLnSpc="1">
+            <a:prstTxWarp prst="textNoShape">
+              <a:avLst/>
+            </a:prstTxWarp>
+          </a:bodyPr>
+          <a:lstStyle/>
+          <a:p>
+            <a:pPr defTabSz="816143"/>
+            <a:endParaRPr lang="zh-CN" altLang="en-US"/>
+          </a:p>
+        </p:txBody>
+      </p:sp>
+      <p:sp>
+        <p:nvSpPr>
+          <p:cNvPr id="74" name="圆角矩形 73"/>
+          <p:cNvSpPr/>
+          <p:nvPr/>
+        </p:nvSpPr>
+        <p:spPr bwMode="auto">
+          <a:xfrm>
+            <a:off x="3923988" y="2391961"/>
+            <a:ext cx="3145117" cy="456370"/>
+          </a:xfrm>
+          <a:prstGeom prst="roundRect">
+            <a:avLst>
+              <a:gd name="adj" fmla="val 50000"/>
+            </a:avLst>
+          </a:prstGeom>
+          <a:noFill/>
+          <a:ln w="9525" cap="flat" cmpd="sng" algn="ctr">
+            <a:solidFill>
+              <a:srgbClr val="314865"/>
+            </a:solidFill>
+            <a:prstDash val="solid"/>
+            <a:round/>
+            <a:headEnd type="none" w="med" len="med"/>
+            <a:tailEnd type="none" w="med" len="med"/>
+          </a:ln>
+          <a:effectLst/>
+        </p:spPr>
+        <p:txBody>
+          <a:bodyPr vert="horz" wrap="square" lIns="81614" tIns="40807" rIns="81614" bIns="40807" numCol="1" rtlCol="0" anchor="t" anchorCtr="0" compatLnSpc="1">
+            <a:prstTxWarp prst="textNoShape">
+              <a:avLst/>
+            </a:prstTxWarp>
+          </a:bodyPr>
+          <a:lstStyle/>
+          <a:p>
+            <a:pPr defTabSz="816143"/>
+            <a:endParaRPr lang="zh-CN" altLang="en-US"/>
+          </a:p>
+        </p:txBody>
+      </p:sp>
+      <p:sp>
+        <p:nvSpPr>
+          <p:cNvPr id="75" name="圆角矩形 74"/>
+          <p:cNvSpPr/>
+          <p:nvPr/>
+        </p:nvSpPr>
+        <p:spPr bwMode="auto">
+          <a:xfrm>
+            <a:off x="3721895" y="3336443"/>
+            <a:ext cx="3176049" cy="456370"/>
+          </a:xfrm>
+          <a:prstGeom prst="roundRect">
+            <a:avLst>
+              <a:gd name="adj" fmla="val 50000"/>
+            </a:avLst>
+          </a:prstGeom>
+          <a:noFill/>
+          <a:ln w="9525" cap="flat" cmpd="sng" algn="ctr">
+            <a:solidFill>
+              <a:srgbClr val="314865"/>
+            </a:solidFill>
+            <a:prstDash val="solid"/>
+            <a:round/>
+            <a:headEnd type="none" w="med" len="med"/>
+            <a:tailEnd type="none" w="med" len="med"/>
+          </a:ln>
+          <a:effectLst/>
+        </p:spPr>
+        <p:txBody>
+          <a:bodyPr vert="horz" wrap="square" lIns="81614" tIns="40807" rIns="81614" bIns="40807" numCol="1" rtlCol="0" anchor="t" anchorCtr="0" compatLnSpc="1">
+            <a:prstTxWarp prst="textNoShape">
+              <a:avLst/>
+            </a:prstTxWarp>
+          </a:bodyPr>
+          <a:lstStyle/>
+          <a:p>
+            <a:pPr defTabSz="816143"/>
+            <a:endParaRPr lang="zh-CN" altLang="en-US"/>
+          </a:p>
+        </p:txBody>
+      </p:sp>
+      <p:sp>
+        <p:nvSpPr>
+          <p:cNvPr id="2" name="TextBox 1"/>
+          <p:cNvSpPr txBox="1"/>
+          <p:nvPr/>
+        </p:nvSpPr>
+        <p:spPr>
+          <a:xfrm>
+            <a:off x="4011522" y="676003"/>
+            <a:ext cx="1242040" cy="405576"/>
+          </a:xfrm>
+          <a:prstGeom prst="rect">
+            <a:avLst/>
+          </a:prstGeom>
+          <a:noFill/>
+        </p:spPr>
+        <p:txBody>
+          <a:bodyPr wrap="none" lIns="81614" tIns="40807" rIns="81614" bIns="40807" rtlCol="0">
+            <a:spAutoFit/>
+          </a:bodyPr>
+          <a:lstStyle/>
+          <a:p>
+            <a:r>
+              <a:rPr lang="zh-CN" altLang="en-US" sz="2100" dirty="0">
+                <a:solidFill>
+                  <a:schemeClr val="bg2">
+                    <a:lumMod val="25000"/>
+                  </a:schemeClr>
+                </a:solidFill>
+                <a:latin typeface="+mj-ea"/>
+                <a:ea typeface="+mj-ea"/>
+              </a:rPr>
+              <a:t>需求分析</a:t>
+            </a:r>
+          </a:p>
+        </p:txBody>
+      </p:sp>
+      <p:sp>
+        <p:nvSpPr>
+          <p:cNvPr id="25" name="TextBox 24"/>
+          <p:cNvSpPr txBox="1"/>
+          <p:nvPr/>
+        </p:nvSpPr>
+        <p:spPr>
+          <a:xfrm>
+            <a:off x="4219788" y="1460692"/>
+            <a:ext cx="1242040" cy="405576"/>
+          </a:xfrm>
+          <a:prstGeom prst="rect">
+            <a:avLst/>
+          </a:prstGeom>
+          <a:noFill/>
+        </p:spPr>
+        <p:txBody>
+          <a:bodyPr wrap="none" lIns="81614" tIns="40807" rIns="81614" bIns="40807" rtlCol="0">
+            <a:spAutoFit/>
+          </a:bodyPr>
+          <a:lstStyle/>
+          <a:p>
+            <a:r>
+              <a:rPr lang="zh-CN" altLang="en-US" sz="2100" dirty="0">
+                <a:solidFill>
+                  <a:schemeClr val="bg2">
+                    <a:lumMod val="25000"/>
+                  </a:schemeClr>
+                </a:solidFill>
+                <a:latin typeface="+mj-ea"/>
+                <a:ea typeface="+mj-ea"/>
+              </a:rPr>
+              <a:t>概要设计</a:t>
+            </a:r>
+          </a:p>
+        </p:txBody>
+      </p:sp>
+      <p:sp>
+        <p:nvSpPr>
+          <p:cNvPr id="26" name="TextBox 25"/>
+          <p:cNvSpPr txBox="1"/>
+          <p:nvPr/>
+        </p:nvSpPr>
+        <p:spPr>
+          <a:xfrm>
+            <a:off x="4188835" y="2393973"/>
+            <a:ext cx="1242040" cy="405576"/>
+          </a:xfrm>
+          <a:prstGeom prst="rect">
+            <a:avLst/>
+          </a:prstGeom>
+          <a:noFill/>
+        </p:spPr>
+        <p:txBody>
+          <a:bodyPr wrap="none" lIns="81614" tIns="40807" rIns="81614" bIns="40807" rtlCol="0">
+            <a:spAutoFit/>
+          </a:bodyPr>
+          <a:lstStyle/>
+          <a:p>
+            <a:r>
+              <a:rPr lang="zh-CN" altLang="en-US" sz="2100" dirty="0">
+                <a:solidFill>
+                  <a:schemeClr val="bg2">
+                    <a:lumMod val="25000"/>
+                  </a:schemeClr>
+                </a:solidFill>
+                <a:latin typeface="+mn-ea"/>
+              </a:rPr>
+              <a:t>核心问题</a:t>
+            </a:r>
+          </a:p>
+        </p:txBody>
+      </p:sp>
+      <p:sp>
+        <p:nvSpPr>
+          <p:cNvPr id="27" name="TextBox 26"/>
+          <p:cNvSpPr txBox="1"/>
+          <p:nvPr/>
+        </p:nvSpPr>
+        <p:spPr>
+          <a:xfrm>
+            <a:off x="4036858" y="3336443"/>
+            <a:ext cx="1242040" cy="405576"/>
+          </a:xfrm>
+          <a:prstGeom prst="rect">
+            <a:avLst/>
+          </a:prstGeom>
+          <a:noFill/>
+        </p:spPr>
+        <p:txBody>
+          <a:bodyPr wrap="none" lIns="81614" tIns="40807" rIns="81614" bIns="40807" rtlCol="0">
+            <a:spAutoFit/>
+          </a:bodyPr>
+          <a:lstStyle/>
+          <a:p>
+            <a:r>
+              <a:rPr lang="zh-CN" altLang="en-US" sz="2100" dirty="0">
+                <a:solidFill>
+                  <a:schemeClr val="bg2">
+                    <a:lumMod val="25000"/>
+                  </a:schemeClr>
+                </a:solidFill>
+                <a:latin typeface="+mn-ea"/>
+              </a:rPr>
+              <a:t>测试分析</a:t>
+            </a:r>
+          </a:p>
+        </p:txBody>
+      </p:sp>
+      <p:grpSp>
+        <p:nvGrpSpPr>
+          <p:cNvPr id="3" name="组合 2">
+            <a:extLst>
+              <a:ext uri="{FF2B5EF4-FFF2-40B4-BE49-F238E27FC236}">
+                <a16:creationId xmlns:a16="http://schemas.microsoft.com/office/drawing/2014/main" id="{50E02ED4-B6A2-2A38-E2DE-1530F873E663}"/>
+              </a:ext>
+            </a:extLst>
+          </p:cNvPr>
+          <p:cNvGrpSpPr/>
+          <p:nvPr/>
+        </p:nvGrpSpPr>
+        <p:grpSpPr>
+          <a:xfrm>
+            <a:off x="2993223" y="585540"/>
+            <a:ext cx="575900" cy="547156"/>
+            <a:chOff x="2993223" y="585540"/>
+            <a:chExt cx="575900" cy="547156"/>
+          </a:xfrm>
+        </p:grpSpPr>
+        <p:sp>
+          <p:nvSpPr>
+            <p:cNvPr id="29" name="椭圆 28"/>
+            <p:cNvSpPr>
+              <a:spLocks noChangeAspect="1"/>
+            </p:cNvSpPr>
+            <p:nvPr/>
+          </p:nvSpPr>
+          <p:spPr bwMode="auto">
+            <a:xfrm>
+              <a:off x="2993223" y="585540"/>
+              <a:ext cx="575900" cy="547156"/>
+            </a:xfrm>
+            <a:prstGeom prst="ellipse">
+              <a:avLst/>
+            </a:prstGeom>
+            <a:solidFill>
+              <a:srgbClr val="314865"/>
+            </a:solidFill>
+            <a:ln w="9525" cap="flat" cmpd="sng" algn="ctr">
+              <a:solidFill>
+                <a:schemeClr val="tx1"/>
+              </a:solidFill>
+              <a:prstDash val="solid"/>
+              <a:round/>
+              <a:headEnd type="none" w="med" len="med"/>
+              <a:tailEnd type="none" w="med" len="med"/>
+            </a:ln>
+            <a:effectLst/>
+          </p:spPr>
+          <p:txBody>
+            <a:bodyPr vert="horz" wrap="square" lIns="81614" tIns="40807" rIns="81614" bIns="40807" numCol="1" rtlCol="0" anchor="t" anchorCtr="0" compatLnSpc="1">
+              <a:prstTxWarp prst="textNoShape">
+                <a:avLst/>
+              </a:prstTxWarp>
+            </a:bodyPr>
+            <a:lstStyle/>
+            <a:p>
+              <a:pPr defTabSz="816143"/>
+              <a:endParaRPr lang="zh-CN" altLang="en-US"/>
+            </a:p>
+          </p:txBody>
+        </p:sp>
+        <p:sp>
+          <p:nvSpPr>
+            <p:cNvPr id="4" name="TextBox 3"/>
+            <p:cNvSpPr txBox="1"/>
+            <p:nvPr/>
+          </p:nvSpPr>
+          <p:spPr>
+            <a:xfrm>
+              <a:off x="3104907" y="609201"/>
+              <a:ext cx="339550" cy="497909"/>
+            </a:xfrm>
+            <a:prstGeom prst="rect">
+              <a:avLst/>
+            </a:prstGeom>
+            <a:noFill/>
+          </p:spPr>
+          <p:txBody>
+            <a:bodyPr wrap="none" lIns="81614" tIns="40807" rIns="81614" bIns="40807" rtlCol="0">
+              <a:spAutoFit/>
+            </a:bodyPr>
+            <a:lstStyle/>
+            <a:p>
+              <a:r>
+                <a:rPr lang="en-US" altLang="zh-CN" sz="2700" b="1" dirty="0">
+                  <a:solidFill>
+                    <a:srgbClr val="F8F8F8"/>
+                  </a:solidFill>
+                  <a:latin typeface="+mn-ea"/>
+                </a:rPr>
+                <a:t>1</a:t>
+              </a:r>
+              <a:endParaRPr lang="zh-CN" altLang="en-US" sz="2700" b="1" dirty="0">
+                <a:solidFill>
+                  <a:srgbClr val="F8F8F8"/>
+                </a:solidFill>
+                <a:latin typeface="+mn-ea"/>
+              </a:endParaRPr>
+            </a:p>
+          </p:txBody>
+        </p:sp>
+      </p:grpSp>
+      <p:grpSp>
+        <p:nvGrpSpPr>
+          <p:cNvPr id="5" name="组合 4">
+            <a:extLst>
+              <a:ext uri="{FF2B5EF4-FFF2-40B4-BE49-F238E27FC236}">
+                <a16:creationId xmlns:a16="http://schemas.microsoft.com/office/drawing/2014/main" id="{EE7DE926-283E-3FD4-41AA-A45B02DD746D}"/>
+              </a:ext>
+            </a:extLst>
+          </p:cNvPr>
+          <p:cNvGrpSpPr/>
+          <p:nvPr/>
+        </p:nvGrpSpPr>
+        <p:grpSpPr>
+          <a:xfrm>
+            <a:off x="3182922" y="1397512"/>
+            <a:ext cx="575900" cy="547156"/>
+            <a:chOff x="3182155" y="1219014"/>
+            <a:chExt cx="575900" cy="547156"/>
+          </a:xfrm>
+        </p:grpSpPr>
+        <p:sp>
+          <p:nvSpPr>
+            <p:cNvPr id="67" name="椭圆 66"/>
+            <p:cNvSpPr>
+              <a:spLocks noChangeAspect="1"/>
+            </p:cNvSpPr>
+            <p:nvPr/>
+          </p:nvSpPr>
+          <p:spPr bwMode="auto">
+            <a:xfrm>
+              <a:off x="3182155" y="1219014"/>
+              <a:ext cx="575900" cy="547156"/>
+            </a:xfrm>
+            <a:prstGeom prst="ellipse">
+              <a:avLst/>
+            </a:prstGeom>
+            <a:solidFill>
+              <a:srgbClr val="314865"/>
+            </a:solidFill>
+            <a:ln w="9525" cap="flat" cmpd="sng" algn="ctr">
+              <a:solidFill>
+                <a:schemeClr val="tx1"/>
+              </a:solidFill>
+              <a:prstDash val="solid"/>
+              <a:round/>
+              <a:headEnd type="none" w="med" len="med"/>
+              <a:tailEnd type="none" w="med" len="med"/>
+            </a:ln>
+            <a:effectLst/>
+          </p:spPr>
+          <p:txBody>
+            <a:bodyPr vert="horz" wrap="square" lIns="81614" tIns="40807" rIns="81614" bIns="40807" numCol="1" rtlCol="0" anchor="t" anchorCtr="0" compatLnSpc="1">
+              <a:prstTxWarp prst="textNoShape">
+                <a:avLst/>
+              </a:prstTxWarp>
+            </a:bodyPr>
+            <a:lstStyle/>
+            <a:p>
+              <a:pPr defTabSz="816143"/>
+              <a:endParaRPr lang="zh-CN" altLang="en-US"/>
+            </a:p>
+          </p:txBody>
+        </p:sp>
+        <p:sp>
+          <p:nvSpPr>
+            <p:cNvPr id="33" name="TextBox 32"/>
+            <p:cNvSpPr txBox="1"/>
+            <p:nvPr/>
+          </p:nvSpPr>
+          <p:spPr>
+            <a:xfrm>
+              <a:off x="3291104" y="1237944"/>
+              <a:ext cx="339550" cy="497909"/>
+            </a:xfrm>
+            <a:prstGeom prst="rect">
+              <a:avLst/>
+            </a:prstGeom>
+            <a:noFill/>
+          </p:spPr>
+          <p:txBody>
+            <a:bodyPr wrap="none" lIns="81614" tIns="40807" rIns="81614" bIns="40807" rtlCol="0">
+              <a:spAutoFit/>
+            </a:bodyPr>
+            <a:lstStyle/>
+            <a:p>
+              <a:r>
+                <a:rPr lang="en-US" altLang="zh-CN" sz="2700" b="1" dirty="0">
+                  <a:solidFill>
+                    <a:srgbClr val="F8F8F8"/>
+                  </a:solidFill>
+                  <a:latin typeface="+mn-ea"/>
+                </a:rPr>
+                <a:t>2</a:t>
+              </a:r>
+              <a:endParaRPr lang="zh-CN" altLang="en-US" sz="2700" b="1" dirty="0">
+                <a:solidFill>
+                  <a:srgbClr val="F8F8F8"/>
+                </a:solidFill>
+                <a:latin typeface="+mn-ea"/>
+              </a:endParaRPr>
+            </a:p>
+          </p:txBody>
+        </p:sp>
+      </p:grpSp>
+      <p:grpSp>
+        <p:nvGrpSpPr>
+          <p:cNvPr id="6" name="组合 5">
+            <a:extLst>
+              <a:ext uri="{FF2B5EF4-FFF2-40B4-BE49-F238E27FC236}">
+                <a16:creationId xmlns:a16="http://schemas.microsoft.com/office/drawing/2014/main" id="{E121E6E0-D1B8-A6F9-5FE6-591478907BEA}"/>
+              </a:ext>
+            </a:extLst>
+          </p:cNvPr>
+          <p:cNvGrpSpPr/>
+          <p:nvPr/>
+        </p:nvGrpSpPr>
+        <p:grpSpPr>
+          <a:xfrm>
+            <a:off x="3257265" y="2298172"/>
+            <a:ext cx="575900" cy="547156"/>
+            <a:chOff x="3252525" y="1849897"/>
+            <a:chExt cx="575900" cy="547156"/>
+          </a:xfrm>
+        </p:grpSpPr>
+        <p:sp>
+          <p:nvSpPr>
+            <p:cNvPr id="68" name="椭圆 67"/>
+            <p:cNvSpPr>
+              <a:spLocks noChangeAspect="1"/>
+            </p:cNvSpPr>
+            <p:nvPr/>
+          </p:nvSpPr>
+          <p:spPr bwMode="auto">
+            <a:xfrm>
+              <a:off x="3252525" y="1849897"/>
+              <a:ext cx="575900" cy="547156"/>
+            </a:xfrm>
+            <a:prstGeom prst="ellipse">
+              <a:avLst/>
+            </a:prstGeom>
+            <a:solidFill>
+              <a:srgbClr val="314865"/>
+            </a:solidFill>
+            <a:ln w="9525" cap="flat" cmpd="sng" algn="ctr">
+              <a:solidFill>
+                <a:schemeClr val="tx1"/>
+              </a:solidFill>
+              <a:prstDash val="solid"/>
+              <a:round/>
+              <a:headEnd type="none" w="med" len="med"/>
+              <a:tailEnd type="none" w="med" len="med"/>
+            </a:ln>
+            <a:effectLst/>
+          </p:spPr>
+          <p:txBody>
+            <a:bodyPr vert="horz" wrap="square" lIns="81614" tIns="40807" rIns="81614" bIns="40807" numCol="1" rtlCol="0" anchor="t" anchorCtr="0" compatLnSpc="1">
+              <a:prstTxWarp prst="textNoShape">
+                <a:avLst/>
+              </a:prstTxWarp>
+            </a:bodyPr>
+            <a:lstStyle/>
+            <a:p>
+              <a:pPr defTabSz="816143"/>
+              <a:endParaRPr lang="zh-CN" altLang="en-US"/>
+            </a:p>
+          </p:txBody>
+        </p:sp>
+        <p:sp>
+          <p:nvSpPr>
+            <p:cNvPr id="34" name="TextBox 33"/>
+            <p:cNvSpPr txBox="1"/>
+            <p:nvPr/>
+          </p:nvSpPr>
+          <p:spPr>
+            <a:xfrm>
+              <a:off x="3368840" y="1867736"/>
+              <a:ext cx="339550" cy="497909"/>
+            </a:xfrm>
+            <a:prstGeom prst="rect">
+              <a:avLst/>
+            </a:prstGeom>
+            <a:noFill/>
+          </p:spPr>
+          <p:txBody>
+            <a:bodyPr wrap="none" lIns="81614" tIns="40807" rIns="81614" bIns="40807" rtlCol="0">
+              <a:spAutoFit/>
+            </a:bodyPr>
+            <a:lstStyle/>
+            <a:p>
+              <a:r>
+                <a:rPr lang="en-US" altLang="zh-CN" sz="2700" b="1" dirty="0">
+                  <a:solidFill>
+                    <a:srgbClr val="F8F8F8"/>
+                  </a:solidFill>
+                  <a:latin typeface="+mn-ea"/>
+                </a:rPr>
+                <a:t>3</a:t>
+              </a:r>
+              <a:endParaRPr lang="zh-CN" altLang="en-US" sz="2700" b="1" dirty="0">
+                <a:solidFill>
+                  <a:srgbClr val="F8F8F8"/>
+                </a:solidFill>
+                <a:latin typeface="+mn-ea"/>
+              </a:endParaRPr>
+            </a:p>
+          </p:txBody>
+        </p:sp>
+      </p:grpSp>
+      <p:grpSp>
+        <p:nvGrpSpPr>
+          <p:cNvPr id="7" name="组合 6">
+            <a:extLst>
+              <a:ext uri="{FF2B5EF4-FFF2-40B4-BE49-F238E27FC236}">
+                <a16:creationId xmlns:a16="http://schemas.microsoft.com/office/drawing/2014/main" id="{E62C8298-A07F-2A98-F6C0-86F86C6840A0}"/>
+              </a:ext>
+            </a:extLst>
+          </p:cNvPr>
+          <p:cNvGrpSpPr/>
+          <p:nvPr/>
+        </p:nvGrpSpPr>
+        <p:grpSpPr>
+          <a:xfrm>
+            <a:off x="3055517" y="3262663"/>
+            <a:ext cx="575900" cy="547156"/>
+            <a:chOff x="3224943" y="2480779"/>
+            <a:chExt cx="575900" cy="547156"/>
+          </a:xfrm>
+        </p:grpSpPr>
+        <p:sp>
+          <p:nvSpPr>
+            <p:cNvPr id="69" name="椭圆 68"/>
+            <p:cNvSpPr>
+              <a:spLocks noChangeAspect="1"/>
+            </p:cNvSpPr>
+            <p:nvPr/>
+          </p:nvSpPr>
+          <p:spPr bwMode="auto">
+            <a:xfrm>
+              <a:off x="3224943" y="2480779"/>
+              <a:ext cx="575900" cy="547156"/>
+            </a:xfrm>
+            <a:prstGeom prst="ellipse">
+              <a:avLst/>
+            </a:prstGeom>
+            <a:solidFill>
+              <a:srgbClr val="314865"/>
+            </a:solidFill>
+            <a:ln w="9525" cap="flat" cmpd="sng" algn="ctr">
+              <a:solidFill>
+                <a:schemeClr val="tx1"/>
+              </a:solidFill>
+              <a:prstDash val="solid"/>
+              <a:round/>
+              <a:headEnd type="none" w="med" len="med"/>
+              <a:tailEnd type="none" w="med" len="med"/>
+            </a:ln>
+            <a:effectLst/>
+          </p:spPr>
+          <p:txBody>
+            <a:bodyPr vert="horz" wrap="square" lIns="81614" tIns="40807" rIns="81614" bIns="40807" numCol="1" rtlCol="0" anchor="t" anchorCtr="0" compatLnSpc="1">
+              <a:prstTxWarp prst="textNoShape">
+                <a:avLst/>
+              </a:prstTxWarp>
+            </a:bodyPr>
+            <a:lstStyle/>
+            <a:p>
+              <a:pPr defTabSz="816143"/>
+              <a:endParaRPr lang="zh-CN" altLang="en-US"/>
+            </a:p>
+          </p:txBody>
+        </p:sp>
+        <p:sp>
+          <p:nvSpPr>
+            <p:cNvPr id="35" name="TextBox 34"/>
+            <p:cNvSpPr txBox="1"/>
+            <p:nvPr/>
+          </p:nvSpPr>
+          <p:spPr>
+            <a:xfrm>
+              <a:off x="3341610" y="2488694"/>
+              <a:ext cx="339550" cy="497909"/>
+            </a:xfrm>
+            <a:prstGeom prst="rect">
+              <a:avLst/>
+            </a:prstGeom>
+            <a:noFill/>
+          </p:spPr>
+          <p:txBody>
+            <a:bodyPr wrap="none" lIns="81614" tIns="40807" rIns="81614" bIns="40807" rtlCol="0">
+              <a:spAutoFit/>
+            </a:bodyPr>
+            <a:lstStyle/>
+            <a:p>
+              <a:r>
+                <a:rPr lang="en-US" altLang="zh-CN" sz="2700" b="1" dirty="0">
+                  <a:solidFill>
+                    <a:srgbClr val="F8F8F8"/>
+                  </a:solidFill>
+                  <a:latin typeface="+mn-ea"/>
+                </a:rPr>
+                <a:t>4</a:t>
+              </a:r>
+              <a:endParaRPr lang="zh-CN" altLang="en-US" sz="2700" b="1" dirty="0">
+                <a:solidFill>
+                  <a:srgbClr val="F8F8F8"/>
+                </a:solidFill>
+                <a:latin typeface="+mn-ea"/>
+              </a:endParaRPr>
+            </a:p>
+          </p:txBody>
+        </p:sp>
+      </p:grpSp>
+      <p:sp>
+        <p:nvSpPr>
+          <p:cNvPr id="22" name="Oval 14"/>
+          <p:cNvSpPr>
+            <a:spLocks noChangeArrowheads="1"/>
+          </p:cNvSpPr>
+          <p:nvPr/>
+        </p:nvSpPr>
+        <p:spPr bwMode="auto">
+          <a:xfrm>
+            <a:off x="943185" y="1496279"/>
+            <a:ext cx="1853878" cy="1812622"/>
+          </a:xfrm>
+          <a:prstGeom prst="ellipse">
+            <a:avLst/>
+          </a:prstGeom>
+          <a:solidFill>
+            <a:srgbClr val="314865"/>
+          </a:solidFill>
+          <a:ln>
+            <a:noFill/>
+          </a:ln>
+        </p:spPr>
+        <p:txBody>
+          <a:bodyPr vert="horz" wrap="square" lIns="81614" tIns="40807" rIns="81614" bIns="40807" numCol="1" anchor="t" anchorCtr="0" compatLnSpc="1">
+            <a:prstTxWarp prst="textNoShape">
+              <a:avLst/>
+            </a:prstTxWarp>
+          </a:bodyPr>
+          <a:lstStyle/>
+          <a:p>
+            <a:endParaRPr lang="zh-CN" altLang="en-US"/>
+          </a:p>
+        </p:txBody>
+      </p:sp>
+      <p:sp>
+        <p:nvSpPr>
+          <p:cNvPr id="23" name="Freeform 15"/>
+          <p:cNvSpPr>
+            <a:spLocks noEditPoints="1"/>
+          </p:cNvSpPr>
+          <p:nvPr/>
+        </p:nvSpPr>
+        <p:spPr bwMode="auto">
+          <a:xfrm>
+            <a:off x="1375799" y="1717803"/>
+            <a:ext cx="976939" cy="872172"/>
+          </a:xfrm>
+          <a:custGeom>
+            <a:avLst/>
+            <a:gdLst>
+              <a:gd name="T0" fmla="*/ 1051 w 1910"/>
+              <a:gd name="T1" fmla="*/ 1550 h 1774"/>
+              <a:gd name="T2" fmla="*/ 788 w 1910"/>
+              <a:gd name="T3" fmla="*/ 1668 h 1774"/>
+              <a:gd name="T4" fmla="*/ 535 w 1910"/>
+              <a:gd name="T5" fmla="*/ 59 h 1774"/>
+              <a:gd name="T6" fmla="*/ 591 w 1910"/>
+              <a:gd name="T7" fmla="*/ 95 h 1774"/>
+              <a:gd name="T8" fmla="*/ 963 w 1910"/>
+              <a:gd name="T9" fmla="*/ 4 h 1774"/>
+              <a:gd name="T10" fmla="*/ 477 w 1910"/>
+              <a:gd name="T11" fmla="*/ 72 h 1774"/>
+              <a:gd name="T12" fmla="*/ 582 w 1910"/>
+              <a:gd name="T13" fmla="*/ 175 h 1774"/>
+              <a:gd name="T14" fmla="*/ 560 w 1910"/>
+              <a:gd name="T15" fmla="*/ 959 h 1774"/>
+              <a:gd name="T16" fmla="*/ 454 w 1910"/>
+              <a:gd name="T17" fmla="*/ 856 h 1774"/>
+              <a:gd name="T18" fmla="*/ 477 w 1910"/>
+              <a:gd name="T19" fmla="*/ 72 h 1774"/>
+              <a:gd name="T20" fmla="*/ 869 w 1910"/>
+              <a:gd name="T21" fmla="*/ 340 h 1774"/>
+              <a:gd name="T22" fmla="*/ 1316 w 1910"/>
+              <a:gd name="T23" fmla="*/ 289 h 1774"/>
+              <a:gd name="T24" fmla="*/ 820 w 1910"/>
+              <a:gd name="T25" fmla="*/ 308 h 1774"/>
+              <a:gd name="T26" fmla="*/ 845 w 1910"/>
+              <a:gd name="T27" fmla="*/ 375 h 1774"/>
+              <a:gd name="T28" fmla="*/ 867 w 1910"/>
+              <a:gd name="T29" fmla="*/ 1187 h 1774"/>
+              <a:gd name="T30" fmla="*/ 762 w 1910"/>
+              <a:gd name="T31" fmla="*/ 1155 h 1774"/>
+              <a:gd name="T32" fmla="*/ 740 w 1910"/>
+              <a:gd name="T33" fmla="*/ 343 h 1774"/>
+              <a:gd name="T34" fmla="*/ 908 w 1910"/>
+              <a:gd name="T35" fmla="*/ 408 h 1774"/>
+              <a:gd name="T36" fmla="*/ 1440 w 1910"/>
+              <a:gd name="T37" fmla="*/ 408 h 1774"/>
+              <a:gd name="T38" fmla="*/ 1368 w 1910"/>
+              <a:gd name="T39" fmla="*/ 1142 h 1774"/>
+              <a:gd name="T40" fmla="*/ 908 w 1910"/>
+              <a:gd name="T41" fmla="*/ 408 h 1774"/>
+              <a:gd name="T42" fmla="*/ 1356 w 1910"/>
+              <a:gd name="T43" fmla="*/ 469 h 1774"/>
+              <a:gd name="T44" fmla="*/ 996 w 1910"/>
+              <a:gd name="T45" fmla="*/ 677 h 1774"/>
+              <a:gd name="T46" fmla="*/ 622 w 1910"/>
+              <a:gd name="T47" fmla="*/ 158 h 1774"/>
+              <a:gd name="T48" fmla="*/ 1155 w 1910"/>
+              <a:gd name="T49" fmla="*/ 158 h 1774"/>
+              <a:gd name="T50" fmla="*/ 719 w 1910"/>
+              <a:gd name="T51" fmla="*/ 233 h 1774"/>
+              <a:gd name="T52" fmla="*/ 677 w 1910"/>
+              <a:gd name="T53" fmla="*/ 944 h 1774"/>
+              <a:gd name="T54" fmla="*/ 622 w 1910"/>
+              <a:gd name="T55" fmla="*/ 158 h 1774"/>
+              <a:gd name="T56" fmla="*/ 378 w 1910"/>
+              <a:gd name="T57" fmla="*/ 530 h 1774"/>
+              <a:gd name="T58" fmla="*/ 293 w 1910"/>
+              <a:gd name="T59" fmla="*/ 381 h 1774"/>
+              <a:gd name="T60" fmla="*/ 152 w 1910"/>
+              <a:gd name="T61" fmla="*/ 1314 h 1774"/>
+              <a:gd name="T62" fmla="*/ 254 w 1910"/>
+              <a:gd name="T63" fmla="*/ 1450 h 1774"/>
+              <a:gd name="T64" fmla="*/ 0 w 1910"/>
+              <a:gd name="T65" fmla="*/ 1774 h 1774"/>
+              <a:gd name="T66" fmla="*/ 1910 w 1910"/>
+              <a:gd name="T67" fmla="*/ 1651 h 1774"/>
+              <a:gd name="T68" fmla="*/ 1748 w 1910"/>
+              <a:gd name="T69" fmla="*/ 1314 h 1774"/>
+              <a:gd name="T70" fmla="*/ 1607 w 1910"/>
+              <a:gd name="T71" fmla="*/ 381 h 1774"/>
+              <a:gd name="T72" fmla="*/ 1523 w 1910"/>
+              <a:gd name="T73" fmla="*/ 530 h 1774"/>
+              <a:gd name="T74" fmla="*/ 1614 w 1910"/>
+              <a:gd name="T75" fmla="*/ 1336 h 1774"/>
+              <a:gd name="T76" fmla="*/ 286 w 1910"/>
+              <a:gd name="T77" fmla="*/ 530 h 1774"/>
+            </a:gdLst>
+            <a:ahLst/>
+            <a:cxnLst>
+              <a:cxn ang="0">
+                <a:pos x="T0" y="T1"/>
+              </a:cxn>
+              <a:cxn ang="0">
+                <a:pos x="T2" y="T3"/>
+              </a:cxn>
+              <a:cxn ang="0">
+                <a:pos x="T4" y="T5"/>
+              </a:cxn>
+              <a:cxn ang="0">
+                <a:pos x="T6" y="T7"/>
+              </a:cxn>
+              <a:cxn ang="0">
+                <a:pos x="T8" y="T9"/>
+              </a:cxn>
+              <a:cxn ang="0">
+                <a:pos x="T10" y="T11"/>
+              </a:cxn>
+              <a:cxn ang="0">
+                <a:pos x="T12" y="T13"/>
+              </a:cxn>
+              <a:cxn ang="0">
+                <a:pos x="T14" y="T15"/>
+              </a:cxn>
+              <a:cxn ang="0">
+                <a:pos x="T16" y="T17"/>
+              </a:cxn>
+              <a:cxn ang="0">
+                <a:pos x="T18" y="T19"/>
+              </a:cxn>
+              <a:cxn ang="0">
+                <a:pos x="T20" y="T21"/>
+              </a:cxn>
+              <a:cxn ang="0">
+                <a:pos x="T22" y="T23"/>
+              </a:cxn>
+              <a:cxn ang="0">
+                <a:pos x="T24" y="T25"/>
+              </a:cxn>
+              <a:cxn ang="0">
+                <a:pos x="T26" y="T27"/>
+              </a:cxn>
+              <a:cxn ang="0">
+                <a:pos x="T28" y="T29"/>
+              </a:cxn>
+              <a:cxn ang="0">
+                <a:pos x="T30" y="T31"/>
+              </a:cxn>
+              <a:cxn ang="0">
+                <a:pos x="T32" y="T33"/>
+              </a:cxn>
+              <a:cxn ang="0">
+                <a:pos x="T34" y="T35"/>
+              </a:cxn>
+              <a:cxn ang="0">
+                <a:pos x="T36" y="T37"/>
+              </a:cxn>
+              <a:cxn ang="0">
+                <a:pos x="T38" y="T39"/>
+              </a:cxn>
+              <a:cxn ang="0">
+                <a:pos x="T40" y="T41"/>
+              </a:cxn>
+              <a:cxn ang="0">
+                <a:pos x="T42" y="T43"/>
+              </a:cxn>
+              <a:cxn ang="0">
+                <a:pos x="T44" y="T45"/>
+              </a:cxn>
+              <a:cxn ang="0">
+                <a:pos x="T46" y="T47"/>
+              </a:cxn>
+              <a:cxn ang="0">
+                <a:pos x="T48" y="T49"/>
+              </a:cxn>
+              <a:cxn ang="0">
+                <a:pos x="T50" y="T51"/>
+              </a:cxn>
+              <a:cxn ang="0">
+                <a:pos x="T52" y="T53"/>
+              </a:cxn>
+              <a:cxn ang="0">
+                <a:pos x="T54" y="T55"/>
+              </a:cxn>
+              <a:cxn ang="0">
+                <a:pos x="T56" y="T57"/>
+              </a:cxn>
+              <a:cxn ang="0">
+                <a:pos x="T58" y="T59"/>
+              </a:cxn>
+              <a:cxn ang="0">
+                <a:pos x="T60" y="T61"/>
+              </a:cxn>
+              <a:cxn ang="0">
+                <a:pos x="T62" y="T63"/>
+              </a:cxn>
+              <a:cxn ang="0">
+                <a:pos x="T64" y="T65"/>
+              </a:cxn>
+              <a:cxn ang="0">
+                <a:pos x="T66" y="T67"/>
+              </a:cxn>
+              <a:cxn ang="0">
+                <a:pos x="T68" y="T69"/>
+              </a:cxn>
+              <a:cxn ang="0">
+                <a:pos x="T70" y="T71"/>
+              </a:cxn>
+              <a:cxn ang="0">
+                <a:pos x="T72" y="T73"/>
+              </a:cxn>
+              <a:cxn ang="0">
+                <a:pos x="T74" y="T75"/>
+              </a:cxn>
+              <a:cxn ang="0">
+                <a:pos x="T76" y="T77"/>
+              </a:cxn>
+            </a:cxnLst>
+            <a:rect l="0" t="0" r="r" b="b"/>
+            <a:pathLst>
+              <a:path w="1910" h="1774">
+                <a:moveTo>
+                  <a:pt x="848" y="1550"/>
+                </a:moveTo>
+                <a:lnTo>
+                  <a:pt x="1051" y="1550"/>
+                </a:lnTo>
+                <a:lnTo>
+                  <a:pt x="1122" y="1668"/>
+                </a:lnTo>
+                <a:lnTo>
+                  <a:pt x="788" y="1668"/>
+                </a:lnTo>
+                <a:lnTo>
+                  <a:pt x="848" y="1550"/>
+                </a:lnTo>
+                <a:close/>
+                <a:moveTo>
+                  <a:pt x="535" y="59"/>
+                </a:moveTo>
+                <a:lnTo>
+                  <a:pt x="584" y="90"/>
+                </a:lnTo>
+                <a:cubicBezTo>
+                  <a:pt x="587" y="92"/>
+                  <a:pt x="589" y="93"/>
+                  <a:pt x="591" y="95"/>
+                </a:cubicBezTo>
+                <a:lnTo>
+                  <a:pt x="1031" y="39"/>
+                </a:lnTo>
+                <a:cubicBezTo>
+                  <a:pt x="1020" y="15"/>
+                  <a:pt x="994" y="0"/>
+                  <a:pt x="963" y="4"/>
+                </a:cubicBezTo>
+                <a:lnTo>
+                  <a:pt x="535" y="59"/>
+                </a:lnTo>
+                <a:close/>
+                <a:moveTo>
+                  <a:pt x="477" y="72"/>
+                </a:moveTo>
+                <a:lnTo>
+                  <a:pt x="560" y="125"/>
+                </a:lnTo>
+                <a:cubicBezTo>
+                  <a:pt x="572" y="133"/>
+                  <a:pt x="582" y="155"/>
+                  <a:pt x="582" y="175"/>
+                </a:cubicBezTo>
+                <a:lnTo>
+                  <a:pt x="582" y="937"/>
+                </a:lnTo>
+                <a:cubicBezTo>
+                  <a:pt x="582" y="957"/>
+                  <a:pt x="572" y="966"/>
+                  <a:pt x="560" y="959"/>
+                </a:cubicBezTo>
+                <a:lnTo>
+                  <a:pt x="477" y="906"/>
+                </a:lnTo>
+                <a:cubicBezTo>
+                  <a:pt x="464" y="898"/>
+                  <a:pt x="454" y="875"/>
+                  <a:pt x="454" y="856"/>
+                </a:cubicBezTo>
+                <a:lnTo>
+                  <a:pt x="454" y="93"/>
+                </a:lnTo>
+                <a:cubicBezTo>
+                  <a:pt x="454" y="74"/>
+                  <a:pt x="464" y="64"/>
+                  <a:pt x="477" y="72"/>
+                </a:cubicBezTo>
+                <a:close/>
+                <a:moveTo>
+                  <a:pt x="820" y="308"/>
+                </a:moveTo>
+                <a:lnTo>
+                  <a:pt x="869" y="340"/>
+                </a:lnTo>
+                <a:cubicBezTo>
+                  <a:pt x="872" y="341"/>
+                  <a:pt x="874" y="343"/>
+                  <a:pt x="877" y="345"/>
+                </a:cubicBezTo>
+                <a:lnTo>
+                  <a:pt x="1316" y="289"/>
+                </a:lnTo>
+                <a:cubicBezTo>
+                  <a:pt x="1305" y="264"/>
+                  <a:pt x="1279" y="250"/>
+                  <a:pt x="1249" y="253"/>
+                </a:cubicBezTo>
+                <a:lnTo>
+                  <a:pt x="820" y="308"/>
+                </a:lnTo>
+                <a:close/>
+                <a:moveTo>
+                  <a:pt x="762" y="322"/>
+                </a:moveTo>
+                <a:lnTo>
+                  <a:pt x="845" y="375"/>
+                </a:lnTo>
+                <a:cubicBezTo>
+                  <a:pt x="857" y="382"/>
+                  <a:pt x="867" y="405"/>
+                  <a:pt x="867" y="424"/>
+                </a:cubicBezTo>
+                <a:lnTo>
+                  <a:pt x="867" y="1187"/>
+                </a:lnTo>
+                <a:cubicBezTo>
+                  <a:pt x="867" y="1206"/>
+                  <a:pt x="857" y="1216"/>
+                  <a:pt x="845" y="1208"/>
+                </a:cubicBezTo>
+                <a:lnTo>
+                  <a:pt x="762" y="1155"/>
+                </a:lnTo>
+                <a:cubicBezTo>
+                  <a:pt x="750" y="1147"/>
+                  <a:pt x="740" y="1125"/>
+                  <a:pt x="740" y="1105"/>
+                </a:cubicBezTo>
+                <a:lnTo>
+                  <a:pt x="740" y="343"/>
+                </a:lnTo>
+                <a:cubicBezTo>
+                  <a:pt x="740" y="323"/>
+                  <a:pt x="750" y="314"/>
+                  <a:pt x="762" y="322"/>
+                </a:cubicBezTo>
+                <a:close/>
+                <a:moveTo>
+                  <a:pt x="908" y="408"/>
+                </a:moveTo>
+                <a:lnTo>
+                  <a:pt x="1368" y="349"/>
+                </a:lnTo>
+                <a:cubicBezTo>
+                  <a:pt x="1407" y="344"/>
+                  <a:pt x="1440" y="370"/>
+                  <a:pt x="1440" y="408"/>
+                </a:cubicBezTo>
+                <a:lnTo>
+                  <a:pt x="1440" y="1064"/>
+                </a:lnTo>
+                <a:cubicBezTo>
+                  <a:pt x="1440" y="1102"/>
+                  <a:pt x="1407" y="1137"/>
+                  <a:pt x="1368" y="1142"/>
+                </a:cubicBezTo>
+                <a:lnTo>
+                  <a:pt x="908" y="1201"/>
+                </a:lnTo>
+                <a:lnTo>
+                  <a:pt x="908" y="408"/>
+                </a:lnTo>
+                <a:close/>
+                <a:moveTo>
+                  <a:pt x="996" y="515"/>
+                </a:moveTo>
+                <a:lnTo>
+                  <a:pt x="1356" y="469"/>
+                </a:lnTo>
+                <a:lnTo>
+                  <a:pt x="1356" y="631"/>
+                </a:lnTo>
+                <a:lnTo>
+                  <a:pt x="996" y="677"/>
+                </a:lnTo>
+                <a:lnTo>
+                  <a:pt x="996" y="515"/>
+                </a:lnTo>
+                <a:close/>
+                <a:moveTo>
+                  <a:pt x="622" y="158"/>
+                </a:moveTo>
+                <a:lnTo>
+                  <a:pt x="1082" y="99"/>
+                </a:lnTo>
+                <a:cubicBezTo>
+                  <a:pt x="1122" y="94"/>
+                  <a:pt x="1155" y="121"/>
+                  <a:pt x="1155" y="158"/>
+                </a:cubicBezTo>
+                <a:lnTo>
+                  <a:pt x="1155" y="177"/>
+                </a:lnTo>
+                <a:lnTo>
+                  <a:pt x="719" y="233"/>
+                </a:lnTo>
+                <a:cubicBezTo>
+                  <a:pt x="688" y="242"/>
+                  <a:pt x="676" y="262"/>
+                  <a:pt x="677" y="303"/>
+                </a:cubicBezTo>
+                <a:lnTo>
+                  <a:pt x="677" y="944"/>
+                </a:lnTo>
+                <a:lnTo>
+                  <a:pt x="622" y="951"/>
+                </a:lnTo>
+                <a:lnTo>
+                  <a:pt x="622" y="158"/>
+                </a:lnTo>
+                <a:close/>
+                <a:moveTo>
+                  <a:pt x="286" y="530"/>
+                </a:moveTo>
+                <a:lnTo>
+                  <a:pt x="378" y="530"/>
+                </a:lnTo>
+                <a:lnTo>
+                  <a:pt x="378" y="381"/>
+                </a:lnTo>
+                <a:lnTo>
+                  <a:pt x="293" y="381"/>
+                </a:lnTo>
+                <a:cubicBezTo>
+                  <a:pt x="215" y="381"/>
+                  <a:pt x="152" y="445"/>
+                  <a:pt x="152" y="523"/>
+                </a:cubicBezTo>
+                <a:lnTo>
+                  <a:pt x="152" y="1314"/>
+                </a:lnTo>
+                <a:cubicBezTo>
+                  <a:pt x="152" y="1378"/>
+                  <a:pt x="195" y="1433"/>
+                  <a:pt x="254" y="1450"/>
+                </a:cubicBezTo>
+                <a:lnTo>
+                  <a:pt x="254" y="1450"/>
+                </a:lnTo>
+                <a:lnTo>
+                  <a:pt x="0" y="1651"/>
+                </a:lnTo>
+                <a:lnTo>
+                  <a:pt x="0" y="1774"/>
+                </a:lnTo>
+                <a:lnTo>
+                  <a:pt x="1910" y="1774"/>
+                </a:lnTo>
+                <a:lnTo>
+                  <a:pt x="1910" y="1651"/>
+                </a:lnTo>
+                <a:lnTo>
+                  <a:pt x="1638" y="1452"/>
+                </a:lnTo>
+                <a:cubicBezTo>
+                  <a:pt x="1701" y="1438"/>
+                  <a:pt x="1748" y="1381"/>
+                  <a:pt x="1748" y="1314"/>
+                </a:cubicBezTo>
+                <a:lnTo>
+                  <a:pt x="1748" y="523"/>
+                </a:lnTo>
+                <a:cubicBezTo>
+                  <a:pt x="1748" y="445"/>
+                  <a:pt x="1685" y="381"/>
+                  <a:pt x="1607" y="381"/>
+                </a:cubicBezTo>
+                <a:lnTo>
+                  <a:pt x="1523" y="381"/>
+                </a:lnTo>
+                <a:lnTo>
+                  <a:pt x="1523" y="530"/>
+                </a:lnTo>
+                <a:lnTo>
+                  <a:pt x="1614" y="530"/>
+                </a:lnTo>
+                <a:lnTo>
+                  <a:pt x="1614" y="1336"/>
+                </a:lnTo>
+                <a:lnTo>
+                  <a:pt x="286" y="1336"/>
+                </a:lnTo>
+                <a:lnTo>
+                  <a:pt x="286" y="530"/>
+                </a:lnTo>
+                <a:close/>
+              </a:path>
+            </a:pathLst>
+          </a:custGeom>
+          <a:solidFill>
+            <a:srgbClr val="FFFFFF"/>
+          </a:solidFill>
+          <a:ln>
+            <a:noFill/>
+          </a:ln>
+          <a:extLst>
+            <a:ext uri="{91240B29-F687-4F45-9708-019B960494DF}">
+              <a14:hiddenLine xmlns:a14="http://schemas.microsoft.com/office/drawing/2010/main" w="9525">
+                <a:solidFill>
+                  <a:srgbClr val="000000"/>
+                </a:solidFill>
+                <a:round/>
+                <a:headEnd/>
+                <a:tailEnd/>
+              </a14:hiddenLine>
+            </a:ext>
+          </a:extLst>
+        </p:spPr>
+        <p:txBody>
+          <a:bodyPr vert="horz" wrap="square" lIns="81614" tIns="40807" rIns="81614" bIns="40807" numCol="1" anchor="t" anchorCtr="0" compatLnSpc="1">
+            <a:prstTxWarp prst="textNoShape">
+              <a:avLst/>
+            </a:prstTxWarp>
+          </a:bodyPr>
+          <a:lstStyle/>
+          <a:p>
+            <a:endParaRPr lang="zh-CN" altLang="en-US"/>
+          </a:p>
+        </p:txBody>
+      </p:sp>
+      <p:sp>
+        <p:nvSpPr>
+          <p:cNvPr id="38" name="TextBox 37"/>
+          <p:cNvSpPr txBox="1"/>
+          <p:nvPr/>
+        </p:nvSpPr>
+        <p:spPr>
+          <a:xfrm>
+            <a:off x="1360465" y="2614951"/>
+            <a:ext cx="913633" cy="405576"/>
+          </a:xfrm>
+          <a:prstGeom prst="rect">
+            <a:avLst/>
+          </a:prstGeom>
+          <a:noFill/>
+        </p:spPr>
+        <p:txBody>
+          <a:bodyPr wrap="square" lIns="81614" tIns="40807" rIns="81614" bIns="40807" rtlCol="0">
+            <a:spAutoFit/>
+          </a:bodyPr>
+          <a:lstStyle/>
+          <a:p>
+            <a:pPr algn="dist"/>
+            <a:r>
+              <a:rPr lang="zh-CN" altLang="en-US" sz="2100" b="1" dirty="0">
+                <a:solidFill>
+                  <a:srgbClr val="F8F8F8"/>
+                </a:solidFill>
+                <a:latin typeface="+mn-ea"/>
+              </a:rPr>
+              <a:t>目录</a:t>
+            </a:r>
+          </a:p>
+        </p:txBody>
+      </p:sp>
+      <p:sp>
+        <p:nvSpPr>
+          <p:cNvPr id="39" name="TextBox 38"/>
+          <p:cNvSpPr txBox="1"/>
+          <p:nvPr/>
+        </p:nvSpPr>
+        <p:spPr>
+          <a:xfrm>
+            <a:off x="1390087" y="2908017"/>
+            <a:ext cx="882967" cy="297855"/>
+          </a:xfrm>
+          <a:prstGeom prst="rect">
+            <a:avLst/>
+          </a:prstGeom>
+          <a:noFill/>
+        </p:spPr>
+        <p:txBody>
+          <a:bodyPr wrap="none" lIns="81614" tIns="40807" rIns="81614" bIns="40807" rtlCol="0">
+            <a:spAutoFit/>
+          </a:bodyPr>
+          <a:lstStyle/>
+          <a:p>
+            <a:r>
+              <a:rPr lang="en-US" altLang="zh-CN" sz="1400" dirty="0">
+                <a:solidFill>
+                  <a:srgbClr val="F8F8F8"/>
+                </a:solidFill>
+                <a:latin typeface="+mn-ea"/>
+              </a:rPr>
+              <a:t>Contents</a:t>
+            </a:r>
+            <a:endParaRPr lang="zh-CN" altLang="en-US" sz="1400" dirty="0">
+              <a:solidFill>
+                <a:srgbClr val="F8F8F8"/>
+              </a:solidFill>
+              <a:latin typeface="+mn-ea"/>
+            </a:endParaRPr>
+          </a:p>
+        </p:txBody>
+      </p:sp>
+      <p:sp>
+        <p:nvSpPr>
+          <p:cNvPr id="8" name="矩形 7">
+            <a:extLst>
+              <a:ext uri="{FF2B5EF4-FFF2-40B4-BE49-F238E27FC236}">
+                <a16:creationId xmlns:a16="http://schemas.microsoft.com/office/drawing/2014/main" id="{1EEE5BC5-729A-D076-DE6C-9F5287995B7D}"/>
+              </a:ext>
+            </a:extLst>
+          </p:cNvPr>
+          <p:cNvSpPr/>
+          <p:nvPr/>
+        </p:nvSpPr>
+        <p:spPr>
+          <a:xfrm>
+            <a:off x="7035800" y="4878659"/>
+            <a:ext cx="1087120" cy="264841"/>
+          </a:xfrm>
+          <a:prstGeom prst="rect">
+            <a:avLst/>
+          </a:prstGeom>
+          <a:solidFill>
+            <a:srgbClr val="314865"/>
+          </a:solidFill>
+          <a:ln>
+            <a:solidFill>
+              <a:srgbClr val="314865"/>
+            </a:solidFill>
+          </a:ln>
+        </p:spPr>
+        <p:style>
+          <a:lnRef idx="2">
+            <a:schemeClr val="accent1">
+              <a:shade val="50000"/>
+            </a:schemeClr>
+          </a:lnRef>
+          <a:fillRef idx="1">
+            <a:schemeClr val="accent1"/>
+          </a:fillRef>
+          <a:effectRef idx="0">
+            <a:schemeClr val="accent1"/>
+          </a:effectRef>
+          <a:fontRef idx="minor">
+            <a:schemeClr val="lt1"/>
+          </a:fontRef>
+        </p:style>
+        <p:txBody>
+          <a:bodyPr rtlCol="0" anchor="ctr"/>
+          <a:lstStyle/>
+          <a:p>
+            <a:pPr algn="ctr"/>
+            <a:endParaRPr lang="zh-CN" altLang="en-US"/>
+          </a:p>
+        </p:txBody>
+      </p:sp>
+    </p:spTree>
+    <p:extLst>
+      <p:ext uri="{BB962C8B-B14F-4D97-AF65-F5344CB8AC3E}">
+        <p14:creationId xmlns:p14="http://schemas.microsoft.com/office/powerpoint/2010/main" val="3007742642"/>
+      </p:ext>
+    </p:extLst>
+  </p:cSld>
+  <p:clrMapOvr>
+    <a:masterClrMapping/>
+  </p:clrMapOvr>
+  <mc:AlternateContent xmlns:mc="http://schemas.openxmlformats.org/markup-compatibility/2006" xmlns:p14="http://schemas.microsoft.com/office/powerpoint/2010/main">
+    <mc:Choice Requires="p14">
+      <p:transition spd="slow" p14:dur="1500" advTm="7000">
+        <p:random/>
+      </p:transition>
+    </mc:Choice>
+    <mc:Fallback xmlns="">
+      <p:transition spd="slow" advTm="7000">
+        <p:random/>
+      </p:transition>
+    </mc:Fallback>
+  </mc:AlternateContent>
+  <p:timing>
+    <p:tnLst>
+      <p:par>
+        <p:cTn id="1" dur="indefinite" restart="never" nodeType="tmRoot">
+          <p:childTnLst>
+            <p:seq concurrent="1" nextAc="seek">
+              <p:cTn id="2" dur="indefinite" nodeType="mainSeq">
+                <p:childTnLst>
+                  <p:par>
+                    <p:cTn id="3" fill="hold">
+                      <p:stCondLst>
+                        <p:cond delay="indefinite"/>
+                        <p:cond evt="onBegin" delay="0">
+                          <p:tn val="2"/>
+                        </p:cond>
+                      </p:stCondLst>
+                      <p:childTnLst>
+                        <p:par>
+                          <p:cTn id="4" fill="hold">
+                            <p:stCondLst>
+                              <p:cond delay="500"/>
+                            </p:stCondLst>
+                            <p:childTnLst>
+                              <p:par>
+                                <p:cTn id="5" presetID="22" presetClass="entr" presetSubtype="8" fill="hold" grpId="0" nodeType="afterEffect">
+                                  <p:stCondLst>
+                                    <p:cond delay="0"/>
+                                  </p:stCondLst>
+                                  <p:childTnLst>
+                                    <p:set>
+                                      <p:cBhvr>
+                                        <p:cTn id="6" dur="1" fill="hold">
+                                          <p:stCondLst>
+                                            <p:cond delay="0"/>
+                                          </p:stCondLst>
+                                        </p:cTn>
+                                        <p:tgtEl>
+                                          <p:spTgt spid="21"/>
+                                        </p:tgtEl>
+                                        <p:attrNameLst>
+                                          <p:attrName>style.visibility</p:attrName>
+                                        </p:attrNameLst>
+                                      </p:cBhvr>
+                                      <p:to>
+                                        <p:strVal val="visible"/>
+                                      </p:to>
+                                    </p:set>
+                                    <p:animEffect transition="in" filter="wipe(left)">
+                                      <p:cBhvr>
+                                        <p:cTn id="7" dur="500"/>
+                                        <p:tgtEl>
+                                          <p:spTgt spid="21"/>
+                                        </p:tgtEl>
+                                      </p:cBhvr>
+                                    </p:animEffect>
+                                  </p:childTnLst>
+                                </p:cTn>
+                              </p:par>
+                            </p:childTnLst>
+                          </p:cTn>
+                        </p:par>
+                        <p:par>
+                          <p:cTn id="8" fill="hold">
+                            <p:stCondLst>
+                              <p:cond delay="1000"/>
+                            </p:stCondLst>
+                            <p:childTnLst>
+                              <p:par>
+                                <p:cTn id="9" presetID="22" presetClass="entr" presetSubtype="8" fill="hold" grpId="0" nodeType="afterEffect">
+                                  <p:stCondLst>
+                                    <p:cond delay="0"/>
+                                  </p:stCondLst>
+                                  <p:childTnLst>
+                                    <p:set>
+                                      <p:cBhvr>
+                                        <p:cTn id="10" dur="1" fill="hold">
+                                          <p:stCondLst>
+                                            <p:cond delay="0"/>
+                                          </p:stCondLst>
+                                        </p:cTn>
+                                        <p:tgtEl>
+                                          <p:spTgt spid="20"/>
+                                        </p:tgtEl>
+                                        <p:attrNameLst>
+                                          <p:attrName>style.visibility</p:attrName>
+                                        </p:attrNameLst>
+                                      </p:cBhvr>
+                                      <p:to>
+                                        <p:strVal val="visible"/>
+                                      </p:to>
+                                    </p:set>
+                                    <p:animEffect transition="in" filter="wipe(left)">
+                                      <p:cBhvr>
+                                        <p:cTn id="11" dur="500"/>
+                                        <p:tgtEl>
+                                          <p:spTgt spid="20"/>
+                                        </p:tgtEl>
+                                      </p:cBhvr>
+                                    </p:animEffect>
+                                  </p:childTnLst>
+                                </p:cTn>
+                              </p:par>
+                            </p:childTnLst>
+                          </p:cTn>
+                        </p:par>
+                        <p:par>
+                          <p:cTn id="12" fill="hold">
+                            <p:stCondLst>
+                              <p:cond delay="1500"/>
+                            </p:stCondLst>
+                            <p:childTnLst>
+                              <p:par>
+                                <p:cTn id="13" presetID="31" presetClass="entr" presetSubtype="0" fill="hold" grpId="0" nodeType="afterEffect">
+                                  <p:stCondLst>
+                                    <p:cond delay="0"/>
+                                  </p:stCondLst>
+                                  <p:childTnLst>
+                                    <p:set>
+                                      <p:cBhvr>
+                                        <p:cTn id="14" dur="1" fill="hold">
+                                          <p:stCondLst>
+                                            <p:cond delay="0"/>
+                                          </p:stCondLst>
+                                        </p:cTn>
+                                        <p:tgtEl>
+                                          <p:spTgt spid="38"/>
+                                        </p:tgtEl>
+                                        <p:attrNameLst>
+                                          <p:attrName>style.visibility</p:attrName>
+                                        </p:attrNameLst>
+                                      </p:cBhvr>
+                                      <p:to>
+                                        <p:strVal val="visible"/>
+                                      </p:to>
+                                    </p:set>
+                                    <p:anim calcmode="lin" valueType="num">
+                                      <p:cBhvr>
+                                        <p:cTn id="15" dur="500" fill="hold"/>
+                                        <p:tgtEl>
+                                          <p:spTgt spid="38"/>
+                                        </p:tgtEl>
+                                        <p:attrNameLst>
+                                          <p:attrName>ppt_w</p:attrName>
+                                        </p:attrNameLst>
+                                      </p:cBhvr>
+                                      <p:tavLst>
+                                        <p:tav tm="0">
+                                          <p:val>
+                                            <p:fltVal val="0"/>
+                                          </p:val>
+                                        </p:tav>
+                                        <p:tav tm="100000">
+                                          <p:val>
+                                            <p:strVal val="#ppt_w"/>
+                                          </p:val>
+                                        </p:tav>
+                                      </p:tavLst>
+                                    </p:anim>
+                                    <p:anim calcmode="lin" valueType="num">
+                                      <p:cBhvr>
+                                        <p:cTn id="16" dur="500" fill="hold"/>
+                                        <p:tgtEl>
+                                          <p:spTgt spid="38"/>
+                                        </p:tgtEl>
+                                        <p:attrNameLst>
+                                          <p:attrName>ppt_h</p:attrName>
+                                        </p:attrNameLst>
+                                      </p:cBhvr>
+                                      <p:tavLst>
+                                        <p:tav tm="0">
+                                          <p:val>
+                                            <p:fltVal val="0"/>
+                                          </p:val>
+                                        </p:tav>
+                                        <p:tav tm="100000">
+                                          <p:val>
+                                            <p:strVal val="#ppt_h"/>
+                                          </p:val>
+                                        </p:tav>
+                                      </p:tavLst>
+                                    </p:anim>
+                                    <p:anim calcmode="lin" valueType="num">
+                                      <p:cBhvr>
+                                        <p:cTn id="17" dur="500" fill="hold"/>
+                                        <p:tgtEl>
+                                          <p:spTgt spid="38"/>
+                                        </p:tgtEl>
+                                        <p:attrNameLst>
+                                          <p:attrName>style.rotation</p:attrName>
+                                        </p:attrNameLst>
+                                      </p:cBhvr>
+                                      <p:tavLst>
+                                        <p:tav tm="0">
+                                          <p:val>
+                                            <p:fltVal val="90"/>
+                                          </p:val>
+                                        </p:tav>
+                                        <p:tav tm="100000">
+                                          <p:val>
+                                            <p:fltVal val="0"/>
+                                          </p:val>
+                                        </p:tav>
+                                      </p:tavLst>
+                                    </p:anim>
+                                    <p:animEffect transition="in" filter="fade">
+                                      <p:cBhvr>
+                                        <p:cTn id="18" dur="500"/>
+                                        <p:tgtEl>
+                                          <p:spTgt spid="38"/>
+                                        </p:tgtEl>
+                                      </p:cBhvr>
+                                    </p:animEffect>
+                                  </p:childTnLst>
+                                </p:cTn>
+                              </p:par>
+                              <p:par>
+                                <p:cTn id="19" presetID="31" presetClass="entr" presetSubtype="0" fill="hold" grpId="0" nodeType="withEffect">
+                                  <p:stCondLst>
+                                    <p:cond delay="0"/>
+                                  </p:stCondLst>
+                                  <p:childTnLst>
+                                    <p:set>
+                                      <p:cBhvr>
+                                        <p:cTn id="20" dur="1" fill="hold">
+                                          <p:stCondLst>
+                                            <p:cond delay="0"/>
+                                          </p:stCondLst>
+                                        </p:cTn>
+                                        <p:tgtEl>
+                                          <p:spTgt spid="39"/>
+                                        </p:tgtEl>
+                                        <p:attrNameLst>
+                                          <p:attrName>style.visibility</p:attrName>
+                                        </p:attrNameLst>
+                                      </p:cBhvr>
+                                      <p:to>
+                                        <p:strVal val="visible"/>
+                                      </p:to>
+                                    </p:set>
+                                    <p:anim calcmode="lin" valueType="num">
+                                      <p:cBhvr>
+                                        <p:cTn id="21" dur="500" fill="hold"/>
+                                        <p:tgtEl>
+                                          <p:spTgt spid="39"/>
+                                        </p:tgtEl>
+                                        <p:attrNameLst>
+                                          <p:attrName>ppt_w</p:attrName>
+                                        </p:attrNameLst>
+                                      </p:cBhvr>
+                                      <p:tavLst>
+                                        <p:tav tm="0">
+                                          <p:val>
+                                            <p:fltVal val="0"/>
+                                          </p:val>
+                                        </p:tav>
+                                        <p:tav tm="100000">
+                                          <p:val>
+                                            <p:strVal val="#ppt_w"/>
+                                          </p:val>
+                                        </p:tav>
+                                      </p:tavLst>
+                                    </p:anim>
+                                    <p:anim calcmode="lin" valueType="num">
+                                      <p:cBhvr>
+                                        <p:cTn id="22" dur="500" fill="hold"/>
+                                        <p:tgtEl>
+                                          <p:spTgt spid="39"/>
+                                        </p:tgtEl>
+                                        <p:attrNameLst>
+                                          <p:attrName>ppt_h</p:attrName>
+                                        </p:attrNameLst>
+                                      </p:cBhvr>
+                                      <p:tavLst>
+                                        <p:tav tm="0">
+                                          <p:val>
+                                            <p:fltVal val="0"/>
+                                          </p:val>
+                                        </p:tav>
+                                        <p:tav tm="100000">
+                                          <p:val>
+                                            <p:strVal val="#ppt_h"/>
+                                          </p:val>
+                                        </p:tav>
+                                      </p:tavLst>
+                                    </p:anim>
+                                    <p:anim calcmode="lin" valueType="num">
+                                      <p:cBhvr>
+                                        <p:cTn id="23" dur="500" fill="hold"/>
+                                        <p:tgtEl>
+                                          <p:spTgt spid="39"/>
+                                        </p:tgtEl>
+                                        <p:attrNameLst>
+                                          <p:attrName>style.rotation</p:attrName>
+                                        </p:attrNameLst>
+                                      </p:cBhvr>
+                                      <p:tavLst>
+                                        <p:tav tm="0">
+                                          <p:val>
+                                            <p:fltVal val="90"/>
+                                          </p:val>
+                                        </p:tav>
+                                        <p:tav tm="100000">
+                                          <p:val>
+                                            <p:fltVal val="0"/>
+                                          </p:val>
+                                        </p:tav>
+                                      </p:tavLst>
+                                    </p:anim>
+                                    <p:animEffect transition="in" filter="fade">
+                                      <p:cBhvr>
+                                        <p:cTn id="24" dur="500"/>
+                                        <p:tgtEl>
+                                          <p:spTgt spid="39"/>
+                                        </p:tgtEl>
+                                      </p:cBhvr>
+                                    </p:animEffect>
+                                  </p:childTnLst>
+                                </p:cTn>
+                              </p:par>
+                              <p:par>
+                                <p:cTn id="25" presetID="31" presetClass="entr" presetSubtype="0" fill="hold" grpId="0" nodeType="withEffect">
+                                  <p:stCondLst>
+                                    <p:cond delay="0"/>
+                                  </p:stCondLst>
+                                  <p:childTnLst>
+                                    <p:set>
+                                      <p:cBhvr>
+                                        <p:cTn id="26" dur="1" fill="hold">
+                                          <p:stCondLst>
+                                            <p:cond delay="0"/>
+                                          </p:stCondLst>
+                                        </p:cTn>
+                                        <p:tgtEl>
+                                          <p:spTgt spid="22"/>
+                                        </p:tgtEl>
+                                        <p:attrNameLst>
+                                          <p:attrName>style.visibility</p:attrName>
+                                        </p:attrNameLst>
+                                      </p:cBhvr>
+                                      <p:to>
+                                        <p:strVal val="visible"/>
+                                      </p:to>
+                                    </p:set>
+                                    <p:anim calcmode="lin" valueType="num">
+                                      <p:cBhvr>
+                                        <p:cTn id="27" dur="500" fill="hold"/>
+                                        <p:tgtEl>
+                                          <p:spTgt spid="22"/>
+                                        </p:tgtEl>
+                                        <p:attrNameLst>
+                                          <p:attrName>ppt_w</p:attrName>
+                                        </p:attrNameLst>
+                                      </p:cBhvr>
+                                      <p:tavLst>
+                                        <p:tav tm="0">
+                                          <p:val>
+                                            <p:fltVal val="0"/>
+                                          </p:val>
+                                        </p:tav>
+                                        <p:tav tm="100000">
+                                          <p:val>
+                                            <p:strVal val="#ppt_w"/>
+                                          </p:val>
+                                        </p:tav>
+                                      </p:tavLst>
+                                    </p:anim>
+                                    <p:anim calcmode="lin" valueType="num">
+                                      <p:cBhvr>
+                                        <p:cTn id="28" dur="500" fill="hold"/>
+                                        <p:tgtEl>
+                                          <p:spTgt spid="22"/>
+                                        </p:tgtEl>
+                                        <p:attrNameLst>
+                                          <p:attrName>ppt_h</p:attrName>
+                                        </p:attrNameLst>
+                                      </p:cBhvr>
+                                      <p:tavLst>
+                                        <p:tav tm="0">
+                                          <p:val>
+                                            <p:fltVal val="0"/>
+                                          </p:val>
+                                        </p:tav>
+                                        <p:tav tm="100000">
+                                          <p:val>
+                                            <p:strVal val="#ppt_h"/>
+                                          </p:val>
+                                        </p:tav>
+                                      </p:tavLst>
+                                    </p:anim>
+                                    <p:anim calcmode="lin" valueType="num">
+                                      <p:cBhvr>
+                                        <p:cTn id="29" dur="500" fill="hold"/>
+                                        <p:tgtEl>
+                                          <p:spTgt spid="22"/>
+                                        </p:tgtEl>
+                                        <p:attrNameLst>
+                                          <p:attrName>style.rotation</p:attrName>
+                                        </p:attrNameLst>
+                                      </p:cBhvr>
+                                      <p:tavLst>
+                                        <p:tav tm="0">
+                                          <p:val>
+                                            <p:fltVal val="90"/>
+                                          </p:val>
+                                        </p:tav>
+                                        <p:tav tm="100000">
+                                          <p:val>
+                                            <p:fltVal val="0"/>
+                                          </p:val>
+                                        </p:tav>
+                                      </p:tavLst>
+                                    </p:anim>
+                                    <p:animEffect transition="in" filter="fade">
+                                      <p:cBhvr>
+                                        <p:cTn id="30" dur="500"/>
+                                        <p:tgtEl>
+                                          <p:spTgt spid="22"/>
+                                        </p:tgtEl>
+                                      </p:cBhvr>
+                                    </p:animEffect>
+                                  </p:childTnLst>
+                                </p:cTn>
+                              </p:par>
+                              <p:par>
+                                <p:cTn id="31" presetID="31" presetClass="entr" presetSubtype="0" fill="hold" grpId="0" nodeType="withEffect">
+                                  <p:stCondLst>
+                                    <p:cond delay="0"/>
+                                  </p:stCondLst>
+                                  <p:childTnLst>
+                                    <p:set>
+                                      <p:cBhvr>
+                                        <p:cTn id="32" dur="1" fill="hold">
+                                          <p:stCondLst>
+                                            <p:cond delay="0"/>
+                                          </p:stCondLst>
+                                        </p:cTn>
+                                        <p:tgtEl>
+                                          <p:spTgt spid="23"/>
+                                        </p:tgtEl>
+                                        <p:attrNameLst>
+                                          <p:attrName>style.visibility</p:attrName>
+                                        </p:attrNameLst>
+                                      </p:cBhvr>
+                                      <p:to>
+                                        <p:strVal val="visible"/>
+                                      </p:to>
+                                    </p:set>
+                                    <p:anim calcmode="lin" valueType="num">
+                                      <p:cBhvr>
+                                        <p:cTn id="33" dur="500" fill="hold"/>
+                                        <p:tgtEl>
+                                          <p:spTgt spid="23"/>
+                                        </p:tgtEl>
+                                        <p:attrNameLst>
+                                          <p:attrName>ppt_w</p:attrName>
+                                        </p:attrNameLst>
+                                      </p:cBhvr>
+                                      <p:tavLst>
+                                        <p:tav tm="0">
+                                          <p:val>
+                                            <p:fltVal val="0"/>
+                                          </p:val>
+                                        </p:tav>
+                                        <p:tav tm="100000">
+                                          <p:val>
+                                            <p:strVal val="#ppt_w"/>
+                                          </p:val>
+                                        </p:tav>
+                                      </p:tavLst>
+                                    </p:anim>
+                                    <p:anim calcmode="lin" valueType="num">
+                                      <p:cBhvr>
+                                        <p:cTn id="34" dur="500" fill="hold"/>
+                                        <p:tgtEl>
+                                          <p:spTgt spid="23"/>
+                                        </p:tgtEl>
+                                        <p:attrNameLst>
+                                          <p:attrName>ppt_h</p:attrName>
+                                        </p:attrNameLst>
+                                      </p:cBhvr>
+                                      <p:tavLst>
+                                        <p:tav tm="0">
+                                          <p:val>
+                                            <p:fltVal val="0"/>
+                                          </p:val>
+                                        </p:tav>
+                                        <p:tav tm="100000">
+                                          <p:val>
+                                            <p:strVal val="#ppt_h"/>
+                                          </p:val>
+                                        </p:tav>
+                                      </p:tavLst>
+                                    </p:anim>
+                                    <p:anim calcmode="lin" valueType="num">
+                                      <p:cBhvr>
+                                        <p:cTn id="35" dur="500" fill="hold"/>
+                                        <p:tgtEl>
+                                          <p:spTgt spid="23"/>
+                                        </p:tgtEl>
+                                        <p:attrNameLst>
+                                          <p:attrName>style.rotation</p:attrName>
+                                        </p:attrNameLst>
+                                      </p:cBhvr>
+                                      <p:tavLst>
+                                        <p:tav tm="0">
+                                          <p:val>
+                                            <p:fltVal val="90"/>
+                                          </p:val>
+                                        </p:tav>
+                                        <p:tav tm="100000">
+                                          <p:val>
+                                            <p:fltVal val="0"/>
+                                          </p:val>
+                                        </p:tav>
+                                      </p:tavLst>
+                                    </p:anim>
+                                    <p:animEffect transition="in" filter="fade">
+                                      <p:cBhvr>
+                                        <p:cTn id="36" dur="500"/>
+                                        <p:tgtEl>
+                                          <p:spTgt spid="23"/>
+                                        </p:tgtEl>
+                                      </p:cBhvr>
+                                    </p:animEffect>
+                                  </p:childTnLst>
+                                </p:cTn>
+                              </p:par>
+                            </p:childTnLst>
+                          </p:cTn>
+                        </p:par>
+                        <p:par>
+                          <p:cTn id="37" fill="hold">
+                            <p:stCondLst>
+                              <p:cond delay="2000"/>
+                            </p:stCondLst>
+                            <p:childTnLst>
+                              <p:par>
+                                <p:cTn id="38" presetID="22" presetClass="entr" presetSubtype="1" fill="hold" grpId="0" nodeType="afterEffect">
+                                  <p:stCondLst>
+                                    <p:cond delay="0"/>
+                                  </p:stCondLst>
+                                  <p:childTnLst>
+                                    <p:set>
+                                      <p:cBhvr>
+                                        <p:cTn id="39" dur="1" fill="hold">
+                                          <p:stCondLst>
+                                            <p:cond delay="0"/>
+                                          </p:stCondLst>
+                                        </p:cTn>
+                                        <p:tgtEl>
+                                          <p:spTgt spid="28"/>
+                                        </p:tgtEl>
+                                        <p:attrNameLst>
+                                          <p:attrName>style.visibility</p:attrName>
+                                        </p:attrNameLst>
+                                      </p:cBhvr>
+                                      <p:to>
+                                        <p:strVal val="visible"/>
+                                      </p:to>
+                                    </p:set>
+                                    <p:animEffect transition="in" filter="wipe(up)">
+                                      <p:cBhvr>
+                                        <p:cTn id="40" dur="1000"/>
+                                        <p:tgtEl>
+                                          <p:spTgt spid="28"/>
+                                        </p:tgtEl>
+                                      </p:cBhvr>
+                                    </p:animEffect>
+                                  </p:childTnLst>
+                                </p:cTn>
+                              </p:par>
+                            </p:childTnLst>
+                          </p:cTn>
+                        </p:par>
+                        <p:par>
+                          <p:cTn id="41" fill="hold">
+                            <p:stCondLst>
+                              <p:cond delay="3000"/>
+                            </p:stCondLst>
+                            <p:childTnLst>
+                              <p:par>
+                                <p:cTn id="42" presetID="22" presetClass="entr" presetSubtype="8" fill="hold" grpId="0" nodeType="afterEffect">
+                                  <p:stCondLst>
+                                    <p:cond delay="0"/>
+                                  </p:stCondLst>
+                                  <p:childTnLst>
+                                    <p:set>
+                                      <p:cBhvr>
+                                        <p:cTn id="43" dur="1" fill="hold">
+                                          <p:stCondLst>
+                                            <p:cond delay="0"/>
+                                          </p:stCondLst>
+                                        </p:cTn>
+                                        <p:tgtEl>
+                                          <p:spTgt spid="30"/>
+                                        </p:tgtEl>
+                                        <p:attrNameLst>
+                                          <p:attrName>style.visibility</p:attrName>
+                                        </p:attrNameLst>
+                                      </p:cBhvr>
+                                      <p:to>
+                                        <p:strVal val="visible"/>
+                                      </p:to>
+                                    </p:set>
+                                    <p:animEffect transition="in" filter="wipe(left)">
+                                      <p:cBhvr>
+                                        <p:cTn id="44" dur="500"/>
+                                        <p:tgtEl>
+                                          <p:spTgt spid="30"/>
+                                        </p:tgtEl>
+                                      </p:cBhvr>
+                                    </p:animEffect>
+                                  </p:childTnLst>
+                                </p:cTn>
+                              </p:par>
+                              <p:par>
+                                <p:cTn id="45" presetID="22" presetClass="entr" presetSubtype="8" fill="hold" grpId="0" nodeType="withEffect">
+                                  <p:stCondLst>
+                                    <p:cond delay="0"/>
+                                  </p:stCondLst>
+                                  <p:childTnLst>
+                                    <p:set>
+                                      <p:cBhvr>
+                                        <p:cTn id="46" dur="1" fill="hold">
+                                          <p:stCondLst>
+                                            <p:cond delay="0"/>
+                                          </p:stCondLst>
+                                        </p:cTn>
+                                        <p:tgtEl>
+                                          <p:spTgt spid="2"/>
+                                        </p:tgtEl>
+                                        <p:attrNameLst>
+                                          <p:attrName>style.visibility</p:attrName>
+                                        </p:attrNameLst>
+                                      </p:cBhvr>
+                                      <p:to>
+                                        <p:strVal val="visible"/>
+                                      </p:to>
+                                    </p:set>
+                                    <p:animEffect transition="in" filter="wipe(left)">
+                                      <p:cBhvr>
+                                        <p:cTn id="47" dur="500"/>
+                                        <p:tgtEl>
+                                          <p:spTgt spid="2"/>
+                                        </p:tgtEl>
+                                      </p:cBhvr>
+                                    </p:animEffect>
+                                  </p:childTnLst>
+                                </p:cTn>
+                              </p:par>
+                            </p:childTnLst>
+                          </p:cTn>
+                        </p:par>
+                        <p:par>
+                          <p:cTn id="48" fill="hold">
+                            <p:stCondLst>
+                              <p:cond delay="3500"/>
+                            </p:stCondLst>
+                            <p:childTnLst>
+                              <p:par>
+                                <p:cTn id="49" presetID="22" presetClass="entr" presetSubtype="8" fill="hold" grpId="0" nodeType="afterEffect">
+                                  <p:stCondLst>
+                                    <p:cond delay="0"/>
+                                  </p:stCondLst>
+                                  <p:childTnLst>
+                                    <p:set>
+                                      <p:cBhvr>
+                                        <p:cTn id="50" dur="1" fill="hold">
+                                          <p:stCondLst>
+                                            <p:cond delay="0"/>
+                                          </p:stCondLst>
+                                        </p:cTn>
+                                        <p:tgtEl>
+                                          <p:spTgt spid="25"/>
+                                        </p:tgtEl>
+                                        <p:attrNameLst>
+                                          <p:attrName>style.visibility</p:attrName>
+                                        </p:attrNameLst>
+                                      </p:cBhvr>
+                                      <p:to>
+                                        <p:strVal val="visible"/>
+                                      </p:to>
+                                    </p:set>
+                                    <p:animEffect transition="in" filter="wipe(left)">
+                                      <p:cBhvr>
+                                        <p:cTn id="51" dur="500"/>
+                                        <p:tgtEl>
+                                          <p:spTgt spid="25"/>
+                                        </p:tgtEl>
+                                      </p:cBhvr>
+                                    </p:animEffect>
+                                  </p:childTnLst>
+                                </p:cTn>
+                              </p:par>
+                              <p:par>
+                                <p:cTn id="52" presetID="22" presetClass="entr" presetSubtype="8" fill="hold" grpId="0" nodeType="withEffect">
+                                  <p:stCondLst>
+                                    <p:cond delay="0"/>
+                                  </p:stCondLst>
+                                  <p:childTnLst>
+                                    <p:set>
+                                      <p:cBhvr>
+                                        <p:cTn id="53" dur="1" fill="hold">
+                                          <p:stCondLst>
+                                            <p:cond delay="0"/>
+                                          </p:stCondLst>
+                                        </p:cTn>
+                                        <p:tgtEl>
+                                          <p:spTgt spid="73"/>
+                                        </p:tgtEl>
+                                        <p:attrNameLst>
+                                          <p:attrName>style.visibility</p:attrName>
+                                        </p:attrNameLst>
+                                      </p:cBhvr>
+                                      <p:to>
+                                        <p:strVal val="visible"/>
+                                      </p:to>
+                                    </p:set>
+                                    <p:animEffect transition="in" filter="wipe(left)">
+                                      <p:cBhvr>
+                                        <p:cTn id="54" dur="500"/>
+                                        <p:tgtEl>
+                                          <p:spTgt spid="73"/>
+                                        </p:tgtEl>
+                                      </p:cBhvr>
+                                    </p:animEffect>
+                                  </p:childTnLst>
+                                </p:cTn>
+                              </p:par>
+                            </p:childTnLst>
+                          </p:cTn>
+                        </p:par>
+                        <p:par>
+                          <p:cTn id="55" fill="hold">
+                            <p:stCondLst>
+                              <p:cond delay="4000"/>
+                            </p:stCondLst>
+                            <p:childTnLst>
+                              <p:par>
+                                <p:cTn id="56" presetID="22" presetClass="entr" presetSubtype="8" fill="hold" grpId="0" nodeType="afterEffect">
+                                  <p:stCondLst>
+                                    <p:cond delay="0"/>
+                                  </p:stCondLst>
+                                  <p:childTnLst>
+                                    <p:set>
+                                      <p:cBhvr>
+                                        <p:cTn id="57" dur="1" fill="hold">
+                                          <p:stCondLst>
+                                            <p:cond delay="0"/>
+                                          </p:stCondLst>
+                                        </p:cTn>
+                                        <p:tgtEl>
+                                          <p:spTgt spid="26"/>
+                                        </p:tgtEl>
+                                        <p:attrNameLst>
+                                          <p:attrName>style.visibility</p:attrName>
+                                        </p:attrNameLst>
+                                      </p:cBhvr>
+                                      <p:to>
+                                        <p:strVal val="visible"/>
+                                      </p:to>
+                                    </p:set>
+                                    <p:animEffect transition="in" filter="wipe(left)">
+                                      <p:cBhvr>
+                                        <p:cTn id="58" dur="500"/>
+                                        <p:tgtEl>
+                                          <p:spTgt spid="26"/>
+                                        </p:tgtEl>
+                                      </p:cBhvr>
+                                    </p:animEffect>
+                                  </p:childTnLst>
+                                </p:cTn>
+                              </p:par>
+                              <p:par>
+                                <p:cTn id="59" presetID="22" presetClass="entr" presetSubtype="8" fill="hold" grpId="0" nodeType="withEffect">
+                                  <p:stCondLst>
+                                    <p:cond delay="0"/>
+                                  </p:stCondLst>
+                                  <p:childTnLst>
+                                    <p:set>
+                                      <p:cBhvr>
+                                        <p:cTn id="60" dur="1" fill="hold">
+                                          <p:stCondLst>
+                                            <p:cond delay="0"/>
+                                          </p:stCondLst>
+                                        </p:cTn>
+                                        <p:tgtEl>
+                                          <p:spTgt spid="74"/>
+                                        </p:tgtEl>
+                                        <p:attrNameLst>
+                                          <p:attrName>style.visibility</p:attrName>
+                                        </p:attrNameLst>
+                                      </p:cBhvr>
+                                      <p:to>
+                                        <p:strVal val="visible"/>
+                                      </p:to>
+                                    </p:set>
+                                    <p:animEffect transition="in" filter="wipe(left)">
+                                      <p:cBhvr>
+                                        <p:cTn id="61" dur="500"/>
+                                        <p:tgtEl>
+                                          <p:spTgt spid="74"/>
+                                        </p:tgtEl>
+                                      </p:cBhvr>
+                                    </p:animEffect>
+                                  </p:childTnLst>
+                                </p:cTn>
+                              </p:par>
+                            </p:childTnLst>
+                          </p:cTn>
+                        </p:par>
+                        <p:par>
+                          <p:cTn id="62" fill="hold">
+                            <p:stCondLst>
+                              <p:cond delay="4500"/>
+                            </p:stCondLst>
+                            <p:childTnLst>
+                              <p:par>
+                                <p:cTn id="63" presetID="22" presetClass="entr" presetSubtype="8" fill="hold" grpId="0" nodeType="afterEffect">
+                                  <p:stCondLst>
+                                    <p:cond delay="0"/>
+                                  </p:stCondLst>
+                                  <p:childTnLst>
+                                    <p:set>
+                                      <p:cBhvr>
+                                        <p:cTn id="64" dur="1" fill="hold">
+                                          <p:stCondLst>
+                                            <p:cond delay="0"/>
+                                          </p:stCondLst>
+                                        </p:cTn>
+                                        <p:tgtEl>
+                                          <p:spTgt spid="27"/>
+                                        </p:tgtEl>
+                                        <p:attrNameLst>
+                                          <p:attrName>style.visibility</p:attrName>
+                                        </p:attrNameLst>
+                                      </p:cBhvr>
+                                      <p:to>
+                                        <p:strVal val="visible"/>
+                                      </p:to>
+                                    </p:set>
+                                    <p:animEffect transition="in" filter="wipe(left)">
+                                      <p:cBhvr>
+                                        <p:cTn id="65" dur="500"/>
+                                        <p:tgtEl>
+                                          <p:spTgt spid="27"/>
+                                        </p:tgtEl>
+                                      </p:cBhvr>
+                                    </p:animEffect>
+                                  </p:childTnLst>
+                                </p:cTn>
+                              </p:par>
+                              <p:par>
+                                <p:cTn id="66" presetID="22" presetClass="entr" presetSubtype="8" fill="hold" grpId="0" nodeType="withEffect">
+                                  <p:stCondLst>
+                                    <p:cond delay="0"/>
+                                  </p:stCondLst>
+                                  <p:childTnLst>
+                                    <p:set>
+                                      <p:cBhvr>
+                                        <p:cTn id="67" dur="1" fill="hold">
+                                          <p:stCondLst>
+                                            <p:cond delay="0"/>
+                                          </p:stCondLst>
+                                        </p:cTn>
+                                        <p:tgtEl>
+                                          <p:spTgt spid="75"/>
+                                        </p:tgtEl>
+                                        <p:attrNameLst>
+                                          <p:attrName>style.visibility</p:attrName>
+                                        </p:attrNameLst>
+                                      </p:cBhvr>
+                                      <p:to>
+                                        <p:strVal val="visible"/>
+                                      </p:to>
+                                    </p:set>
+                                    <p:animEffect transition="in" filter="wipe(left)">
+                                      <p:cBhvr>
+                                        <p:cTn id="68" dur="500"/>
+                                        <p:tgtEl>
+                                          <p:spTgt spid="75"/>
+                                        </p:tgtEl>
+                                      </p:cBhvr>
+                                    </p:animEffect>
+                                  </p:childTnLst>
+                                </p:cTn>
+                              </p:par>
+                            </p:childTnLst>
+                          </p:cTn>
+                        </p:par>
+                      </p:childTnLst>
+                    </p:cTn>
+                  </p:par>
+                </p:childTnLst>
+              </p:cTn>
+              <p:prevCondLst>
+                <p:cond evt="onPrev" delay="0">
+                  <p:tgtEl>
+                    <p:sldTgt/>
+                  </p:tgtEl>
+                </p:cond>
+              </p:prevCondLst>
+              <p:nextCondLst>
+                <p:cond evt="onNext" delay="0">
+                  <p:tgtEl>
+                    <p:sldTgt/>
+                  </p:tgtEl>
+                </p:cond>
+              </p:nextCondLst>
+            </p:seq>
+          </p:childTnLst>
+        </p:cTn>
+      </p:par>
+    </p:tnLst>
+    <p:bldLst>
+      <p:bldP spid="20" grpId="0" animBg="1"/>
+      <p:bldP spid="21" grpId="0" animBg="1"/>
+      <p:bldP spid="28" grpId="0" animBg="1"/>
+      <p:bldP spid="30" grpId="0" animBg="1"/>
+      <p:bldP spid="73" grpId="0" animBg="1"/>
+      <p:bldP spid="74" grpId="0" animBg="1"/>
+      <p:bldP spid="75" grpId="0" animBg="1"/>
+      <p:bldP spid="2" grpId="0"/>
+      <p:bldP spid="25" grpId="0"/>
+      <p:bldP spid="26" grpId="0"/>
+      <p:bldP spid="27" grpId="0"/>
+      <p:bldP spid="22" grpId="0" animBg="1"/>
+      <p:bldP spid="23" grpId="0" animBg="1"/>
+      <p:bldP spid="38" grpId="0"/>
+      <p:bldP spid="39" grpId="0"/>
+    </p:bldLst>
+  </p:timing>
+</p:sld>
+</file>
+
+<file path=ppt/slides/slide20.xml><?xml version="1.0" encoding="utf-8"?>
 <p:sld xmlns:a="http://schemas.openxmlformats.org/drawingml/2006/main" xmlns:r="http://schemas.openxmlformats.org/officeDocument/2006/relationships" xmlns:p="http://schemas.openxmlformats.org/presentationml/2006/main">
   <p:cSld>
     <p:spTree>
@@ -24218,7 +30858,7 @@
 </p:sld>
 </file>
 
-<file path=ppt/slides/slide17.xml><?xml version="1.0" encoding="utf-8"?>
+<file path=ppt/slides/slide21.xml><?xml version="1.0" encoding="utf-8"?>
 <p:sld xmlns:a="http://schemas.openxmlformats.org/drawingml/2006/main" xmlns:r="http://schemas.openxmlformats.org/officeDocument/2006/relationships" xmlns:p="http://schemas.openxmlformats.org/presentationml/2006/main">
   <p:cSld>
     <p:spTree>
@@ -25324,7 +31964,7 @@
 </p:sld>
 </file>
 
-<file path=ppt/slides/slide18.xml><?xml version="1.0" encoding="utf-8"?>
+<file path=ppt/slides/slide22.xml><?xml version="1.0" encoding="utf-8"?>
 <p:sld xmlns:a="http://schemas.openxmlformats.org/drawingml/2006/main" xmlns:r="http://schemas.openxmlformats.org/officeDocument/2006/relationships" xmlns:p="http://schemas.openxmlformats.org/presentationml/2006/main">
   <p:cSld>
     <p:spTree>
@@ -26195,2630 +32835,6 @@
       </p14:showEvtLst>
     </p:ext>
   </p:extLst>
-</p:sld>
-</file>
-
-<file path=ppt/slides/slide2.xml><?xml version="1.0" encoding="utf-8"?>
-<p:sld xmlns:a="http://schemas.openxmlformats.org/drawingml/2006/main" xmlns:r="http://schemas.openxmlformats.org/officeDocument/2006/relationships" xmlns:p="http://schemas.openxmlformats.org/presentationml/2006/main">
-  <p:cSld>
-    <p:spTree>
-      <p:nvGrpSpPr>
-        <p:cNvPr id="1" name=""/>
-        <p:cNvGrpSpPr/>
-        <p:nvPr/>
-      </p:nvGrpSpPr>
-      <p:grpSpPr>
-        <a:xfrm>
-          <a:off x="0" y="0"/>
-          <a:ext cx="0" cy="0"/>
-          <a:chOff x="0" y="0"/>
-          <a:chExt cx="0" cy="0"/>
-        </a:xfrm>
-      </p:grpSpPr>
-      <p:sp>
-        <p:nvSpPr>
-          <p:cNvPr id="20" name="Rectangle 12"/>
-          <p:cNvSpPr>
-            <a:spLocks noChangeArrowheads="1"/>
-          </p:cNvSpPr>
-          <p:nvPr/>
-        </p:nvSpPr>
-        <p:spPr bwMode="auto">
-          <a:xfrm>
-            <a:off x="8247686" y="1357880"/>
-            <a:ext cx="900230" cy="2094131"/>
-          </a:xfrm>
-          <a:prstGeom prst="rect">
-            <a:avLst/>
-          </a:prstGeom>
-          <a:solidFill>
-            <a:srgbClr val="314865"/>
-          </a:solidFill>
-          <a:ln>
-            <a:noFill/>
-          </a:ln>
-        </p:spPr>
-        <p:txBody>
-          <a:bodyPr vert="horz" wrap="square" lIns="81614" tIns="40807" rIns="81614" bIns="40807" numCol="1" anchor="t" anchorCtr="0" compatLnSpc="1">
-            <a:prstTxWarp prst="textNoShape">
-              <a:avLst/>
-            </a:prstTxWarp>
-          </a:bodyPr>
-          <a:lstStyle/>
-          <a:p>
-            <a:endParaRPr lang="zh-CN" altLang="en-US"/>
-          </a:p>
-        </p:txBody>
-      </p:sp>
-      <p:sp>
-        <p:nvSpPr>
-          <p:cNvPr id="21" name="Freeform 13"/>
-          <p:cNvSpPr>
-            <a:spLocks/>
-          </p:cNvSpPr>
-          <p:nvPr/>
-        </p:nvSpPr>
-        <p:spPr bwMode="auto">
-          <a:xfrm>
-            <a:off x="0" y="1357881"/>
-            <a:ext cx="1461752" cy="2094131"/>
-          </a:xfrm>
-          <a:custGeom>
-            <a:avLst/>
-            <a:gdLst>
-              <a:gd name="T0" fmla="*/ 2055 w 2055"/>
-              <a:gd name="T1" fmla="*/ 3548 h 3548"/>
-              <a:gd name="T2" fmla="*/ 0 w 2055"/>
-              <a:gd name="T3" fmla="*/ 3548 h 3548"/>
-              <a:gd name="T4" fmla="*/ 0 w 2055"/>
-              <a:gd name="T5" fmla="*/ 0 h 3548"/>
-              <a:gd name="T6" fmla="*/ 2055 w 2055"/>
-              <a:gd name="T7" fmla="*/ 0 h 3548"/>
-              <a:gd name="T8" fmla="*/ 959 w 2055"/>
-              <a:gd name="T9" fmla="*/ 1774 h 3548"/>
-              <a:gd name="T10" fmla="*/ 2055 w 2055"/>
-              <a:gd name="T11" fmla="*/ 3548 h 3548"/>
-            </a:gdLst>
-            <a:ahLst/>
-            <a:cxnLst>
-              <a:cxn ang="0">
-                <a:pos x="T0" y="T1"/>
-              </a:cxn>
-              <a:cxn ang="0">
-                <a:pos x="T2" y="T3"/>
-              </a:cxn>
-              <a:cxn ang="0">
-                <a:pos x="T4" y="T5"/>
-              </a:cxn>
-              <a:cxn ang="0">
-                <a:pos x="T6" y="T7"/>
-              </a:cxn>
-              <a:cxn ang="0">
-                <a:pos x="T8" y="T9"/>
-              </a:cxn>
-              <a:cxn ang="0">
-                <a:pos x="T10" y="T11"/>
-              </a:cxn>
-            </a:cxnLst>
-            <a:rect l="0" t="0" r="r" b="b"/>
-            <a:pathLst>
-              <a:path w="2055" h="3548">
-                <a:moveTo>
-                  <a:pt x="2055" y="3548"/>
-                </a:moveTo>
-                <a:lnTo>
-                  <a:pt x="0" y="3548"/>
-                </a:lnTo>
-                <a:lnTo>
-                  <a:pt x="0" y="0"/>
-                </a:lnTo>
-                <a:lnTo>
-                  <a:pt x="2055" y="0"/>
-                </a:lnTo>
-                <a:cubicBezTo>
-                  <a:pt x="1407" y="317"/>
-                  <a:pt x="959" y="992"/>
-                  <a:pt x="959" y="1774"/>
-                </a:cubicBezTo>
-                <a:cubicBezTo>
-                  <a:pt x="959" y="2555"/>
-                  <a:pt x="1407" y="3231"/>
-                  <a:pt x="2055" y="3548"/>
-                </a:cubicBezTo>
-                <a:close/>
-              </a:path>
-            </a:pathLst>
-          </a:custGeom>
-          <a:solidFill>
-            <a:srgbClr val="314865"/>
-          </a:solidFill>
-          <a:ln>
-            <a:noFill/>
-          </a:ln>
-        </p:spPr>
-        <p:txBody>
-          <a:bodyPr vert="horz" wrap="square" lIns="81614" tIns="40807" rIns="81614" bIns="40807" numCol="1" anchor="t" anchorCtr="0" compatLnSpc="1">
-            <a:prstTxWarp prst="textNoShape">
-              <a:avLst/>
-            </a:prstTxWarp>
-          </a:bodyPr>
-          <a:lstStyle/>
-          <a:p>
-            <a:endParaRPr lang="zh-CN" altLang="en-US"/>
-          </a:p>
-        </p:txBody>
-      </p:sp>
-      <p:sp>
-        <p:nvSpPr>
-          <p:cNvPr id="28" name="Freeform 19"/>
-          <p:cNvSpPr>
-            <a:spLocks/>
-          </p:cNvSpPr>
-          <p:nvPr/>
-        </p:nvSpPr>
-        <p:spPr bwMode="auto">
-          <a:xfrm>
-            <a:off x="2538945" y="-318655"/>
-            <a:ext cx="1029373" cy="5188527"/>
-          </a:xfrm>
-          <a:custGeom>
-            <a:avLst/>
-            <a:gdLst>
-              <a:gd name="T0" fmla="*/ 0 w 1703"/>
-              <a:gd name="T1" fmla="*/ 0 h 9079"/>
-              <a:gd name="T2" fmla="*/ 1703 w 1703"/>
-              <a:gd name="T3" fmla="*/ 4539 h 9079"/>
-              <a:gd name="T4" fmla="*/ 0 w 1703"/>
-              <a:gd name="T5" fmla="*/ 9079 h 9079"/>
-            </a:gdLst>
-            <a:ahLst/>
-            <a:cxnLst>
-              <a:cxn ang="0">
-                <a:pos x="T0" y="T1"/>
-              </a:cxn>
-              <a:cxn ang="0">
-                <a:pos x="T2" y="T3"/>
-              </a:cxn>
-              <a:cxn ang="0">
-                <a:pos x="T4" y="T5"/>
-              </a:cxn>
-            </a:cxnLst>
-            <a:rect l="0" t="0" r="r" b="b"/>
-            <a:pathLst>
-              <a:path w="1703" h="9079">
-                <a:moveTo>
-                  <a:pt x="0" y="0"/>
-                </a:moveTo>
-                <a:cubicBezTo>
-                  <a:pt x="1060" y="1213"/>
-                  <a:pt x="1703" y="2801"/>
-                  <a:pt x="1703" y="4539"/>
-                </a:cubicBezTo>
-                <a:cubicBezTo>
-                  <a:pt x="1703" y="6277"/>
-                  <a:pt x="1060" y="7865"/>
-                  <a:pt x="0" y="9079"/>
-                </a:cubicBezTo>
-              </a:path>
-            </a:pathLst>
-          </a:custGeom>
-          <a:noFill/>
-          <a:ln w="8" cap="flat">
-            <a:solidFill>
-              <a:srgbClr val="2E2C2C"/>
-            </a:solidFill>
-            <a:prstDash val="dash"/>
-            <a:miter lim="800000"/>
-            <a:headEnd/>
-            <a:tailEnd/>
-          </a:ln>
-          <a:extLst>
-            <a:ext uri="{909E8E84-426E-40DD-AFC4-6F175D3DCCD1}">
-              <a14:hiddenFill xmlns:a14="http://schemas.microsoft.com/office/drawing/2010/main">
-                <a:solidFill>
-                  <a:srgbClr val="FFFFFF"/>
-                </a:solidFill>
-              </a14:hiddenFill>
-            </a:ext>
-          </a:extLst>
-        </p:spPr>
-        <p:txBody>
-          <a:bodyPr vert="horz" wrap="square" lIns="81614" tIns="40807" rIns="81614" bIns="40807" numCol="1" anchor="t" anchorCtr="0" compatLnSpc="1">
-            <a:prstTxWarp prst="textNoShape">
-              <a:avLst/>
-            </a:prstTxWarp>
-          </a:bodyPr>
-          <a:lstStyle/>
-          <a:p>
-            <a:endParaRPr lang="zh-CN" altLang="en-US"/>
-          </a:p>
-        </p:txBody>
-      </p:sp>
-      <p:sp>
-        <p:nvSpPr>
-          <p:cNvPr id="30" name="圆角矩形 29"/>
-          <p:cNvSpPr/>
-          <p:nvPr/>
-        </p:nvSpPr>
-        <p:spPr bwMode="auto">
-          <a:xfrm>
-            <a:off x="3664409" y="643679"/>
-            <a:ext cx="3442946" cy="456370"/>
-          </a:xfrm>
-          <a:prstGeom prst="roundRect">
-            <a:avLst>
-              <a:gd name="adj" fmla="val 50000"/>
-            </a:avLst>
-          </a:prstGeom>
-          <a:noFill/>
-          <a:ln w="9525" cap="flat" cmpd="sng" algn="ctr">
-            <a:solidFill>
-              <a:srgbClr val="314865"/>
-            </a:solidFill>
-            <a:prstDash val="solid"/>
-            <a:round/>
-            <a:headEnd type="none" w="med" len="med"/>
-            <a:tailEnd type="none" w="med" len="med"/>
-          </a:ln>
-          <a:effectLst/>
-        </p:spPr>
-        <p:txBody>
-          <a:bodyPr vert="horz" wrap="square" lIns="81614" tIns="40807" rIns="81614" bIns="40807" numCol="1" rtlCol="0" anchor="t" anchorCtr="0" compatLnSpc="1">
-            <a:prstTxWarp prst="textNoShape">
-              <a:avLst/>
-            </a:prstTxWarp>
-          </a:bodyPr>
-          <a:lstStyle/>
-          <a:p>
-            <a:pPr defTabSz="816143"/>
-            <a:endParaRPr lang="zh-CN" altLang="en-US">
-              <a:solidFill>
-                <a:schemeClr val="bg2">
-                  <a:lumMod val="25000"/>
-                </a:schemeClr>
-              </a:solidFill>
-            </a:endParaRPr>
-          </a:p>
-        </p:txBody>
-      </p:sp>
-      <p:sp>
-        <p:nvSpPr>
-          <p:cNvPr id="73" name="圆角矩形 72"/>
-          <p:cNvSpPr/>
-          <p:nvPr/>
-        </p:nvSpPr>
-        <p:spPr bwMode="auto">
-          <a:xfrm>
-            <a:off x="3861390" y="1435295"/>
-            <a:ext cx="3226119" cy="456370"/>
-          </a:xfrm>
-          <a:prstGeom prst="roundRect">
-            <a:avLst>
-              <a:gd name="adj" fmla="val 50000"/>
-            </a:avLst>
-          </a:prstGeom>
-          <a:noFill/>
-          <a:ln w="9525" cap="flat" cmpd="sng" algn="ctr">
-            <a:solidFill>
-              <a:srgbClr val="314865"/>
-            </a:solidFill>
-            <a:prstDash val="solid"/>
-            <a:round/>
-            <a:headEnd type="none" w="med" len="med"/>
-            <a:tailEnd type="none" w="med" len="med"/>
-          </a:ln>
-          <a:effectLst/>
-        </p:spPr>
-        <p:txBody>
-          <a:bodyPr vert="horz" wrap="square" lIns="81614" tIns="40807" rIns="81614" bIns="40807" numCol="1" rtlCol="0" anchor="t" anchorCtr="0" compatLnSpc="1">
-            <a:prstTxWarp prst="textNoShape">
-              <a:avLst/>
-            </a:prstTxWarp>
-          </a:bodyPr>
-          <a:lstStyle/>
-          <a:p>
-            <a:pPr defTabSz="816143"/>
-            <a:endParaRPr lang="zh-CN" altLang="en-US"/>
-          </a:p>
-        </p:txBody>
-      </p:sp>
-      <p:sp>
-        <p:nvSpPr>
-          <p:cNvPr id="74" name="圆角矩形 73"/>
-          <p:cNvSpPr/>
-          <p:nvPr/>
-        </p:nvSpPr>
-        <p:spPr bwMode="auto">
-          <a:xfrm>
-            <a:off x="3923988" y="2391961"/>
-            <a:ext cx="3145117" cy="456370"/>
-          </a:xfrm>
-          <a:prstGeom prst="roundRect">
-            <a:avLst>
-              <a:gd name="adj" fmla="val 50000"/>
-            </a:avLst>
-          </a:prstGeom>
-          <a:noFill/>
-          <a:ln w="9525" cap="flat" cmpd="sng" algn="ctr">
-            <a:solidFill>
-              <a:srgbClr val="314865"/>
-            </a:solidFill>
-            <a:prstDash val="solid"/>
-            <a:round/>
-            <a:headEnd type="none" w="med" len="med"/>
-            <a:tailEnd type="none" w="med" len="med"/>
-          </a:ln>
-          <a:effectLst/>
-        </p:spPr>
-        <p:txBody>
-          <a:bodyPr vert="horz" wrap="square" lIns="81614" tIns="40807" rIns="81614" bIns="40807" numCol="1" rtlCol="0" anchor="t" anchorCtr="0" compatLnSpc="1">
-            <a:prstTxWarp prst="textNoShape">
-              <a:avLst/>
-            </a:prstTxWarp>
-          </a:bodyPr>
-          <a:lstStyle/>
-          <a:p>
-            <a:pPr defTabSz="816143"/>
-            <a:endParaRPr lang="zh-CN" altLang="en-US"/>
-          </a:p>
-        </p:txBody>
-      </p:sp>
-      <p:sp>
-        <p:nvSpPr>
-          <p:cNvPr id="75" name="圆角矩形 74"/>
-          <p:cNvSpPr/>
-          <p:nvPr/>
-        </p:nvSpPr>
-        <p:spPr bwMode="auto">
-          <a:xfrm>
-            <a:off x="3721895" y="3336443"/>
-            <a:ext cx="3176049" cy="456370"/>
-          </a:xfrm>
-          <a:prstGeom prst="roundRect">
-            <a:avLst>
-              <a:gd name="adj" fmla="val 50000"/>
-            </a:avLst>
-          </a:prstGeom>
-          <a:noFill/>
-          <a:ln w="9525" cap="flat" cmpd="sng" algn="ctr">
-            <a:solidFill>
-              <a:srgbClr val="314865"/>
-            </a:solidFill>
-            <a:prstDash val="solid"/>
-            <a:round/>
-            <a:headEnd type="none" w="med" len="med"/>
-            <a:tailEnd type="none" w="med" len="med"/>
-          </a:ln>
-          <a:effectLst/>
-        </p:spPr>
-        <p:txBody>
-          <a:bodyPr vert="horz" wrap="square" lIns="81614" tIns="40807" rIns="81614" bIns="40807" numCol="1" rtlCol="0" anchor="t" anchorCtr="0" compatLnSpc="1">
-            <a:prstTxWarp prst="textNoShape">
-              <a:avLst/>
-            </a:prstTxWarp>
-          </a:bodyPr>
-          <a:lstStyle/>
-          <a:p>
-            <a:pPr defTabSz="816143"/>
-            <a:endParaRPr lang="zh-CN" altLang="en-US"/>
-          </a:p>
-        </p:txBody>
-      </p:sp>
-      <p:sp>
-        <p:nvSpPr>
-          <p:cNvPr id="2" name="TextBox 1"/>
-          <p:cNvSpPr txBox="1"/>
-          <p:nvPr/>
-        </p:nvSpPr>
-        <p:spPr>
-          <a:xfrm>
-            <a:off x="4011522" y="676003"/>
-            <a:ext cx="1242040" cy="405576"/>
-          </a:xfrm>
-          <a:prstGeom prst="rect">
-            <a:avLst/>
-          </a:prstGeom>
-          <a:noFill/>
-        </p:spPr>
-        <p:txBody>
-          <a:bodyPr wrap="none" lIns="81614" tIns="40807" rIns="81614" bIns="40807" rtlCol="0">
-            <a:spAutoFit/>
-          </a:bodyPr>
-          <a:lstStyle/>
-          <a:p>
-            <a:r>
-              <a:rPr lang="zh-CN" altLang="en-US" sz="2100" dirty="0">
-                <a:solidFill>
-                  <a:schemeClr val="bg2">
-                    <a:lumMod val="25000"/>
-                  </a:schemeClr>
-                </a:solidFill>
-                <a:latin typeface="+mj-ea"/>
-                <a:ea typeface="+mj-ea"/>
-              </a:rPr>
-              <a:t>需求分析</a:t>
-            </a:r>
-          </a:p>
-        </p:txBody>
-      </p:sp>
-      <p:sp>
-        <p:nvSpPr>
-          <p:cNvPr id="25" name="TextBox 24"/>
-          <p:cNvSpPr txBox="1"/>
-          <p:nvPr/>
-        </p:nvSpPr>
-        <p:spPr>
-          <a:xfrm>
-            <a:off x="4219788" y="1460692"/>
-            <a:ext cx="1242040" cy="405576"/>
-          </a:xfrm>
-          <a:prstGeom prst="rect">
-            <a:avLst/>
-          </a:prstGeom>
-          <a:noFill/>
-        </p:spPr>
-        <p:txBody>
-          <a:bodyPr wrap="none" lIns="81614" tIns="40807" rIns="81614" bIns="40807" rtlCol="0">
-            <a:spAutoFit/>
-          </a:bodyPr>
-          <a:lstStyle/>
-          <a:p>
-            <a:r>
-              <a:rPr lang="zh-CN" altLang="en-US" sz="2100" dirty="0">
-                <a:solidFill>
-                  <a:schemeClr val="bg2">
-                    <a:lumMod val="25000"/>
-                  </a:schemeClr>
-                </a:solidFill>
-                <a:latin typeface="+mj-ea"/>
-                <a:ea typeface="+mj-ea"/>
-              </a:rPr>
-              <a:t>概要设计</a:t>
-            </a:r>
-          </a:p>
-        </p:txBody>
-      </p:sp>
-      <p:sp>
-        <p:nvSpPr>
-          <p:cNvPr id="26" name="TextBox 25"/>
-          <p:cNvSpPr txBox="1"/>
-          <p:nvPr/>
-        </p:nvSpPr>
-        <p:spPr>
-          <a:xfrm>
-            <a:off x="4188835" y="2393973"/>
-            <a:ext cx="1242040" cy="405576"/>
-          </a:xfrm>
-          <a:prstGeom prst="rect">
-            <a:avLst/>
-          </a:prstGeom>
-          <a:noFill/>
-        </p:spPr>
-        <p:txBody>
-          <a:bodyPr wrap="none" lIns="81614" tIns="40807" rIns="81614" bIns="40807" rtlCol="0">
-            <a:spAutoFit/>
-          </a:bodyPr>
-          <a:lstStyle/>
-          <a:p>
-            <a:r>
-              <a:rPr lang="zh-CN" altLang="en-US" sz="2100" dirty="0">
-                <a:solidFill>
-                  <a:schemeClr val="bg2">
-                    <a:lumMod val="25000"/>
-                  </a:schemeClr>
-                </a:solidFill>
-                <a:latin typeface="+mn-ea"/>
-              </a:rPr>
-              <a:t>核心问题</a:t>
-            </a:r>
-          </a:p>
-        </p:txBody>
-      </p:sp>
-      <p:sp>
-        <p:nvSpPr>
-          <p:cNvPr id="27" name="TextBox 26"/>
-          <p:cNvSpPr txBox="1"/>
-          <p:nvPr/>
-        </p:nvSpPr>
-        <p:spPr>
-          <a:xfrm>
-            <a:off x="4036858" y="3336443"/>
-            <a:ext cx="1242040" cy="405576"/>
-          </a:xfrm>
-          <a:prstGeom prst="rect">
-            <a:avLst/>
-          </a:prstGeom>
-          <a:noFill/>
-        </p:spPr>
-        <p:txBody>
-          <a:bodyPr wrap="none" lIns="81614" tIns="40807" rIns="81614" bIns="40807" rtlCol="0">
-            <a:spAutoFit/>
-          </a:bodyPr>
-          <a:lstStyle/>
-          <a:p>
-            <a:r>
-              <a:rPr lang="zh-CN" altLang="en-US" sz="2100" dirty="0">
-                <a:solidFill>
-                  <a:schemeClr val="bg2">
-                    <a:lumMod val="25000"/>
-                  </a:schemeClr>
-                </a:solidFill>
-                <a:latin typeface="+mn-ea"/>
-              </a:rPr>
-              <a:t>测试分析</a:t>
-            </a:r>
-          </a:p>
-        </p:txBody>
-      </p:sp>
-      <p:grpSp>
-        <p:nvGrpSpPr>
-          <p:cNvPr id="3" name="组合 2">
-            <a:extLst>
-              <a:ext uri="{FF2B5EF4-FFF2-40B4-BE49-F238E27FC236}">
-                <a16:creationId xmlns:a16="http://schemas.microsoft.com/office/drawing/2014/main" id="{50E02ED4-B6A2-2A38-E2DE-1530F873E663}"/>
-              </a:ext>
-            </a:extLst>
-          </p:cNvPr>
-          <p:cNvGrpSpPr/>
-          <p:nvPr/>
-        </p:nvGrpSpPr>
-        <p:grpSpPr>
-          <a:xfrm>
-            <a:off x="2993223" y="585540"/>
-            <a:ext cx="575900" cy="547156"/>
-            <a:chOff x="2993223" y="585540"/>
-            <a:chExt cx="575900" cy="547156"/>
-          </a:xfrm>
-        </p:grpSpPr>
-        <p:sp>
-          <p:nvSpPr>
-            <p:cNvPr id="29" name="椭圆 28"/>
-            <p:cNvSpPr>
-              <a:spLocks noChangeAspect="1"/>
-            </p:cNvSpPr>
-            <p:nvPr/>
-          </p:nvSpPr>
-          <p:spPr bwMode="auto">
-            <a:xfrm>
-              <a:off x="2993223" y="585540"/>
-              <a:ext cx="575900" cy="547156"/>
-            </a:xfrm>
-            <a:prstGeom prst="ellipse">
-              <a:avLst/>
-            </a:prstGeom>
-            <a:solidFill>
-              <a:srgbClr val="314865"/>
-            </a:solidFill>
-            <a:ln w="9525" cap="flat" cmpd="sng" algn="ctr">
-              <a:solidFill>
-                <a:schemeClr val="tx1"/>
-              </a:solidFill>
-              <a:prstDash val="solid"/>
-              <a:round/>
-              <a:headEnd type="none" w="med" len="med"/>
-              <a:tailEnd type="none" w="med" len="med"/>
-            </a:ln>
-            <a:effectLst/>
-          </p:spPr>
-          <p:txBody>
-            <a:bodyPr vert="horz" wrap="square" lIns="81614" tIns="40807" rIns="81614" bIns="40807" numCol="1" rtlCol="0" anchor="t" anchorCtr="0" compatLnSpc="1">
-              <a:prstTxWarp prst="textNoShape">
-                <a:avLst/>
-              </a:prstTxWarp>
-            </a:bodyPr>
-            <a:lstStyle/>
-            <a:p>
-              <a:pPr defTabSz="816143"/>
-              <a:endParaRPr lang="zh-CN" altLang="en-US"/>
-            </a:p>
-          </p:txBody>
-        </p:sp>
-        <p:sp>
-          <p:nvSpPr>
-            <p:cNvPr id="4" name="TextBox 3"/>
-            <p:cNvSpPr txBox="1"/>
-            <p:nvPr/>
-          </p:nvSpPr>
-          <p:spPr>
-            <a:xfrm>
-              <a:off x="3104907" y="609201"/>
-              <a:ext cx="339550" cy="497909"/>
-            </a:xfrm>
-            <a:prstGeom prst="rect">
-              <a:avLst/>
-            </a:prstGeom>
-            <a:noFill/>
-          </p:spPr>
-          <p:txBody>
-            <a:bodyPr wrap="none" lIns="81614" tIns="40807" rIns="81614" bIns="40807" rtlCol="0">
-              <a:spAutoFit/>
-            </a:bodyPr>
-            <a:lstStyle/>
-            <a:p>
-              <a:r>
-                <a:rPr lang="en-US" altLang="zh-CN" sz="2700" b="1" dirty="0">
-                  <a:solidFill>
-                    <a:srgbClr val="F8F8F8"/>
-                  </a:solidFill>
-                  <a:latin typeface="+mn-ea"/>
-                </a:rPr>
-                <a:t>1</a:t>
-              </a:r>
-              <a:endParaRPr lang="zh-CN" altLang="en-US" sz="2700" b="1" dirty="0">
-                <a:solidFill>
-                  <a:srgbClr val="F8F8F8"/>
-                </a:solidFill>
-                <a:latin typeface="+mn-ea"/>
-              </a:endParaRPr>
-            </a:p>
-          </p:txBody>
-        </p:sp>
-      </p:grpSp>
-      <p:grpSp>
-        <p:nvGrpSpPr>
-          <p:cNvPr id="5" name="组合 4">
-            <a:extLst>
-              <a:ext uri="{FF2B5EF4-FFF2-40B4-BE49-F238E27FC236}">
-                <a16:creationId xmlns:a16="http://schemas.microsoft.com/office/drawing/2014/main" id="{EE7DE926-283E-3FD4-41AA-A45B02DD746D}"/>
-              </a:ext>
-            </a:extLst>
-          </p:cNvPr>
-          <p:cNvGrpSpPr/>
-          <p:nvPr/>
-        </p:nvGrpSpPr>
-        <p:grpSpPr>
-          <a:xfrm>
-            <a:off x="3182922" y="1397512"/>
-            <a:ext cx="575900" cy="547156"/>
-            <a:chOff x="3182155" y="1219014"/>
-            <a:chExt cx="575900" cy="547156"/>
-          </a:xfrm>
-        </p:grpSpPr>
-        <p:sp>
-          <p:nvSpPr>
-            <p:cNvPr id="67" name="椭圆 66"/>
-            <p:cNvSpPr>
-              <a:spLocks noChangeAspect="1"/>
-            </p:cNvSpPr>
-            <p:nvPr/>
-          </p:nvSpPr>
-          <p:spPr bwMode="auto">
-            <a:xfrm>
-              <a:off x="3182155" y="1219014"/>
-              <a:ext cx="575900" cy="547156"/>
-            </a:xfrm>
-            <a:prstGeom prst="ellipse">
-              <a:avLst/>
-            </a:prstGeom>
-            <a:solidFill>
-              <a:srgbClr val="314865"/>
-            </a:solidFill>
-            <a:ln w="9525" cap="flat" cmpd="sng" algn="ctr">
-              <a:solidFill>
-                <a:schemeClr val="tx1"/>
-              </a:solidFill>
-              <a:prstDash val="solid"/>
-              <a:round/>
-              <a:headEnd type="none" w="med" len="med"/>
-              <a:tailEnd type="none" w="med" len="med"/>
-            </a:ln>
-            <a:effectLst/>
-          </p:spPr>
-          <p:txBody>
-            <a:bodyPr vert="horz" wrap="square" lIns="81614" tIns="40807" rIns="81614" bIns="40807" numCol="1" rtlCol="0" anchor="t" anchorCtr="0" compatLnSpc="1">
-              <a:prstTxWarp prst="textNoShape">
-                <a:avLst/>
-              </a:prstTxWarp>
-            </a:bodyPr>
-            <a:lstStyle/>
-            <a:p>
-              <a:pPr defTabSz="816143"/>
-              <a:endParaRPr lang="zh-CN" altLang="en-US"/>
-            </a:p>
-          </p:txBody>
-        </p:sp>
-        <p:sp>
-          <p:nvSpPr>
-            <p:cNvPr id="33" name="TextBox 32"/>
-            <p:cNvSpPr txBox="1"/>
-            <p:nvPr/>
-          </p:nvSpPr>
-          <p:spPr>
-            <a:xfrm>
-              <a:off x="3291104" y="1237944"/>
-              <a:ext cx="339550" cy="497909"/>
-            </a:xfrm>
-            <a:prstGeom prst="rect">
-              <a:avLst/>
-            </a:prstGeom>
-            <a:noFill/>
-          </p:spPr>
-          <p:txBody>
-            <a:bodyPr wrap="none" lIns="81614" tIns="40807" rIns="81614" bIns="40807" rtlCol="0">
-              <a:spAutoFit/>
-            </a:bodyPr>
-            <a:lstStyle/>
-            <a:p>
-              <a:r>
-                <a:rPr lang="en-US" altLang="zh-CN" sz="2700" b="1" dirty="0">
-                  <a:solidFill>
-                    <a:srgbClr val="F8F8F8"/>
-                  </a:solidFill>
-                  <a:latin typeface="+mn-ea"/>
-                </a:rPr>
-                <a:t>2</a:t>
-              </a:r>
-              <a:endParaRPr lang="zh-CN" altLang="en-US" sz="2700" b="1" dirty="0">
-                <a:solidFill>
-                  <a:srgbClr val="F8F8F8"/>
-                </a:solidFill>
-                <a:latin typeface="+mn-ea"/>
-              </a:endParaRPr>
-            </a:p>
-          </p:txBody>
-        </p:sp>
-      </p:grpSp>
-      <p:grpSp>
-        <p:nvGrpSpPr>
-          <p:cNvPr id="6" name="组合 5">
-            <a:extLst>
-              <a:ext uri="{FF2B5EF4-FFF2-40B4-BE49-F238E27FC236}">
-                <a16:creationId xmlns:a16="http://schemas.microsoft.com/office/drawing/2014/main" id="{E121E6E0-D1B8-A6F9-5FE6-591478907BEA}"/>
-              </a:ext>
-            </a:extLst>
-          </p:cNvPr>
-          <p:cNvGrpSpPr/>
-          <p:nvPr/>
-        </p:nvGrpSpPr>
-        <p:grpSpPr>
-          <a:xfrm>
-            <a:off x="3257265" y="2298172"/>
-            <a:ext cx="575900" cy="547156"/>
-            <a:chOff x="3252525" y="1849897"/>
-            <a:chExt cx="575900" cy="547156"/>
-          </a:xfrm>
-        </p:grpSpPr>
-        <p:sp>
-          <p:nvSpPr>
-            <p:cNvPr id="68" name="椭圆 67"/>
-            <p:cNvSpPr>
-              <a:spLocks noChangeAspect="1"/>
-            </p:cNvSpPr>
-            <p:nvPr/>
-          </p:nvSpPr>
-          <p:spPr bwMode="auto">
-            <a:xfrm>
-              <a:off x="3252525" y="1849897"/>
-              <a:ext cx="575900" cy="547156"/>
-            </a:xfrm>
-            <a:prstGeom prst="ellipse">
-              <a:avLst/>
-            </a:prstGeom>
-            <a:solidFill>
-              <a:srgbClr val="314865"/>
-            </a:solidFill>
-            <a:ln w="9525" cap="flat" cmpd="sng" algn="ctr">
-              <a:solidFill>
-                <a:schemeClr val="tx1"/>
-              </a:solidFill>
-              <a:prstDash val="solid"/>
-              <a:round/>
-              <a:headEnd type="none" w="med" len="med"/>
-              <a:tailEnd type="none" w="med" len="med"/>
-            </a:ln>
-            <a:effectLst/>
-          </p:spPr>
-          <p:txBody>
-            <a:bodyPr vert="horz" wrap="square" lIns="81614" tIns="40807" rIns="81614" bIns="40807" numCol="1" rtlCol="0" anchor="t" anchorCtr="0" compatLnSpc="1">
-              <a:prstTxWarp prst="textNoShape">
-                <a:avLst/>
-              </a:prstTxWarp>
-            </a:bodyPr>
-            <a:lstStyle/>
-            <a:p>
-              <a:pPr defTabSz="816143"/>
-              <a:endParaRPr lang="zh-CN" altLang="en-US"/>
-            </a:p>
-          </p:txBody>
-        </p:sp>
-        <p:sp>
-          <p:nvSpPr>
-            <p:cNvPr id="34" name="TextBox 33"/>
-            <p:cNvSpPr txBox="1"/>
-            <p:nvPr/>
-          </p:nvSpPr>
-          <p:spPr>
-            <a:xfrm>
-              <a:off x="3368840" y="1867736"/>
-              <a:ext cx="339550" cy="497909"/>
-            </a:xfrm>
-            <a:prstGeom prst="rect">
-              <a:avLst/>
-            </a:prstGeom>
-            <a:noFill/>
-          </p:spPr>
-          <p:txBody>
-            <a:bodyPr wrap="none" lIns="81614" tIns="40807" rIns="81614" bIns="40807" rtlCol="0">
-              <a:spAutoFit/>
-            </a:bodyPr>
-            <a:lstStyle/>
-            <a:p>
-              <a:r>
-                <a:rPr lang="en-US" altLang="zh-CN" sz="2700" b="1" dirty="0">
-                  <a:solidFill>
-                    <a:srgbClr val="F8F8F8"/>
-                  </a:solidFill>
-                  <a:latin typeface="+mn-ea"/>
-                </a:rPr>
-                <a:t>3</a:t>
-              </a:r>
-              <a:endParaRPr lang="zh-CN" altLang="en-US" sz="2700" b="1" dirty="0">
-                <a:solidFill>
-                  <a:srgbClr val="F8F8F8"/>
-                </a:solidFill>
-                <a:latin typeface="+mn-ea"/>
-              </a:endParaRPr>
-            </a:p>
-          </p:txBody>
-        </p:sp>
-      </p:grpSp>
-      <p:grpSp>
-        <p:nvGrpSpPr>
-          <p:cNvPr id="7" name="组合 6">
-            <a:extLst>
-              <a:ext uri="{FF2B5EF4-FFF2-40B4-BE49-F238E27FC236}">
-                <a16:creationId xmlns:a16="http://schemas.microsoft.com/office/drawing/2014/main" id="{E62C8298-A07F-2A98-F6C0-86F86C6840A0}"/>
-              </a:ext>
-            </a:extLst>
-          </p:cNvPr>
-          <p:cNvGrpSpPr/>
-          <p:nvPr/>
-        </p:nvGrpSpPr>
-        <p:grpSpPr>
-          <a:xfrm>
-            <a:off x="3055517" y="3262663"/>
-            <a:ext cx="575900" cy="547156"/>
-            <a:chOff x="3224943" y="2480779"/>
-            <a:chExt cx="575900" cy="547156"/>
-          </a:xfrm>
-        </p:grpSpPr>
-        <p:sp>
-          <p:nvSpPr>
-            <p:cNvPr id="69" name="椭圆 68"/>
-            <p:cNvSpPr>
-              <a:spLocks noChangeAspect="1"/>
-            </p:cNvSpPr>
-            <p:nvPr/>
-          </p:nvSpPr>
-          <p:spPr bwMode="auto">
-            <a:xfrm>
-              <a:off x="3224943" y="2480779"/>
-              <a:ext cx="575900" cy="547156"/>
-            </a:xfrm>
-            <a:prstGeom prst="ellipse">
-              <a:avLst/>
-            </a:prstGeom>
-            <a:solidFill>
-              <a:srgbClr val="314865"/>
-            </a:solidFill>
-            <a:ln w="9525" cap="flat" cmpd="sng" algn="ctr">
-              <a:solidFill>
-                <a:schemeClr val="tx1"/>
-              </a:solidFill>
-              <a:prstDash val="solid"/>
-              <a:round/>
-              <a:headEnd type="none" w="med" len="med"/>
-              <a:tailEnd type="none" w="med" len="med"/>
-            </a:ln>
-            <a:effectLst/>
-          </p:spPr>
-          <p:txBody>
-            <a:bodyPr vert="horz" wrap="square" lIns="81614" tIns="40807" rIns="81614" bIns="40807" numCol="1" rtlCol="0" anchor="t" anchorCtr="0" compatLnSpc="1">
-              <a:prstTxWarp prst="textNoShape">
-                <a:avLst/>
-              </a:prstTxWarp>
-            </a:bodyPr>
-            <a:lstStyle/>
-            <a:p>
-              <a:pPr defTabSz="816143"/>
-              <a:endParaRPr lang="zh-CN" altLang="en-US"/>
-            </a:p>
-          </p:txBody>
-        </p:sp>
-        <p:sp>
-          <p:nvSpPr>
-            <p:cNvPr id="35" name="TextBox 34"/>
-            <p:cNvSpPr txBox="1"/>
-            <p:nvPr/>
-          </p:nvSpPr>
-          <p:spPr>
-            <a:xfrm>
-              <a:off x="3341610" y="2488694"/>
-              <a:ext cx="339550" cy="497909"/>
-            </a:xfrm>
-            <a:prstGeom prst="rect">
-              <a:avLst/>
-            </a:prstGeom>
-            <a:noFill/>
-          </p:spPr>
-          <p:txBody>
-            <a:bodyPr wrap="none" lIns="81614" tIns="40807" rIns="81614" bIns="40807" rtlCol="0">
-              <a:spAutoFit/>
-            </a:bodyPr>
-            <a:lstStyle/>
-            <a:p>
-              <a:r>
-                <a:rPr lang="en-US" altLang="zh-CN" sz="2700" b="1" dirty="0">
-                  <a:solidFill>
-                    <a:srgbClr val="F8F8F8"/>
-                  </a:solidFill>
-                  <a:latin typeface="+mn-ea"/>
-                </a:rPr>
-                <a:t>4</a:t>
-              </a:r>
-              <a:endParaRPr lang="zh-CN" altLang="en-US" sz="2700" b="1" dirty="0">
-                <a:solidFill>
-                  <a:srgbClr val="F8F8F8"/>
-                </a:solidFill>
-                <a:latin typeface="+mn-ea"/>
-              </a:endParaRPr>
-            </a:p>
-          </p:txBody>
-        </p:sp>
-      </p:grpSp>
-      <p:sp>
-        <p:nvSpPr>
-          <p:cNvPr id="22" name="Oval 14"/>
-          <p:cNvSpPr>
-            <a:spLocks noChangeArrowheads="1"/>
-          </p:cNvSpPr>
-          <p:nvPr/>
-        </p:nvSpPr>
-        <p:spPr bwMode="auto">
-          <a:xfrm>
-            <a:off x="943185" y="1496279"/>
-            <a:ext cx="1853878" cy="1812622"/>
-          </a:xfrm>
-          <a:prstGeom prst="ellipse">
-            <a:avLst/>
-          </a:prstGeom>
-          <a:solidFill>
-            <a:srgbClr val="314865"/>
-          </a:solidFill>
-          <a:ln>
-            <a:noFill/>
-          </a:ln>
-        </p:spPr>
-        <p:txBody>
-          <a:bodyPr vert="horz" wrap="square" lIns="81614" tIns="40807" rIns="81614" bIns="40807" numCol="1" anchor="t" anchorCtr="0" compatLnSpc="1">
-            <a:prstTxWarp prst="textNoShape">
-              <a:avLst/>
-            </a:prstTxWarp>
-          </a:bodyPr>
-          <a:lstStyle/>
-          <a:p>
-            <a:endParaRPr lang="zh-CN" altLang="en-US"/>
-          </a:p>
-        </p:txBody>
-      </p:sp>
-      <p:sp>
-        <p:nvSpPr>
-          <p:cNvPr id="23" name="Freeform 15"/>
-          <p:cNvSpPr>
-            <a:spLocks noEditPoints="1"/>
-          </p:cNvSpPr>
-          <p:nvPr/>
-        </p:nvSpPr>
-        <p:spPr bwMode="auto">
-          <a:xfrm>
-            <a:off x="1375799" y="1717803"/>
-            <a:ext cx="976939" cy="872172"/>
-          </a:xfrm>
-          <a:custGeom>
-            <a:avLst/>
-            <a:gdLst>
-              <a:gd name="T0" fmla="*/ 1051 w 1910"/>
-              <a:gd name="T1" fmla="*/ 1550 h 1774"/>
-              <a:gd name="T2" fmla="*/ 788 w 1910"/>
-              <a:gd name="T3" fmla="*/ 1668 h 1774"/>
-              <a:gd name="T4" fmla="*/ 535 w 1910"/>
-              <a:gd name="T5" fmla="*/ 59 h 1774"/>
-              <a:gd name="T6" fmla="*/ 591 w 1910"/>
-              <a:gd name="T7" fmla="*/ 95 h 1774"/>
-              <a:gd name="T8" fmla="*/ 963 w 1910"/>
-              <a:gd name="T9" fmla="*/ 4 h 1774"/>
-              <a:gd name="T10" fmla="*/ 477 w 1910"/>
-              <a:gd name="T11" fmla="*/ 72 h 1774"/>
-              <a:gd name="T12" fmla="*/ 582 w 1910"/>
-              <a:gd name="T13" fmla="*/ 175 h 1774"/>
-              <a:gd name="T14" fmla="*/ 560 w 1910"/>
-              <a:gd name="T15" fmla="*/ 959 h 1774"/>
-              <a:gd name="T16" fmla="*/ 454 w 1910"/>
-              <a:gd name="T17" fmla="*/ 856 h 1774"/>
-              <a:gd name="T18" fmla="*/ 477 w 1910"/>
-              <a:gd name="T19" fmla="*/ 72 h 1774"/>
-              <a:gd name="T20" fmla="*/ 869 w 1910"/>
-              <a:gd name="T21" fmla="*/ 340 h 1774"/>
-              <a:gd name="T22" fmla="*/ 1316 w 1910"/>
-              <a:gd name="T23" fmla="*/ 289 h 1774"/>
-              <a:gd name="T24" fmla="*/ 820 w 1910"/>
-              <a:gd name="T25" fmla="*/ 308 h 1774"/>
-              <a:gd name="T26" fmla="*/ 845 w 1910"/>
-              <a:gd name="T27" fmla="*/ 375 h 1774"/>
-              <a:gd name="T28" fmla="*/ 867 w 1910"/>
-              <a:gd name="T29" fmla="*/ 1187 h 1774"/>
-              <a:gd name="T30" fmla="*/ 762 w 1910"/>
-              <a:gd name="T31" fmla="*/ 1155 h 1774"/>
-              <a:gd name="T32" fmla="*/ 740 w 1910"/>
-              <a:gd name="T33" fmla="*/ 343 h 1774"/>
-              <a:gd name="T34" fmla="*/ 908 w 1910"/>
-              <a:gd name="T35" fmla="*/ 408 h 1774"/>
-              <a:gd name="T36" fmla="*/ 1440 w 1910"/>
-              <a:gd name="T37" fmla="*/ 408 h 1774"/>
-              <a:gd name="T38" fmla="*/ 1368 w 1910"/>
-              <a:gd name="T39" fmla="*/ 1142 h 1774"/>
-              <a:gd name="T40" fmla="*/ 908 w 1910"/>
-              <a:gd name="T41" fmla="*/ 408 h 1774"/>
-              <a:gd name="T42" fmla="*/ 1356 w 1910"/>
-              <a:gd name="T43" fmla="*/ 469 h 1774"/>
-              <a:gd name="T44" fmla="*/ 996 w 1910"/>
-              <a:gd name="T45" fmla="*/ 677 h 1774"/>
-              <a:gd name="T46" fmla="*/ 622 w 1910"/>
-              <a:gd name="T47" fmla="*/ 158 h 1774"/>
-              <a:gd name="T48" fmla="*/ 1155 w 1910"/>
-              <a:gd name="T49" fmla="*/ 158 h 1774"/>
-              <a:gd name="T50" fmla="*/ 719 w 1910"/>
-              <a:gd name="T51" fmla="*/ 233 h 1774"/>
-              <a:gd name="T52" fmla="*/ 677 w 1910"/>
-              <a:gd name="T53" fmla="*/ 944 h 1774"/>
-              <a:gd name="T54" fmla="*/ 622 w 1910"/>
-              <a:gd name="T55" fmla="*/ 158 h 1774"/>
-              <a:gd name="T56" fmla="*/ 378 w 1910"/>
-              <a:gd name="T57" fmla="*/ 530 h 1774"/>
-              <a:gd name="T58" fmla="*/ 293 w 1910"/>
-              <a:gd name="T59" fmla="*/ 381 h 1774"/>
-              <a:gd name="T60" fmla="*/ 152 w 1910"/>
-              <a:gd name="T61" fmla="*/ 1314 h 1774"/>
-              <a:gd name="T62" fmla="*/ 254 w 1910"/>
-              <a:gd name="T63" fmla="*/ 1450 h 1774"/>
-              <a:gd name="T64" fmla="*/ 0 w 1910"/>
-              <a:gd name="T65" fmla="*/ 1774 h 1774"/>
-              <a:gd name="T66" fmla="*/ 1910 w 1910"/>
-              <a:gd name="T67" fmla="*/ 1651 h 1774"/>
-              <a:gd name="T68" fmla="*/ 1748 w 1910"/>
-              <a:gd name="T69" fmla="*/ 1314 h 1774"/>
-              <a:gd name="T70" fmla="*/ 1607 w 1910"/>
-              <a:gd name="T71" fmla="*/ 381 h 1774"/>
-              <a:gd name="T72" fmla="*/ 1523 w 1910"/>
-              <a:gd name="T73" fmla="*/ 530 h 1774"/>
-              <a:gd name="T74" fmla="*/ 1614 w 1910"/>
-              <a:gd name="T75" fmla="*/ 1336 h 1774"/>
-              <a:gd name="T76" fmla="*/ 286 w 1910"/>
-              <a:gd name="T77" fmla="*/ 530 h 1774"/>
-            </a:gdLst>
-            <a:ahLst/>
-            <a:cxnLst>
-              <a:cxn ang="0">
-                <a:pos x="T0" y="T1"/>
-              </a:cxn>
-              <a:cxn ang="0">
-                <a:pos x="T2" y="T3"/>
-              </a:cxn>
-              <a:cxn ang="0">
-                <a:pos x="T4" y="T5"/>
-              </a:cxn>
-              <a:cxn ang="0">
-                <a:pos x="T6" y="T7"/>
-              </a:cxn>
-              <a:cxn ang="0">
-                <a:pos x="T8" y="T9"/>
-              </a:cxn>
-              <a:cxn ang="0">
-                <a:pos x="T10" y="T11"/>
-              </a:cxn>
-              <a:cxn ang="0">
-                <a:pos x="T12" y="T13"/>
-              </a:cxn>
-              <a:cxn ang="0">
-                <a:pos x="T14" y="T15"/>
-              </a:cxn>
-              <a:cxn ang="0">
-                <a:pos x="T16" y="T17"/>
-              </a:cxn>
-              <a:cxn ang="0">
-                <a:pos x="T18" y="T19"/>
-              </a:cxn>
-              <a:cxn ang="0">
-                <a:pos x="T20" y="T21"/>
-              </a:cxn>
-              <a:cxn ang="0">
-                <a:pos x="T22" y="T23"/>
-              </a:cxn>
-              <a:cxn ang="0">
-                <a:pos x="T24" y="T25"/>
-              </a:cxn>
-              <a:cxn ang="0">
-                <a:pos x="T26" y="T27"/>
-              </a:cxn>
-              <a:cxn ang="0">
-                <a:pos x="T28" y="T29"/>
-              </a:cxn>
-              <a:cxn ang="0">
-                <a:pos x="T30" y="T31"/>
-              </a:cxn>
-              <a:cxn ang="0">
-                <a:pos x="T32" y="T33"/>
-              </a:cxn>
-              <a:cxn ang="0">
-                <a:pos x="T34" y="T35"/>
-              </a:cxn>
-              <a:cxn ang="0">
-                <a:pos x="T36" y="T37"/>
-              </a:cxn>
-              <a:cxn ang="0">
-                <a:pos x="T38" y="T39"/>
-              </a:cxn>
-              <a:cxn ang="0">
-                <a:pos x="T40" y="T41"/>
-              </a:cxn>
-              <a:cxn ang="0">
-                <a:pos x="T42" y="T43"/>
-              </a:cxn>
-              <a:cxn ang="0">
-                <a:pos x="T44" y="T45"/>
-              </a:cxn>
-              <a:cxn ang="0">
-                <a:pos x="T46" y="T47"/>
-              </a:cxn>
-              <a:cxn ang="0">
-                <a:pos x="T48" y="T49"/>
-              </a:cxn>
-              <a:cxn ang="0">
-                <a:pos x="T50" y="T51"/>
-              </a:cxn>
-              <a:cxn ang="0">
-                <a:pos x="T52" y="T53"/>
-              </a:cxn>
-              <a:cxn ang="0">
-                <a:pos x="T54" y="T55"/>
-              </a:cxn>
-              <a:cxn ang="0">
-                <a:pos x="T56" y="T57"/>
-              </a:cxn>
-              <a:cxn ang="0">
-                <a:pos x="T58" y="T59"/>
-              </a:cxn>
-              <a:cxn ang="0">
-                <a:pos x="T60" y="T61"/>
-              </a:cxn>
-              <a:cxn ang="0">
-                <a:pos x="T62" y="T63"/>
-              </a:cxn>
-              <a:cxn ang="0">
-                <a:pos x="T64" y="T65"/>
-              </a:cxn>
-              <a:cxn ang="0">
-                <a:pos x="T66" y="T67"/>
-              </a:cxn>
-              <a:cxn ang="0">
-                <a:pos x="T68" y="T69"/>
-              </a:cxn>
-              <a:cxn ang="0">
-                <a:pos x="T70" y="T71"/>
-              </a:cxn>
-              <a:cxn ang="0">
-                <a:pos x="T72" y="T73"/>
-              </a:cxn>
-              <a:cxn ang="0">
-                <a:pos x="T74" y="T75"/>
-              </a:cxn>
-              <a:cxn ang="0">
-                <a:pos x="T76" y="T77"/>
-              </a:cxn>
-            </a:cxnLst>
-            <a:rect l="0" t="0" r="r" b="b"/>
-            <a:pathLst>
-              <a:path w="1910" h="1774">
-                <a:moveTo>
-                  <a:pt x="848" y="1550"/>
-                </a:moveTo>
-                <a:lnTo>
-                  <a:pt x="1051" y="1550"/>
-                </a:lnTo>
-                <a:lnTo>
-                  <a:pt x="1122" y="1668"/>
-                </a:lnTo>
-                <a:lnTo>
-                  <a:pt x="788" y="1668"/>
-                </a:lnTo>
-                <a:lnTo>
-                  <a:pt x="848" y="1550"/>
-                </a:lnTo>
-                <a:close/>
-                <a:moveTo>
-                  <a:pt x="535" y="59"/>
-                </a:moveTo>
-                <a:lnTo>
-                  <a:pt x="584" y="90"/>
-                </a:lnTo>
-                <a:cubicBezTo>
-                  <a:pt x="587" y="92"/>
-                  <a:pt x="589" y="93"/>
-                  <a:pt x="591" y="95"/>
-                </a:cubicBezTo>
-                <a:lnTo>
-                  <a:pt x="1031" y="39"/>
-                </a:lnTo>
-                <a:cubicBezTo>
-                  <a:pt x="1020" y="15"/>
-                  <a:pt x="994" y="0"/>
-                  <a:pt x="963" y="4"/>
-                </a:cubicBezTo>
-                <a:lnTo>
-                  <a:pt x="535" y="59"/>
-                </a:lnTo>
-                <a:close/>
-                <a:moveTo>
-                  <a:pt x="477" y="72"/>
-                </a:moveTo>
-                <a:lnTo>
-                  <a:pt x="560" y="125"/>
-                </a:lnTo>
-                <a:cubicBezTo>
-                  <a:pt x="572" y="133"/>
-                  <a:pt x="582" y="155"/>
-                  <a:pt x="582" y="175"/>
-                </a:cubicBezTo>
-                <a:lnTo>
-                  <a:pt x="582" y="937"/>
-                </a:lnTo>
-                <a:cubicBezTo>
-                  <a:pt x="582" y="957"/>
-                  <a:pt x="572" y="966"/>
-                  <a:pt x="560" y="959"/>
-                </a:cubicBezTo>
-                <a:lnTo>
-                  <a:pt x="477" y="906"/>
-                </a:lnTo>
-                <a:cubicBezTo>
-                  <a:pt x="464" y="898"/>
-                  <a:pt x="454" y="875"/>
-                  <a:pt x="454" y="856"/>
-                </a:cubicBezTo>
-                <a:lnTo>
-                  <a:pt x="454" y="93"/>
-                </a:lnTo>
-                <a:cubicBezTo>
-                  <a:pt x="454" y="74"/>
-                  <a:pt x="464" y="64"/>
-                  <a:pt x="477" y="72"/>
-                </a:cubicBezTo>
-                <a:close/>
-                <a:moveTo>
-                  <a:pt x="820" y="308"/>
-                </a:moveTo>
-                <a:lnTo>
-                  <a:pt x="869" y="340"/>
-                </a:lnTo>
-                <a:cubicBezTo>
-                  <a:pt x="872" y="341"/>
-                  <a:pt x="874" y="343"/>
-                  <a:pt x="877" y="345"/>
-                </a:cubicBezTo>
-                <a:lnTo>
-                  <a:pt x="1316" y="289"/>
-                </a:lnTo>
-                <a:cubicBezTo>
-                  <a:pt x="1305" y="264"/>
-                  <a:pt x="1279" y="250"/>
-                  <a:pt x="1249" y="253"/>
-                </a:cubicBezTo>
-                <a:lnTo>
-                  <a:pt x="820" y="308"/>
-                </a:lnTo>
-                <a:close/>
-                <a:moveTo>
-                  <a:pt x="762" y="322"/>
-                </a:moveTo>
-                <a:lnTo>
-                  <a:pt x="845" y="375"/>
-                </a:lnTo>
-                <a:cubicBezTo>
-                  <a:pt x="857" y="382"/>
-                  <a:pt x="867" y="405"/>
-                  <a:pt x="867" y="424"/>
-                </a:cubicBezTo>
-                <a:lnTo>
-                  <a:pt x="867" y="1187"/>
-                </a:lnTo>
-                <a:cubicBezTo>
-                  <a:pt x="867" y="1206"/>
-                  <a:pt x="857" y="1216"/>
-                  <a:pt x="845" y="1208"/>
-                </a:cubicBezTo>
-                <a:lnTo>
-                  <a:pt x="762" y="1155"/>
-                </a:lnTo>
-                <a:cubicBezTo>
-                  <a:pt x="750" y="1147"/>
-                  <a:pt x="740" y="1125"/>
-                  <a:pt x="740" y="1105"/>
-                </a:cubicBezTo>
-                <a:lnTo>
-                  <a:pt x="740" y="343"/>
-                </a:lnTo>
-                <a:cubicBezTo>
-                  <a:pt x="740" y="323"/>
-                  <a:pt x="750" y="314"/>
-                  <a:pt x="762" y="322"/>
-                </a:cubicBezTo>
-                <a:close/>
-                <a:moveTo>
-                  <a:pt x="908" y="408"/>
-                </a:moveTo>
-                <a:lnTo>
-                  <a:pt x="1368" y="349"/>
-                </a:lnTo>
-                <a:cubicBezTo>
-                  <a:pt x="1407" y="344"/>
-                  <a:pt x="1440" y="370"/>
-                  <a:pt x="1440" y="408"/>
-                </a:cubicBezTo>
-                <a:lnTo>
-                  <a:pt x="1440" y="1064"/>
-                </a:lnTo>
-                <a:cubicBezTo>
-                  <a:pt x="1440" y="1102"/>
-                  <a:pt x="1407" y="1137"/>
-                  <a:pt x="1368" y="1142"/>
-                </a:cubicBezTo>
-                <a:lnTo>
-                  <a:pt x="908" y="1201"/>
-                </a:lnTo>
-                <a:lnTo>
-                  <a:pt x="908" y="408"/>
-                </a:lnTo>
-                <a:close/>
-                <a:moveTo>
-                  <a:pt x="996" y="515"/>
-                </a:moveTo>
-                <a:lnTo>
-                  <a:pt x="1356" y="469"/>
-                </a:lnTo>
-                <a:lnTo>
-                  <a:pt x="1356" y="631"/>
-                </a:lnTo>
-                <a:lnTo>
-                  <a:pt x="996" y="677"/>
-                </a:lnTo>
-                <a:lnTo>
-                  <a:pt x="996" y="515"/>
-                </a:lnTo>
-                <a:close/>
-                <a:moveTo>
-                  <a:pt x="622" y="158"/>
-                </a:moveTo>
-                <a:lnTo>
-                  <a:pt x="1082" y="99"/>
-                </a:lnTo>
-                <a:cubicBezTo>
-                  <a:pt x="1122" y="94"/>
-                  <a:pt x="1155" y="121"/>
-                  <a:pt x="1155" y="158"/>
-                </a:cubicBezTo>
-                <a:lnTo>
-                  <a:pt x="1155" y="177"/>
-                </a:lnTo>
-                <a:lnTo>
-                  <a:pt x="719" y="233"/>
-                </a:lnTo>
-                <a:cubicBezTo>
-                  <a:pt x="688" y="242"/>
-                  <a:pt x="676" y="262"/>
-                  <a:pt x="677" y="303"/>
-                </a:cubicBezTo>
-                <a:lnTo>
-                  <a:pt x="677" y="944"/>
-                </a:lnTo>
-                <a:lnTo>
-                  <a:pt x="622" y="951"/>
-                </a:lnTo>
-                <a:lnTo>
-                  <a:pt x="622" y="158"/>
-                </a:lnTo>
-                <a:close/>
-                <a:moveTo>
-                  <a:pt x="286" y="530"/>
-                </a:moveTo>
-                <a:lnTo>
-                  <a:pt x="378" y="530"/>
-                </a:lnTo>
-                <a:lnTo>
-                  <a:pt x="378" y="381"/>
-                </a:lnTo>
-                <a:lnTo>
-                  <a:pt x="293" y="381"/>
-                </a:lnTo>
-                <a:cubicBezTo>
-                  <a:pt x="215" y="381"/>
-                  <a:pt x="152" y="445"/>
-                  <a:pt x="152" y="523"/>
-                </a:cubicBezTo>
-                <a:lnTo>
-                  <a:pt x="152" y="1314"/>
-                </a:lnTo>
-                <a:cubicBezTo>
-                  <a:pt x="152" y="1378"/>
-                  <a:pt x="195" y="1433"/>
-                  <a:pt x="254" y="1450"/>
-                </a:cubicBezTo>
-                <a:lnTo>
-                  <a:pt x="254" y="1450"/>
-                </a:lnTo>
-                <a:lnTo>
-                  <a:pt x="0" y="1651"/>
-                </a:lnTo>
-                <a:lnTo>
-                  <a:pt x="0" y="1774"/>
-                </a:lnTo>
-                <a:lnTo>
-                  <a:pt x="1910" y="1774"/>
-                </a:lnTo>
-                <a:lnTo>
-                  <a:pt x="1910" y="1651"/>
-                </a:lnTo>
-                <a:lnTo>
-                  <a:pt x="1638" y="1452"/>
-                </a:lnTo>
-                <a:cubicBezTo>
-                  <a:pt x="1701" y="1438"/>
-                  <a:pt x="1748" y="1381"/>
-                  <a:pt x="1748" y="1314"/>
-                </a:cubicBezTo>
-                <a:lnTo>
-                  <a:pt x="1748" y="523"/>
-                </a:lnTo>
-                <a:cubicBezTo>
-                  <a:pt x="1748" y="445"/>
-                  <a:pt x="1685" y="381"/>
-                  <a:pt x="1607" y="381"/>
-                </a:cubicBezTo>
-                <a:lnTo>
-                  <a:pt x="1523" y="381"/>
-                </a:lnTo>
-                <a:lnTo>
-                  <a:pt x="1523" y="530"/>
-                </a:lnTo>
-                <a:lnTo>
-                  <a:pt x="1614" y="530"/>
-                </a:lnTo>
-                <a:lnTo>
-                  <a:pt x="1614" y="1336"/>
-                </a:lnTo>
-                <a:lnTo>
-                  <a:pt x="286" y="1336"/>
-                </a:lnTo>
-                <a:lnTo>
-                  <a:pt x="286" y="530"/>
-                </a:lnTo>
-                <a:close/>
-              </a:path>
-            </a:pathLst>
-          </a:custGeom>
-          <a:solidFill>
-            <a:srgbClr val="FFFFFF"/>
-          </a:solidFill>
-          <a:ln>
-            <a:noFill/>
-          </a:ln>
-          <a:extLst>
-            <a:ext uri="{91240B29-F687-4F45-9708-019B960494DF}">
-              <a14:hiddenLine xmlns:a14="http://schemas.microsoft.com/office/drawing/2010/main" w="9525">
-                <a:solidFill>
-                  <a:srgbClr val="000000"/>
-                </a:solidFill>
-                <a:round/>
-                <a:headEnd/>
-                <a:tailEnd/>
-              </a14:hiddenLine>
-            </a:ext>
-          </a:extLst>
-        </p:spPr>
-        <p:txBody>
-          <a:bodyPr vert="horz" wrap="square" lIns="81614" tIns="40807" rIns="81614" bIns="40807" numCol="1" anchor="t" anchorCtr="0" compatLnSpc="1">
-            <a:prstTxWarp prst="textNoShape">
-              <a:avLst/>
-            </a:prstTxWarp>
-          </a:bodyPr>
-          <a:lstStyle/>
-          <a:p>
-            <a:endParaRPr lang="zh-CN" altLang="en-US"/>
-          </a:p>
-        </p:txBody>
-      </p:sp>
-      <p:sp>
-        <p:nvSpPr>
-          <p:cNvPr id="38" name="TextBox 37"/>
-          <p:cNvSpPr txBox="1"/>
-          <p:nvPr/>
-        </p:nvSpPr>
-        <p:spPr>
-          <a:xfrm>
-            <a:off x="1360465" y="2614951"/>
-            <a:ext cx="913633" cy="405576"/>
-          </a:xfrm>
-          <a:prstGeom prst="rect">
-            <a:avLst/>
-          </a:prstGeom>
-          <a:noFill/>
-        </p:spPr>
-        <p:txBody>
-          <a:bodyPr wrap="square" lIns="81614" tIns="40807" rIns="81614" bIns="40807" rtlCol="0">
-            <a:spAutoFit/>
-          </a:bodyPr>
-          <a:lstStyle/>
-          <a:p>
-            <a:pPr algn="dist"/>
-            <a:r>
-              <a:rPr lang="zh-CN" altLang="en-US" sz="2100" b="1" dirty="0">
-                <a:solidFill>
-                  <a:srgbClr val="F8F8F8"/>
-                </a:solidFill>
-                <a:latin typeface="+mn-ea"/>
-              </a:rPr>
-              <a:t>目录</a:t>
-            </a:r>
-          </a:p>
-        </p:txBody>
-      </p:sp>
-      <p:sp>
-        <p:nvSpPr>
-          <p:cNvPr id="39" name="TextBox 38"/>
-          <p:cNvSpPr txBox="1"/>
-          <p:nvPr/>
-        </p:nvSpPr>
-        <p:spPr>
-          <a:xfrm>
-            <a:off x="1390087" y="2908017"/>
-            <a:ext cx="882967" cy="297855"/>
-          </a:xfrm>
-          <a:prstGeom prst="rect">
-            <a:avLst/>
-          </a:prstGeom>
-          <a:noFill/>
-        </p:spPr>
-        <p:txBody>
-          <a:bodyPr wrap="none" lIns="81614" tIns="40807" rIns="81614" bIns="40807" rtlCol="0">
-            <a:spAutoFit/>
-          </a:bodyPr>
-          <a:lstStyle/>
-          <a:p>
-            <a:r>
-              <a:rPr lang="en-US" altLang="zh-CN" sz="1400" dirty="0">
-                <a:solidFill>
-                  <a:srgbClr val="F8F8F8"/>
-                </a:solidFill>
-                <a:latin typeface="+mn-ea"/>
-              </a:rPr>
-              <a:t>Contents</a:t>
-            </a:r>
-            <a:endParaRPr lang="zh-CN" altLang="en-US" sz="1400" dirty="0">
-              <a:solidFill>
-                <a:srgbClr val="F8F8F8"/>
-              </a:solidFill>
-              <a:latin typeface="+mn-ea"/>
-            </a:endParaRPr>
-          </a:p>
-        </p:txBody>
-      </p:sp>
-      <p:sp>
-        <p:nvSpPr>
-          <p:cNvPr id="8" name="矩形 7">
-            <a:extLst>
-              <a:ext uri="{FF2B5EF4-FFF2-40B4-BE49-F238E27FC236}">
-                <a16:creationId xmlns:a16="http://schemas.microsoft.com/office/drawing/2014/main" id="{1EEE5BC5-729A-D076-DE6C-9F5287995B7D}"/>
-              </a:ext>
-            </a:extLst>
-          </p:cNvPr>
-          <p:cNvSpPr/>
-          <p:nvPr/>
-        </p:nvSpPr>
-        <p:spPr>
-          <a:xfrm>
-            <a:off x="7035800" y="4878659"/>
-            <a:ext cx="1087120" cy="264841"/>
-          </a:xfrm>
-          <a:prstGeom prst="rect">
-            <a:avLst/>
-          </a:prstGeom>
-          <a:solidFill>
-            <a:srgbClr val="314865"/>
-          </a:solidFill>
-          <a:ln>
-            <a:solidFill>
-              <a:srgbClr val="314865"/>
-            </a:solidFill>
-          </a:ln>
-        </p:spPr>
-        <p:style>
-          <a:lnRef idx="2">
-            <a:schemeClr val="accent1">
-              <a:shade val="50000"/>
-            </a:schemeClr>
-          </a:lnRef>
-          <a:fillRef idx="1">
-            <a:schemeClr val="accent1"/>
-          </a:fillRef>
-          <a:effectRef idx="0">
-            <a:schemeClr val="accent1"/>
-          </a:effectRef>
-          <a:fontRef idx="minor">
-            <a:schemeClr val="lt1"/>
-          </a:fontRef>
-        </p:style>
-        <p:txBody>
-          <a:bodyPr rtlCol="0" anchor="ctr"/>
-          <a:lstStyle/>
-          <a:p>
-            <a:pPr algn="ctr"/>
-            <a:endParaRPr lang="zh-CN" altLang="en-US"/>
-          </a:p>
-        </p:txBody>
-      </p:sp>
-    </p:spTree>
-    <p:extLst>
-      <p:ext uri="{BB962C8B-B14F-4D97-AF65-F5344CB8AC3E}">
-        <p14:creationId xmlns:p14="http://schemas.microsoft.com/office/powerpoint/2010/main" val="3007742642"/>
-      </p:ext>
-    </p:extLst>
-  </p:cSld>
-  <p:clrMapOvr>
-    <a:masterClrMapping/>
-  </p:clrMapOvr>
-  <mc:AlternateContent xmlns:mc="http://schemas.openxmlformats.org/markup-compatibility/2006" xmlns:p14="http://schemas.microsoft.com/office/powerpoint/2010/main">
-    <mc:Choice Requires="p14">
-      <p:transition spd="slow" p14:dur="1500" advTm="7000">
-        <p:random/>
-      </p:transition>
-    </mc:Choice>
-    <mc:Fallback xmlns="">
-      <p:transition spd="slow" advTm="7000">
-        <p:random/>
-      </p:transition>
-    </mc:Fallback>
-  </mc:AlternateContent>
-  <p:timing>
-    <p:tnLst>
-      <p:par>
-        <p:cTn id="1" dur="indefinite" restart="never" nodeType="tmRoot">
-          <p:childTnLst>
-            <p:seq concurrent="1" nextAc="seek">
-              <p:cTn id="2" dur="indefinite" nodeType="mainSeq">
-                <p:childTnLst>
-                  <p:par>
-                    <p:cTn id="3" fill="hold">
-                      <p:stCondLst>
-                        <p:cond delay="indefinite"/>
-                        <p:cond evt="onBegin" delay="0">
-                          <p:tn val="2"/>
-                        </p:cond>
-                      </p:stCondLst>
-                      <p:childTnLst>
-                        <p:par>
-                          <p:cTn id="4" fill="hold">
-                            <p:stCondLst>
-                              <p:cond delay="500"/>
-                            </p:stCondLst>
-                            <p:childTnLst>
-                              <p:par>
-                                <p:cTn id="5" presetID="22" presetClass="entr" presetSubtype="8" fill="hold" grpId="0" nodeType="afterEffect">
-                                  <p:stCondLst>
-                                    <p:cond delay="0"/>
-                                  </p:stCondLst>
-                                  <p:childTnLst>
-                                    <p:set>
-                                      <p:cBhvr>
-                                        <p:cTn id="6" dur="1" fill="hold">
-                                          <p:stCondLst>
-                                            <p:cond delay="0"/>
-                                          </p:stCondLst>
-                                        </p:cTn>
-                                        <p:tgtEl>
-                                          <p:spTgt spid="21"/>
-                                        </p:tgtEl>
-                                        <p:attrNameLst>
-                                          <p:attrName>style.visibility</p:attrName>
-                                        </p:attrNameLst>
-                                      </p:cBhvr>
-                                      <p:to>
-                                        <p:strVal val="visible"/>
-                                      </p:to>
-                                    </p:set>
-                                    <p:animEffect transition="in" filter="wipe(left)">
-                                      <p:cBhvr>
-                                        <p:cTn id="7" dur="500"/>
-                                        <p:tgtEl>
-                                          <p:spTgt spid="21"/>
-                                        </p:tgtEl>
-                                      </p:cBhvr>
-                                    </p:animEffect>
-                                  </p:childTnLst>
-                                </p:cTn>
-                              </p:par>
-                            </p:childTnLst>
-                          </p:cTn>
-                        </p:par>
-                        <p:par>
-                          <p:cTn id="8" fill="hold">
-                            <p:stCondLst>
-                              <p:cond delay="1000"/>
-                            </p:stCondLst>
-                            <p:childTnLst>
-                              <p:par>
-                                <p:cTn id="9" presetID="22" presetClass="entr" presetSubtype="8" fill="hold" grpId="0" nodeType="afterEffect">
-                                  <p:stCondLst>
-                                    <p:cond delay="0"/>
-                                  </p:stCondLst>
-                                  <p:childTnLst>
-                                    <p:set>
-                                      <p:cBhvr>
-                                        <p:cTn id="10" dur="1" fill="hold">
-                                          <p:stCondLst>
-                                            <p:cond delay="0"/>
-                                          </p:stCondLst>
-                                        </p:cTn>
-                                        <p:tgtEl>
-                                          <p:spTgt spid="20"/>
-                                        </p:tgtEl>
-                                        <p:attrNameLst>
-                                          <p:attrName>style.visibility</p:attrName>
-                                        </p:attrNameLst>
-                                      </p:cBhvr>
-                                      <p:to>
-                                        <p:strVal val="visible"/>
-                                      </p:to>
-                                    </p:set>
-                                    <p:animEffect transition="in" filter="wipe(left)">
-                                      <p:cBhvr>
-                                        <p:cTn id="11" dur="500"/>
-                                        <p:tgtEl>
-                                          <p:spTgt spid="20"/>
-                                        </p:tgtEl>
-                                      </p:cBhvr>
-                                    </p:animEffect>
-                                  </p:childTnLst>
-                                </p:cTn>
-                              </p:par>
-                            </p:childTnLst>
-                          </p:cTn>
-                        </p:par>
-                        <p:par>
-                          <p:cTn id="12" fill="hold">
-                            <p:stCondLst>
-                              <p:cond delay="1500"/>
-                            </p:stCondLst>
-                            <p:childTnLst>
-                              <p:par>
-                                <p:cTn id="13" presetID="31" presetClass="entr" presetSubtype="0" fill="hold" grpId="0" nodeType="afterEffect">
-                                  <p:stCondLst>
-                                    <p:cond delay="0"/>
-                                  </p:stCondLst>
-                                  <p:childTnLst>
-                                    <p:set>
-                                      <p:cBhvr>
-                                        <p:cTn id="14" dur="1" fill="hold">
-                                          <p:stCondLst>
-                                            <p:cond delay="0"/>
-                                          </p:stCondLst>
-                                        </p:cTn>
-                                        <p:tgtEl>
-                                          <p:spTgt spid="38"/>
-                                        </p:tgtEl>
-                                        <p:attrNameLst>
-                                          <p:attrName>style.visibility</p:attrName>
-                                        </p:attrNameLst>
-                                      </p:cBhvr>
-                                      <p:to>
-                                        <p:strVal val="visible"/>
-                                      </p:to>
-                                    </p:set>
-                                    <p:anim calcmode="lin" valueType="num">
-                                      <p:cBhvr>
-                                        <p:cTn id="15" dur="500" fill="hold"/>
-                                        <p:tgtEl>
-                                          <p:spTgt spid="38"/>
-                                        </p:tgtEl>
-                                        <p:attrNameLst>
-                                          <p:attrName>ppt_w</p:attrName>
-                                        </p:attrNameLst>
-                                      </p:cBhvr>
-                                      <p:tavLst>
-                                        <p:tav tm="0">
-                                          <p:val>
-                                            <p:fltVal val="0"/>
-                                          </p:val>
-                                        </p:tav>
-                                        <p:tav tm="100000">
-                                          <p:val>
-                                            <p:strVal val="#ppt_w"/>
-                                          </p:val>
-                                        </p:tav>
-                                      </p:tavLst>
-                                    </p:anim>
-                                    <p:anim calcmode="lin" valueType="num">
-                                      <p:cBhvr>
-                                        <p:cTn id="16" dur="500" fill="hold"/>
-                                        <p:tgtEl>
-                                          <p:spTgt spid="38"/>
-                                        </p:tgtEl>
-                                        <p:attrNameLst>
-                                          <p:attrName>ppt_h</p:attrName>
-                                        </p:attrNameLst>
-                                      </p:cBhvr>
-                                      <p:tavLst>
-                                        <p:tav tm="0">
-                                          <p:val>
-                                            <p:fltVal val="0"/>
-                                          </p:val>
-                                        </p:tav>
-                                        <p:tav tm="100000">
-                                          <p:val>
-                                            <p:strVal val="#ppt_h"/>
-                                          </p:val>
-                                        </p:tav>
-                                      </p:tavLst>
-                                    </p:anim>
-                                    <p:anim calcmode="lin" valueType="num">
-                                      <p:cBhvr>
-                                        <p:cTn id="17" dur="500" fill="hold"/>
-                                        <p:tgtEl>
-                                          <p:spTgt spid="38"/>
-                                        </p:tgtEl>
-                                        <p:attrNameLst>
-                                          <p:attrName>style.rotation</p:attrName>
-                                        </p:attrNameLst>
-                                      </p:cBhvr>
-                                      <p:tavLst>
-                                        <p:tav tm="0">
-                                          <p:val>
-                                            <p:fltVal val="90"/>
-                                          </p:val>
-                                        </p:tav>
-                                        <p:tav tm="100000">
-                                          <p:val>
-                                            <p:fltVal val="0"/>
-                                          </p:val>
-                                        </p:tav>
-                                      </p:tavLst>
-                                    </p:anim>
-                                    <p:animEffect transition="in" filter="fade">
-                                      <p:cBhvr>
-                                        <p:cTn id="18" dur="500"/>
-                                        <p:tgtEl>
-                                          <p:spTgt spid="38"/>
-                                        </p:tgtEl>
-                                      </p:cBhvr>
-                                    </p:animEffect>
-                                  </p:childTnLst>
-                                </p:cTn>
-                              </p:par>
-                              <p:par>
-                                <p:cTn id="19" presetID="31" presetClass="entr" presetSubtype="0" fill="hold" grpId="0" nodeType="withEffect">
-                                  <p:stCondLst>
-                                    <p:cond delay="0"/>
-                                  </p:stCondLst>
-                                  <p:childTnLst>
-                                    <p:set>
-                                      <p:cBhvr>
-                                        <p:cTn id="20" dur="1" fill="hold">
-                                          <p:stCondLst>
-                                            <p:cond delay="0"/>
-                                          </p:stCondLst>
-                                        </p:cTn>
-                                        <p:tgtEl>
-                                          <p:spTgt spid="39"/>
-                                        </p:tgtEl>
-                                        <p:attrNameLst>
-                                          <p:attrName>style.visibility</p:attrName>
-                                        </p:attrNameLst>
-                                      </p:cBhvr>
-                                      <p:to>
-                                        <p:strVal val="visible"/>
-                                      </p:to>
-                                    </p:set>
-                                    <p:anim calcmode="lin" valueType="num">
-                                      <p:cBhvr>
-                                        <p:cTn id="21" dur="500" fill="hold"/>
-                                        <p:tgtEl>
-                                          <p:spTgt spid="39"/>
-                                        </p:tgtEl>
-                                        <p:attrNameLst>
-                                          <p:attrName>ppt_w</p:attrName>
-                                        </p:attrNameLst>
-                                      </p:cBhvr>
-                                      <p:tavLst>
-                                        <p:tav tm="0">
-                                          <p:val>
-                                            <p:fltVal val="0"/>
-                                          </p:val>
-                                        </p:tav>
-                                        <p:tav tm="100000">
-                                          <p:val>
-                                            <p:strVal val="#ppt_w"/>
-                                          </p:val>
-                                        </p:tav>
-                                      </p:tavLst>
-                                    </p:anim>
-                                    <p:anim calcmode="lin" valueType="num">
-                                      <p:cBhvr>
-                                        <p:cTn id="22" dur="500" fill="hold"/>
-                                        <p:tgtEl>
-                                          <p:spTgt spid="39"/>
-                                        </p:tgtEl>
-                                        <p:attrNameLst>
-                                          <p:attrName>ppt_h</p:attrName>
-                                        </p:attrNameLst>
-                                      </p:cBhvr>
-                                      <p:tavLst>
-                                        <p:tav tm="0">
-                                          <p:val>
-                                            <p:fltVal val="0"/>
-                                          </p:val>
-                                        </p:tav>
-                                        <p:tav tm="100000">
-                                          <p:val>
-                                            <p:strVal val="#ppt_h"/>
-                                          </p:val>
-                                        </p:tav>
-                                      </p:tavLst>
-                                    </p:anim>
-                                    <p:anim calcmode="lin" valueType="num">
-                                      <p:cBhvr>
-                                        <p:cTn id="23" dur="500" fill="hold"/>
-                                        <p:tgtEl>
-                                          <p:spTgt spid="39"/>
-                                        </p:tgtEl>
-                                        <p:attrNameLst>
-                                          <p:attrName>style.rotation</p:attrName>
-                                        </p:attrNameLst>
-                                      </p:cBhvr>
-                                      <p:tavLst>
-                                        <p:tav tm="0">
-                                          <p:val>
-                                            <p:fltVal val="90"/>
-                                          </p:val>
-                                        </p:tav>
-                                        <p:tav tm="100000">
-                                          <p:val>
-                                            <p:fltVal val="0"/>
-                                          </p:val>
-                                        </p:tav>
-                                      </p:tavLst>
-                                    </p:anim>
-                                    <p:animEffect transition="in" filter="fade">
-                                      <p:cBhvr>
-                                        <p:cTn id="24" dur="500"/>
-                                        <p:tgtEl>
-                                          <p:spTgt spid="39"/>
-                                        </p:tgtEl>
-                                      </p:cBhvr>
-                                    </p:animEffect>
-                                  </p:childTnLst>
-                                </p:cTn>
-                              </p:par>
-                              <p:par>
-                                <p:cTn id="25" presetID="31" presetClass="entr" presetSubtype="0" fill="hold" grpId="0" nodeType="withEffect">
-                                  <p:stCondLst>
-                                    <p:cond delay="0"/>
-                                  </p:stCondLst>
-                                  <p:childTnLst>
-                                    <p:set>
-                                      <p:cBhvr>
-                                        <p:cTn id="26" dur="1" fill="hold">
-                                          <p:stCondLst>
-                                            <p:cond delay="0"/>
-                                          </p:stCondLst>
-                                        </p:cTn>
-                                        <p:tgtEl>
-                                          <p:spTgt spid="22"/>
-                                        </p:tgtEl>
-                                        <p:attrNameLst>
-                                          <p:attrName>style.visibility</p:attrName>
-                                        </p:attrNameLst>
-                                      </p:cBhvr>
-                                      <p:to>
-                                        <p:strVal val="visible"/>
-                                      </p:to>
-                                    </p:set>
-                                    <p:anim calcmode="lin" valueType="num">
-                                      <p:cBhvr>
-                                        <p:cTn id="27" dur="500" fill="hold"/>
-                                        <p:tgtEl>
-                                          <p:spTgt spid="22"/>
-                                        </p:tgtEl>
-                                        <p:attrNameLst>
-                                          <p:attrName>ppt_w</p:attrName>
-                                        </p:attrNameLst>
-                                      </p:cBhvr>
-                                      <p:tavLst>
-                                        <p:tav tm="0">
-                                          <p:val>
-                                            <p:fltVal val="0"/>
-                                          </p:val>
-                                        </p:tav>
-                                        <p:tav tm="100000">
-                                          <p:val>
-                                            <p:strVal val="#ppt_w"/>
-                                          </p:val>
-                                        </p:tav>
-                                      </p:tavLst>
-                                    </p:anim>
-                                    <p:anim calcmode="lin" valueType="num">
-                                      <p:cBhvr>
-                                        <p:cTn id="28" dur="500" fill="hold"/>
-                                        <p:tgtEl>
-                                          <p:spTgt spid="22"/>
-                                        </p:tgtEl>
-                                        <p:attrNameLst>
-                                          <p:attrName>ppt_h</p:attrName>
-                                        </p:attrNameLst>
-                                      </p:cBhvr>
-                                      <p:tavLst>
-                                        <p:tav tm="0">
-                                          <p:val>
-                                            <p:fltVal val="0"/>
-                                          </p:val>
-                                        </p:tav>
-                                        <p:tav tm="100000">
-                                          <p:val>
-                                            <p:strVal val="#ppt_h"/>
-                                          </p:val>
-                                        </p:tav>
-                                      </p:tavLst>
-                                    </p:anim>
-                                    <p:anim calcmode="lin" valueType="num">
-                                      <p:cBhvr>
-                                        <p:cTn id="29" dur="500" fill="hold"/>
-                                        <p:tgtEl>
-                                          <p:spTgt spid="22"/>
-                                        </p:tgtEl>
-                                        <p:attrNameLst>
-                                          <p:attrName>style.rotation</p:attrName>
-                                        </p:attrNameLst>
-                                      </p:cBhvr>
-                                      <p:tavLst>
-                                        <p:tav tm="0">
-                                          <p:val>
-                                            <p:fltVal val="90"/>
-                                          </p:val>
-                                        </p:tav>
-                                        <p:tav tm="100000">
-                                          <p:val>
-                                            <p:fltVal val="0"/>
-                                          </p:val>
-                                        </p:tav>
-                                      </p:tavLst>
-                                    </p:anim>
-                                    <p:animEffect transition="in" filter="fade">
-                                      <p:cBhvr>
-                                        <p:cTn id="30" dur="500"/>
-                                        <p:tgtEl>
-                                          <p:spTgt spid="22"/>
-                                        </p:tgtEl>
-                                      </p:cBhvr>
-                                    </p:animEffect>
-                                  </p:childTnLst>
-                                </p:cTn>
-                              </p:par>
-                              <p:par>
-                                <p:cTn id="31" presetID="31" presetClass="entr" presetSubtype="0" fill="hold" grpId="0" nodeType="withEffect">
-                                  <p:stCondLst>
-                                    <p:cond delay="0"/>
-                                  </p:stCondLst>
-                                  <p:childTnLst>
-                                    <p:set>
-                                      <p:cBhvr>
-                                        <p:cTn id="32" dur="1" fill="hold">
-                                          <p:stCondLst>
-                                            <p:cond delay="0"/>
-                                          </p:stCondLst>
-                                        </p:cTn>
-                                        <p:tgtEl>
-                                          <p:spTgt spid="23"/>
-                                        </p:tgtEl>
-                                        <p:attrNameLst>
-                                          <p:attrName>style.visibility</p:attrName>
-                                        </p:attrNameLst>
-                                      </p:cBhvr>
-                                      <p:to>
-                                        <p:strVal val="visible"/>
-                                      </p:to>
-                                    </p:set>
-                                    <p:anim calcmode="lin" valueType="num">
-                                      <p:cBhvr>
-                                        <p:cTn id="33" dur="500" fill="hold"/>
-                                        <p:tgtEl>
-                                          <p:spTgt spid="23"/>
-                                        </p:tgtEl>
-                                        <p:attrNameLst>
-                                          <p:attrName>ppt_w</p:attrName>
-                                        </p:attrNameLst>
-                                      </p:cBhvr>
-                                      <p:tavLst>
-                                        <p:tav tm="0">
-                                          <p:val>
-                                            <p:fltVal val="0"/>
-                                          </p:val>
-                                        </p:tav>
-                                        <p:tav tm="100000">
-                                          <p:val>
-                                            <p:strVal val="#ppt_w"/>
-                                          </p:val>
-                                        </p:tav>
-                                      </p:tavLst>
-                                    </p:anim>
-                                    <p:anim calcmode="lin" valueType="num">
-                                      <p:cBhvr>
-                                        <p:cTn id="34" dur="500" fill="hold"/>
-                                        <p:tgtEl>
-                                          <p:spTgt spid="23"/>
-                                        </p:tgtEl>
-                                        <p:attrNameLst>
-                                          <p:attrName>ppt_h</p:attrName>
-                                        </p:attrNameLst>
-                                      </p:cBhvr>
-                                      <p:tavLst>
-                                        <p:tav tm="0">
-                                          <p:val>
-                                            <p:fltVal val="0"/>
-                                          </p:val>
-                                        </p:tav>
-                                        <p:tav tm="100000">
-                                          <p:val>
-                                            <p:strVal val="#ppt_h"/>
-                                          </p:val>
-                                        </p:tav>
-                                      </p:tavLst>
-                                    </p:anim>
-                                    <p:anim calcmode="lin" valueType="num">
-                                      <p:cBhvr>
-                                        <p:cTn id="35" dur="500" fill="hold"/>
-                                        <p:tgtEl>
-                                          <p:spTgt spid="23"/>
-                                        </p:tgtEl>
-                                        <p:attrNameLst>
-                                          <p:attrName>style.rotation</p:attrName>
-                                        </p:attrNameLst>
-                                      </p:cBhvr>
-                                      <p:tavLst>
-                                        <p:tav tm="0">
-                                          <p:val>
-                                            <p:fltVal val="90"/>
-                                          </p:val>
-                                        </p:tav>
-                                        <p:tav tm="100000">
-                                          <p:val>
-                                            <p:fltVal val="0"/>
-                                          </p:val>
-                                        </p:tav>
-                                      </p:tavLst>
-                                    </p:anim>
-                                    <p:animEffect transition="in" filter="fade">
-                                      <p:cBhvr>
-                                        <p:cTn id="36" dur="500"/>
-                                        <p:tgtEl>
-                                          <p:spTgt spid="23"/>
-                                        </p:tgtEl>
-                                      </p:cBhvr>
-                                    </p:animEffect>
-                                  </p:childTnLst>
-                                </p:cTn>
-                              </p:par>
-                            </p:childTnLst>
-                          </p:cTn>
-                        </p:par>
-                        <p:par>
-                          <p:cTn id="37" fill="hold">
-                            <p:stCondLst>
-                              <p:cond delay="2000"/>
-                            </p:stCondLst>
-                            <p:childTnLst>
-                              <p:par>
-                                <p:cTn id="38" presetID="22" presetClass="entr" presetSubtype="1" fill="hold" grpId="0" nodeType="afterEffect">
-                                  <p:stCondLst>
-                                    <p:cond delay="0"/>
-                                  </p:stCondLst>
-                                  <p:childTnLst>
-                                    <p:set>
-                                      <p:cBhvr>
-                                        <p:cTn id="39" dur="1" fill="hold">
-                                          <p:stCondLst>
-                                            <p:cond delay="0"/>
-                                          </p:stCondLst>
-                                        </p:cTn>
-                                        <p:tgtEl>
-                                          <p:spTgt spid="28"/>
-                                        </p:tgtEl>
-                                        <p:attrNameLst>
-                                          <p:attrName>style.visibility</p:attrName>
-                                        </p:attrNameLst>
-                                      </p:cBhvr>
-                                      <p:to>
-                                        <p:strVal val="visible"/>
-                                      </p:to>
-                                    </p:set>
-                                    <p:animEffect transition="in" filter="wipe(up)">
-                                      <p:cBhvr>
-                                        <p:cTn id="40" dur="1000"/>
-                                        <p:tgtEl>
-                                          <p:spTgt spid="28"/>
-                                        </p:tgtEl>
-                                      </p:cBhvr>
-                                    </p:animEffect>
-                                  </p:childTnLst>
-                                </p:cTn>
-                              </p:par>
-                            </p:childTnLst>
-                          </p:cTn>
-                        </p:par>
-                        <p:par>
-                          <p:cTn id="41" fill="hold">
-                            <p:stCondLst>
-                              <p:cond delay="3000"/>
-                            </p:stCondLst>
-                            <p:childTnLst>
-                              <p:par>
-                                <p:cTn id="42" presetID="22" presetClass="entr" presetSubtype="8" fill="hold" grpId="0" nodeType="afterEffect">
-                                  <p:stCondLst>
-                                    <p:cond delay="0"/>
-                                  </p:stCondLst>
-                                  <p:childTnLst>
-                                    <p:set>
-                                      <p:cBhvr>
-                                        <p:cTn id="43" dur="1" fill="hold">
-                                          <p:stCondLst>
-                                            <p:cond delay="0"/>
-                                          </p:stCondLst>
-                                        </p:cTn>
-                                        <p:tgtEl>
-                                          <p:spTgt spid="30"/>
-                                        </p:tgtEl>
-                                        <p:attrNameLst>
-                                          <p:attrName>style.visibility</p:attrName>
-                                        </p:attrNameLst>
-                                      </p:cBhvr>
-                                      <p:to>
-                                        <p:strVal val="visible"/>
-                                      </p:to>
-                                    </p:set>
-                                    <p:animEffect transition="in" filter="wipe(left)">
-                                      <p:cBhvr>
-                                        <p:cTn id="44" dur="500"/>
-                                        <p:tgtEl>
-                                          <p:spTgt spid="30"/>
-                                        </p:tgtEl>
-                                      </p:cBhvr>
-                                    </p:animEffect>
-                                  </p:childTnLst>
-                                </p:cTn>
-                              </p:par>
-                              <p:par>
-                                <p:cTn id="45" presetID="22" presetClass="entr" presetSubtype="8" fill="hold" grpId="0" nodeType="withEffect">
-                                  <p:stCondLst>
-                                    <p:cond delay="0"/>
-                                  </p:stCondLst>
-                                  <p:childTnLst>
-                                    <p:set>
-                                      <p:cBhvr>
-                                        <p:cTn id="46" dur="1" fill="hold">
-                                          <p:stCondLst>
-                                            <p:cond delay="0"/>
-                                          </p:stCondLst>
-                                        </p:cTn>
-                                        <p:tgtEl>
-                                          <p:spTgt spid="2"/>
-                                        </p:tgtEl>
-                                        <p:attrNameLst>
-                                          <p:attrName>style.visibility</p:attrName>
-                                        </p:attrNameLst>
-                                      </p:cBhvr>
-                                      <p:to>
-                                        <p:strVal val="visible"/>
-                                      </p:to>
-                                    </p:set>
-                                    <p:animEffect transition="in" filter="wipe(left)">
-                                      <p:cBhvr>
-                                        <p:cTn id="47" dur="500"/>
-                                        <p:tgtEl>
-                                          <p:spTgt spid="2"/>
-                                        </p:tgtEl>
-                                      </p:cBhvr>
-                                    </p:animEffect>
-                                  </p:childTnLst>
-                                </p:cTn>
-                              </p:par>
-                            </p:childTnLst>
-                          </p:cTn>
-                        </p:par>
-                        <p:par>
-                          <p:cTn id="48" fill="hold">
-                            <p:stCondLst>
-                              <p:cond delay="3500"/>
-                            </p:stCondLst>
-                            <p:childTnLst>
-                              <p:par>
-                                <p:cTn id="49" presetID="22" presetClass="entr" presetSubtype="8" fill="hold" grpId="0" nodeType="afterEffect">
-                                  <p:stCondLst>
-                                    <p:cond delay="0"/>
-                                  </p:stCondLst>
-                                  <p:childTnLst>
-                                    <p:set>
-                                      <p:cBhvr>
-                                        <p:cTn id="50" dur="1" fill="hold">
-                                          <p:stCondLst>
-                                            <p:cond delay="0"/>
-                                          </p:stCondLst>
-                                        </p:cTn>
-                                        <p:tgtEl>
-                                          <p:spTgt spid="25"/>
-                                        </p:tgtEl>
-                                        <p:attrNameLst>
-                                          <p:attrName>style.visibility</p:attrName>
-                                        </p:attrNameLst>
-                                      </p:cBhvr>
-                                      <p:to>
-                                        <p:strVal val="visible"/>
-                                      </p:to>
-                                    </p:set>
-                                    <p:animEffect transition="in" filter="wipe(left)">
-                                      <p:cBhvr>
-                                        <p:cTn id="51" dur="500"/>
-                                        <p:tgtEl>
-                                          <p:spTgt spid="25"/>
-                                        </p:tgtEl>
-                                      </p:cBhvr>
-                                    </p:animEffect>
-                                  </p:childTnLst>
-                                </p:cTn>
-                              </p:par>
-                              <p:par>
-                                <p:cTn id="52" presetID="22" presetClass="entr" presetSubtype="8" fill="hold" grpId="0" nodeType="withEffect">
-                                  <p:stCondLst>
-                                    <p:cond delay="0"/>
-                                  </p:stCondLst>
-                                  <p:childTnLst>
-                                    <p:set>
-                                      <p:cBhvr>
-                                        <p:cTn id="53" dur="1" fill="hold">
-                                          <p:stCondLst>
-                                            <p:cond delay="0"/>
-                                          </p:stCondLst>
-                                        </p:cTn>
-                                        <p:tgtEl>
-                                          <p:spTgt spid="73"/>
-                                        </p:tgtEl>
-                                        <p:attrNameLst>
-                                          <p:attrName>style.visibility</p:attrName>
-                                        </p:attrNameLst>
-                                      </p:cBhvr>
-                                      <p:to>
-                                        <p:strVal val="visible"/>
-                                      </p:to>
-                                    </p:set>
-                                    <p:animEffect transition="in" filter="wipe(left)">
-                                      <p:cBhvr>
-                                        <p:cTn id="54" dur="500"/>
-                                        <p:tgtEl>
-                                          <p:spTgt spid="73"/>
-                                        </p:tgtEl>
-                                      </p:cBhvr>
-                                    </p:animEffect>
-                                  </p:childTnLst>
-                                </p:cTn>
-                              </p:par>
-                            </p:childTnLst>
-                          </p:cTn>
-                        </p:par>
-                        <p:par>
-                          <p:cTn id="55" fill="hold">
-                            <p:stCondLst>
-                              <p:cond delay="4000"/>
-                            </p:stCondLst>
-                            <p:childTnLst>
-                              <p:par>
-                                <p:cTn id="56" presetID="22" presetClass="entr" presetSubtype="8" fill="hold" grpId="0" nodeType="afterEffect">
-                                  <p:stCondLst>
-                                    <p:cond delay="0"/>
-                                  </p:stCondLst>
-                                  <p:childTnLst>
-                                    <p:set>
-                                      <p:cBhvr>
-                                        <p:cTn id="57" dur="1" fill="hold">
-                                          <p:stCondLst>
-                                            <p:cond delay="0"/>
-                                          </p:stCondLst>
-                                        </p:cTn>
-                                        <p:tgtEl>
-                                          <p:spTgt spid="26"/>
-                                        </p:tgtEl>
-                                        <p:attrNameLst>
-                                          <p:attrName>style.visibility</p:attrName>
-                                        </p:attrNameLst>
-                                      </p:cBhvr>
-                                      <p:to>
-                                        <p:strVal val="visible"/>
-                                      </p:to>
-                                    </p:set>
-                                    <p:animEffect transition="in" filter="wipe(left)">
-                                      <p:cBhvr>
-                                        <p:cTn id="58" dur="500"/>
-                                        <p:tgtEl>
-                                          <p:spTgt spid="26"/>
-                                        </p:tgtEl>
-                                      </p:cBhvr>
-                                    </p:animEffect>
-                                  </p:childTnLst>
-                                </p:cTn>
-                              </p:par>
-                              <p:par>
-                                <p:cTn id="59" presetID="22" presetClass="entr" presetSubtype="8" fill="hold" grpId="0" nodeType="withEffect">
-                                  <p:stCondLst>
-                                    <p:cond delay="0"/>
-                                  </p:stCondLst>
-                                  <p:childTnLst>
-                                    <p:set>
-                                      <p:cBhvr>
-                                        <p:cTn id="60" dur="1" fill="hold">
-                                          <p:stCondLst>
-                                            <p:cond delay="0"/>
-                                          </p:stCondLst>
-                                        </p:cTn>
-                                        <p:tgtEl>
-                                          <p:spTgt spid="74"/>
-                                        </p:tgtEl>
-                                        <p:attrNameLst>
-                                          <p:attrName>style.visibility</p:attrName>
-                                        </p:attrNameLst>
-                                      </p:cBhvr>
-                                      <p:to>
-                                        <p:strVal val="visible"/>
-                                      </p:to>
-                                    </p:set>
-                                    <p:animEffect transition="in" filter="wipe(left)">
-                                      <p:cBhvr>
-                                        <p:cTn id="61" dur="500"/>
-                                        <p:tgtEl>
-                                          <p:spTgt spid="74"/>
-                                        </p:tgtEl>
-                                      </p:cBhvr>
-                                    </p:animEffect>
-                                  </p:childTnLst>
-                                </p:cTn>
-                              </p:par>
-                            </p:childTnLst>
-                          </p:cTn>
-                        </p:par>
-                        <p:par>
-                          <p:cTn id="62" fill="hold">
-                            <p:stCondLst>
-                              <p:cond delay="4500"/>
-                            </p:stCondLst>
-                            <p:childTnLst>
-                              <p:par>
-                                <p:cTn id="63" presetID="22" presetClass="entr" presetSubtype="8" fill="hold" grpId="0" nodeType="afterEffect">
-                                  <p:stCondLst>
-                                    <p:cond delay="0"/>
-                                  </p:stCondLst>
-                                  <p:childTnLst>
-                                    <p:set>
-                                      <p:cBhvr>
-                                        <p:cTn id="64" dur="1" fill="hold">
-                                          <p:stCondLst>
-                                            <p:cond delay="0"/>
-                                          </p:stCondLst>
-                                        </p:cTn>
-                                        <p:tgtEl>
-                                          <p:spTgt spid="27"/>
-                                        </p:tgtEl>
-                                        <p:attrNameLst>
-                                          <p:attrName>style.visibility</p:attrName>
-                                        </p:attrNameLst>
-                                      </p:cBhvr>
-                                      <p:to>
-                                        <p:strVal val="visible"/>
-                                      </p:to>
-                                    </p:set>
-                                    <p:animEffect transition="in" filter="wipe(left)">
-                                      <p:cBhvr>
-                                        <p:cTn id="65" dur="500"/>
-                                        <p:tgtEl>
-                                          <p:spTgt spid="27"/>
-                                        </p:tgtEl>
-                                      </p:cBhvr>
-                                    </p:animEffect>
-                                  </p:childTnLst>
-                                </p:cTn>
-                              </p:par>
-                              <p:par>
-                                <p:cTn id="66" presetID="22" presetClass="entr" presetSubtype="8" fill="hold" grpId="0" nodeType="withEffect">
-                                  <p:stCondLst>
-                                    <p:cond delay="0"/>
-                                  </p:stCondLst>
-                                  <p:childTnLst>
-                                    <p:set>
-                                      <p:cBhvr>
-                                        <p:cTn id="67" dur="1" fill="hold">
-                                          <p:stCondLst>
-                                            <p:cond delay="0"/>
-                                          </p:stCondLst>
-                                        </p:cTn>
-                                        <p:tgtEl>
-                                          <p:spTgt spid="75"/>
-                                        </p:tgtEl>
-                                        <p:attrNameLst>
-                                          <p:attrName>style.visibility</p:attrName>
-                                        </p:attrNameLst>
-                                      </p:cBhvr>
-                                      <p:to>
-                                        <p:strVal val="visible"/>
-                                      </p:to>
-                                    </p:set>
-                                    <p:animEffect transition="in" filter="wipe(left)">
-                                      <p:cBhvr>
-                                        <p:cTn id="68" dur="500"/>
-                                        <p:tgtEl>
-                                          <p:spTgt spid="75"/>
-                                        </p:tgtEl>
-                                      </p:cBhvr>
-                                    </p:animEffect>
-                                  </p:childTnLst>
-                                </p:cTn>
-                              </p:par>
-                            </p:childTnLst>
-                          </p:cTn>
-                        </p:par>
-                      </p:childTnLst>
-                    </p:cTn>
-                  </p:par>
-                </p:childTnLst>
-              </p:cTn>
-              <p:prevCondLst>
-                <p:cond evt="onPrev" delay="0">
-                  <p:tgtEl>
-                    <p:sldTgt/>
-                  </p:tgtEl>
-                </p:cond>
-              </p:prevCondLst>
-              <p:nextCondLst>
-                <p:cond evt="onNext" delay="0">
-                  <p:tgtEl>
-                    <p:sldTgt/>
-                  </p:tgtEl>
-                </p:cond>
-              </p:nextCondLst>
-            </p:seq>
-          </p:childTnLst>
-        </p:cTn>
-      </p:par>
-    </p:tnLst>
-    <p:bldLst>
-      <p:bldP spid="20" grpId="0" animBg="1"/>
-      <p:bldP spid="21" grpId="0" animBg="1"/>
-      <p:bldP spid="28" grpId="0" animBg="1"/>
-      <p:bldP spid="30" grpId="0" animBg="1"/>
-      <p:bldP spid="73" grpId="0" animBg="1"/>
-      <p:bldP spid="74" grpId="0" animBg="1"/>
-      <p:bldP spid="75" grpId="0" animBg="1"/>
-      <p:bldP spid="2" grpId="0"/>
-      <p:bldP spid="25" grpId="0"/>
-      <p:bldP spid="26" grpId="0"/>
-      <p:bldP spid="27" grpId="0"/>
-      <p:bldP spid="22" grpId="0" animBg="1"/>
-      <p:bldP spid="23" grpId="0" animBg="1"/>
-      <p:bldP spid="38" grpId="0"/>
-      <p:bldP spid="39" grpId="0"/>
-    </p:bldLst>
-  </p:timing>
 </p:sld>
 </file>
 
